--- a/vue分享.pptx
+++ b/vue分享.pptx
@@ -1,35 +1,28 @@
 
 <file path=ppt/presentation.xml><?xml version="1.0" encoding="utf-8"?>
-<p:presentation xmlns:a="http://schemas.openxmlformats.org/drawingml/2006/main" xmlns:r="http://schemas.openxmlformats.org/officeDocument/2006/relationships" xmlns:p="http://schemas.openxmlformats.org/presentationml/2006/main" saveSubsetFonts="1" autoCompressPictures="0">
+<p:presentation xmlns:a="http://schemas.openxmlformats.org/drawingml/2006/main" xmlns:r="http://schemas.openxmlformats.org/officeDocument/2006/relationships" xmlns:p="http://schemas.openxmlformats.org/presentationml/2006/main" autoCompressPictures="0">
   <p:sldMasterIdLst>
     <p:sldMasterId id="2147483648" r:id="rId1"/>
   </p:sldMasterIdLst>
   <p:notesMasterIdLst>
-    <p:notesMasterId r:id="rId24"/>
+    <p:notesMasterId r:id="rId4"/>
   </p:notesMasterIdLst>
   <p:sldIdLst>
-    <p:sldId id="256" r:id="rId2"/>
-    <p:sldId id="257" r:id="rId3"/>
-    <p:sldId id="258" r:id="rId4"/>
-    <p:sldId id="260" r:id="rId5"/>
-    <p:sldId id="259" r:id="rId6"/>
-    <p:sldId id="261" r:id="rId7"/>
-    <p:sldId id="262" r:id="rId8"/>
-    <p:sldId id="263" r:id="rId9"/>
-    <p:sldId id="264" r:id="rId10"/>
-    <p:sldId id="265" r:id="rId11"/>
-    <p:sldId id="266" r:id="rId12"/>
-    <p:sldId id="267" r:id="rId13"/>
-    <p:sldId id="268" r:id="rId14"/>
-    <p:sldId id="269" r:id="rId15"/>
-    <p:sldId id="270" r:id="rId16"/>
-    <p:sldId id="271" r:id="rId17"/>
-    <p:sldId id="272" r:id="rId18"/>
-    <p:sldId id="273" r:id="rId19"/>
-    <p:sldId id="274" r:id="rId20"/>
-    <p:sldId id="275" r:id="rId21"/>
-    <p:sldId id="276" r:id="rId22"/>
-    <p:sldId id="277" r:id="rId23"/>
+    <p:sldId id="256" r:id="rId3"/>
+    <p:sldId id="257" r:id="rId5"/>
+    <p:sldId id="258" r:id="rId6"/>
+    <p:sldId id="260" r:id="rId7"/>
+    <p:sldId id="259" r:id="rId8"/>
+    <p:sldId id="261" r:id="rId9"/>
+    <p:sldId id="262" r:id="rId10"/>
+    <p:sldId id="263" r:id="rId11"/>
+    <p:sldId id="264" r:id="rId12"/>
+    <p:sldId id="265" r:id="rId13"/>
+    <p:sldId id="266" r:id="rId14"/>
+    <p:sldId id="267" r:id="rId15"/>
+    <p:sldId id="273" r:id="rId16"/>
+    <p:sldId id="276" r:id="rId17"/>
+    <p:sldId id="277" r:id="rId18"/>
   </p:sldIdLst>
   <p:sldSz cx="12192000" cy="6858000"/>
   <p:notesSz cx="6858000" cy="9144000"/>
@@ -128,11 +121,6 @@
       </a:defRPr>
     </a:lvl9pPr>
   </p:defaultTextStyle>
-  <p:extLst>
-    <p:ext uri="{EFAFB233-063F-42B5-8137-9DF3F51BA10A}">
-      <p15:sldGuideLst xmlns:p15="http://schemas.microsoft.com/office/powerpoint/2012/main"/>
-    </p:ext>
-  </p:extLst>
 </p:presentation>
 </file>
 
@@ -218,7 +206,6 @@
           <a:p>
             <a:fld id="{46E9857C-11A9-864E-9A17-57C8E004E5B1}" type="datetimeFigureOut">
               <a:rPr kumimoji="1" lang="zh-CN" altLang="en-US" smtClean="0"/>
-              <a:t>17/4/26</a:t>
             </a:fld>
             <a:endParaRPr kumimoji="1" lang="zh-CN" altLang="en-US"/>
           </a:p>
@@ -285,6 +272,7 @@
               <a:rPr kumimoji="1" lang="zh-CN" altLang="en-US" smtClean="0"/>
               <a:t>单击此处编辑母版文本样式</a:t>
             </a:r>
+            <a:endParaRPr kumimoji="1" lang="zh-CN" altLang="en-US" smtClean="0"/>
           </a:p>
           <a:p>
             <a:pPr lvl="1"/>
@@ -292,6 +280,7 @@
               <a:rPr kumimoji="1" lang="zh-CN" altLang="en-US" smtClean="0"/>
               <a:t>二级</a:t>
             </a:r>
+            <a:endParaRPr kumimoji="1" lang="zh-CN" altLang="en-US" smtClean="0"/>
           </a:p>
           <a:p>
             <a:pPr lvl="2"/>
@@ -299,6 +288,7 @@
               <a:rPr kumimoji="1" lang="zh-CN" altLang="en-US" smtClean="0"/>
               <a:t>三级</a:t>
             </a:r>
+            <a:endParaRPr kumimoji="1" lang="zh-CN" altLang="en-US" smtClean="0"/>
           </a:p>
           <a:p>
             <a:pPr lvl="3"/>
@@ -306,6 +296,7 @@
               <a:rPr kumimoji="1" lang="zh-CN" altLang="en-US" smtClean="0"/>
               <a:t>四级</a:t>
             </a:r>
+            <a:endParaRPr kumimoji="1" lang="zh-CN" altLang="en-US" smtClean="0"/>
           </a:p>
           <a:p>
             <a:pPr lvl="4"/>
@@ -377,18 +368,12 @@
           <a:p>
             <a:fld id="{6DBF6E09-C7B1-4D49-ABA7-37AAF47458BA}" type="slidenum">
               <a:rPr kumimoji="1" lang="zh-CN" altLang="en-US" smtClean="0"/>
-              <a:t>‹#›</a:t>
             </a:fld>
             <a:endParaRPr kumimoji="1" lang="zh-CN" altLang="en-US"/>
           </a:p>
         </p:txBody>
       </p:sp>
     </p:spTree>
-    <p:extLst>
-      <p:ext uri="{BB962C8B-B14F-4D97-AF65-F5344CB8AC3E}">
-        <p14:creationId xmlns:p14="http://schemas.microsoft.com/office/powerpoint/2010/main" val="625881809"/>
-      </p:ext>
-    </p:extLst>
   </p:cSld>
   <p:clrMap bg1="lt1" tx1="dk1" bg2="lt2" tx2="dk2" accent1="accent1" accent2="accent2" accent3="accent3" accent4="accent4" accent5="accent5" accent6="accent6" hlink="hlink" folHlink="folHlink"/>
   <p:notesStyle>
@@ -555,18 +540,12 @@
           <a:p>
             <a:fld id="{6DBF6E09-C7B1-4D49-ABA7-37AAF47458BA}" type="slidenum">
               <a:rPr kumimoji="1" lang="zh-CN" altLang="en-US" smtClean="0"/>
-              <a:t>1</a:t>
             </a:fld>
             <a:endParaRPr kumimoji="1" lang="zh-CN" altLang="en-US"/>
           </a:p>
         </p:txBody>
       </p:sp>
     </p:spTree>
-    <p:extLst>
-      <p:ext uri="{BB962C8B-B14F-4D97-AF65-F5344CB8AC3E}">
-        <p14:creationId xmlns:p14="http://schemas.microsoft.com/office/powerpoint/2010/main" val="820660857"/>
-      </p:ext>
-    </p:extLst>
   </p:cSld>
   <p:clrMapOvr>
     <a:masterClrMapping/>
@@ -762,8 +741,6 @@
           <a:p>
             <a:fld id="{B61BEF0D-F0BB-DE4B-95CE-6DB70DBA9567}" type="datetimeFigureOut">
               <a:rPr lang="en-US" dirty="0"/>
-              <a:pPr/>
-              <a:t>4/26/17</a:t>
             </a:fld>
             <a:endParaRPr lang="en-US" dirty="0"/>
           </a:p>
@@ -892,8 +869,6 @@
           <a:p>
             <a:fld id="{D57F1E4F-1CFF-5643-939E-217C01CDF565}" type="slidenum">
               <a:rPr lang="en-US" dirty="0"/>
-              <a:pPr/>
-              <a:t>‹#›</a:t>
             </a:fld>
             <a:endParaRPr lang="en-US" dirty="0"/>
           </a:p>
@@ -1077,6 +1052,7 @@
               <a:rPr lang="zh-CN" altLang="en-US" smtClean="0"/>
               <a:t>单击此处编辑母版文本样式</a:t>
             </a:r>
+            <a:endParaRPr lang="zh-CN" altLang="en-US" smtClean="0"/>
           </a:p>
         </p:txBody>
       </p:sp>
@@ -1097,8 +1073,6 @@
           <a:p>
             <a:fld id="{B61BEF0D-F0BB-DE4B-95CE-6DB70DBA9567}" type="datetimeFigureOut">
               <a:rPr lang="en-US" dirty="0"/>
-              <a:pPr/>
-              <a:t>4/26/17</a:t>
             </a:fld>
             <a:endParaRPr lang="en-US" dirty="0"/>
           </a:p>
@@ -1227,8 +1201,6 @@
           <a:p>
             <a:fld id="{D57F1E4F-1CFF-5643-939E-217C01CDF565}" type="slidenum">
               <a:rPr lang="en-US" dirty="0"/>
-              <a:pPr/>
-              <a:t>‹#›</a:t>
             </a:fld>
             <a:endParaRPr lang="en-US" dirty="0"/>
           </a:p>
@@ -1353,6 +1325,7 @@
               <a:rPr lang="zh-CN" altLang="en-US" smtClean="0"/>
               <a:t>单击此处编辑母版文本样式</a:t>
             </a:r>
+            <a:endParaRPr lang="zh-CN" altLang="en-US" smtClean="0"/>
           </a:p>
         </p:txBody>
       </p:sp>
@@ -1475,6 +1448,7 @@
               <a:rPr lang="zh-CN" altLang="en-US" smtClean="0"/>
               <a:t>单击此处编辑母版文本样式</a:t>
             </a:r>
+            <a:endParaRPr lang="zh-CN" altLang="en-US" smtClean="0"/>
           </a:p>
         </p:txBody>
       </p:sp>
@@ -1495,8 +1469,6 @@
           <a:p>
             <a:fld id="{B61BEF0D-F0BB-DE4B-95CE-6DB70DBA9567}" type="datetimeFigureOut">
               <a:rPr lang="en-US" dirty="0"/>
-              <a:pPr/>
-              <a:t>4/26/17</a:t>
             </a:fld>
             <a:endParaRPr lang="en-US" dirty="0"/>
           </a:p>
@@ -1625,8 +1597,6 @@
           <a:p>
             <a:fld id="{D57F1E4F-1CFF-5643-939E-217C01CDF565}" type="slidenum">
               <a:rPr lang="en-US" dirty="0"/>
-              <a:pPr/>
-              <a:t>‹#›</a:t>
             </a:fld>
             <a:endParaRPr lang="en-US" dirty="0"/>
           </a:p>
@@ -1663,10 +1633,20 @@
                   <a:schemeClr val="accent1"/>
                 </a:solidFill>
                 <a:effectLst/>
-                <a:latin typeface="Arial"/>
+                <a:latin typeface="Arial" panose="020B0604020202020204"/>
               </a:rPr>
               <a:t>“</a:t>
             </a:r>
+            <a:endParaRPr lang="en-US" sz="8000" baseline="0" dirty="0">
+              <a:ln w="3175" cmpd="sng">
+                <a:noFill/>
+              </a:ln>
+              <a:solidFill>
+                <a:schemeClr val="accent1"/>
+              </a:solidFill>
+              <a:effectLst/>
+              <a:latin typeface="Arial" panose="020B0604020202020204"/>
+            </a:endParaRPr>
           </a:p>
         </p:txBody>
       </p:sp>
@@ -1701,10 +1681,20 @@
                   <a:schemeClr val="accent1"/>
                 </a:solidFill>
                 <a:effectLst/>
-                <a:latin typeface="Arial"/>
+                <a:latin typeface="Arial" panose="020B0604020202020204"/>
               </a:rPr>
               <a:t>”</a:t>
             </a:r>
+            <a:endParaRPr lang="en-US" sz="8000" baseline="0" dirty="0">
+              <a:ln w="3175" cmpd="sng">
+                <a:noFill/>
+              </a:ln>
+              <a:solidFill>
+                <a:schemeClr val="accent1"/>
+              </a:solidFill>
+              <a:effectLst/>
+              <a:latin typeface="Arial" panose="020B0604020202020204"/>
+            </a:endParaRPr>
           </a:p>
         </p:txBody>
       </p:sp>
@@ -1808,6 +1798,7 @@
               <a:rPr lang="zh-CN" altLang="en-US" smtClean="0"/>
               <a:t>单击此处编辑母版文本样式</a:t>
             </a:r>
+            <a:endParaRPr lang="zh-CN" altLang="en-US" smtClean="0"/>
           </a:p>
         </p:txBody>
       </p:sp>
@@ -1828,8 +1819,6 @@
           <a:p>
             <a:fld id="{B61BEF0D-F0BB-DE4B-95CE-6DB70DBA9567}" type="datetimeFigureOut">
               <a:rPr lang="en-US" dirty="0"/>
-              <a:pPr/>
-              <a:t>4/26/17</a:t>
             </a:fld>
             <a:endParaRPr lang="en-US" dirty="0"/>
           </a:p>
@@ -1958,8 +1947,6 @@
           <a:p>
             <a:fld id="{D57F1E4F-1CFF-5643-939E-217C01CDF565}" type="slidenum">
               <a:rPr lang="en-US" dirty="0"/>
-              <a:pPr/>
-              <a:t>‹#›</a:t>
             </a:fld>
             <a:endParaRPr lang="en-US" dirty="0"/>
           </a:p>
@@ -2081,6 +2068,7 @@
               <a:rPr lang="zh-CN" altLang="en-US" smtClean="0"/>
               <a:t>单击此处编辑母版文本样式</a:t>
             </a:r>
+            <a:endParaRPr lang="zh-CN" altLang="en-US" smtClean="0"/>
           </a:p>
         </p:txBody>
       </p:sp>
@@ -2125,6 +2113,7 @@
               <a:rPr lang="zh-CN" altLang="en-US" smtClean="0"/>
               <a:t>单击此处编辑母版文本样式</a:t>
             </a:r>
+            <a:endParaRPr lang="zh-CN" altLang="en-US" smtClean="0"/>
           </a:p>
         </p:txBody>
       </p:sp>
@@ -2145,8 +2134,6 @@
           <a:p>
             <a:fld id="{B61BEF0D-F0BB-DE4B-95CE-6DB70DBA9567}" type="datetimeFigureOut">
               <a:rPr lang="en-US" dirty="0"/>
-              <a:pPr/>
-              <a:t>4/26/17</a:t>
             </a:fld>
             <a:endParaRPr lang="en-US" dirty="0"/>
           </a:p>
@@ -2275,8 +2262,6 @@
           <a:p>
             <a:fld id="{D57F1E4F-1CFF-5643-939E-217C01CDF565}" type="slidenum">
               <a:rPr lang="en-US" dirty="0"/>
-              <a:pPr/>
-              <a:t>‹#›</a:t>
             </a:fld>
             <a:endParaRPr lang="en-US" dirty="0"/>
           </a:p>
@@ -2313,10 +2298,20 @@
                   <a:schemeClr val="accent1"/>
                 </a:solidFill>
                 <a:effectLst/>
-                <a:latin typeface="Arial"/>
+                <a:latin typeface="Arial" panose="020B0604020202020204"/>
               </a:rPr>
               <a:t>“</a:t>
             </a:r>
+            <a:endParaRPr lang="en-US" sz="8000" baseline="0" dirty="0">
+              <a:ln w="3175" cmpd="sng">
+                <a:noFill/>
+              </a:ln>
+              <a:solidFill>
+                <a:schemeClr val="accent1"/>
+              </a:solidFill>
+              <a:effectLst/>
+              <a:latin typeface="Arial" panose="020B0604020202020204"/>
+            </a:endParaRPr>
           </a:p>
         </p:txBody>
       </p:sp>
@@ -2351,10 +2346,20 @@
                   <a:schemeClr val="accent1"/>
                 </a:solidFill>
                 <a:effectLst/>
-                <a:latin typeface="Arial"/>
+                <a:latin typeface="Arial" panose="020B0604020202020204"/>
               </a:rPr>
               <a:t>”</a:t>
             </a:r>
+            <a:endParaRPr lang="en-US" sz="8000" baseline="0" dirty="0">
+              <a:ln w="3175" cmpd="sng">
+                <a:noFill/>
+              </a:ln>
+              <a:solidFill>
+                <a:schemeClr val="accent1"/>
+              </a:solidFill>
+              <a:effectLst/>
+              <a:latin typeface="Arial" panose="020B0604020202020204"/>
+            </a:endParaRPr>
           </a:p>
         </p:txBody>
       </p:sp>
@@ -2474,6 +2479,7 @@
               <a:rPr lang="zh-CN" altLang="en-US" smtClean="0"/>
               <a:t>单击此处编辑母版文本样式</a:t>
             </a:r>
+            <a:endParaRPr lang="zh-CN" altLang="en-US" smtClean="0"/>
           </a:p>
         </p:txBody>
       </p:sp>
@@ -2518,6 +2524,7 @@
               <a:rPr lang="zh-CN" altLang="en-US" smtClean="0"/>
               <a:t>单击此处编辑母版文本样式</a:t>
             </a:r>
+            <a:endParaRPr lang="zh-CN" altLang="en-US" smtClean="0"/>
           </a:p>
         </p:txBody>
       </p:sp>
@@ -2538,8 +2545,6 @@
           <a:p>
             <a:fld id="{B61BEF0D-F0BB-DE4B-95CE-6DB70DBA9567}" type="datetimeFigureOut">
               <a:rPr lang="en-US" dirty="0"/>
-              <a:pPr/>
-              <a:t>4/26/17</a:t>
             </a:fld>
             <a:endParaRPr lang="en-US" dirty="0"/>
           </a:p>
@@ -2668,8 +2673,6 @@
           <a:p>
             <a:fld id="{D57F1E4F-1CFF-5643-939E-217C01CDF565}" type="slidenum">
               <a:rPr lang="en-US" dirty="0"/>
-              <a:pPr/>
-              <a:t>‹#›</a:t>
             </a:fld>
             <a:endParaRPr lang="en-US" dirty="0"/>
           </a:p>
@@ -2743,6 +2746,7 @@
               <a:rPr lang="zh-CN" altLang="en-US" smtClean="0"/>
               <a:t>单击此处编辑母版文本样式</a:t>
             </a:r>
+            <a:endParaRPr lang="zh-CN" altLang="en-US" smtClean="0"/>
           </a:p>
           <a:p>
             <a:pPr lvl="1"/>
@@ -2750,6 +2754,7 @@
               <a:rPr lang="zh-CN" altLang="en-US" smtClean="0"/>
               <a:t>二级</a:t>
             </a:r>
+            <a:endParaRPr lang="zh-CN" altLang="en-US" smtClean="0"/>
           </a:p>
           <a:p>
             <a:pPr lvl="2"/>
@@ -2757,6 +2762,7 @@
               <a:rPr lang="zh-CN" altLang="en-US" smtClean="0"/>
               <a:t>三级</a:t>
             </a:r>
+            <a:endParaRPr lang="zh-CN" altLang="en-US" smtClean="0"/>
           </a:p>
           <a:p>
             <a:pPr lvl="3"/>
@@ -2764,6 +2770,7 @@
               <a:rPr lang="zh-CN" altLang="en-US" smtClean="0"/>
               <a:t>四级</a:t>
             </a:r>
+            <a:endParaRPr lang="zh-CN" altLang="en-US" smtClean="0"/>
           </a:p>
           <a:p>
             <a:pPr lvl="4"/>
@@ -2792,8 +2799,6 @@
           <a:p>
             <a:fld id="{B61BEF0D-F0BB-DE4B-95CE-6DB70DBA9567}" type="datetimeFigureOut">
               <a:rPr lang="en-US" dirty="0"/>
-              <a:pPr/>
-              <a:t>4/26/17</a:t>
             </a:fld>
             <a:endParaRPr lang="en-US" dirty="0"/>
           </a:p>
@@ -2917,8 +2922,6 @@
           <a:p>
             <a:fld id="{D57F1E4F-1CFF-5643-939E-217C01CDF565}" type="slidenum">
               <a:rPr lang="en-US" dirty="0"/>
-              <a:pPr/>
-              <a:t>‹#›</a:t>
             </a:fld>
             <a:endParaRPr lang="en-US" dirty="0"/>
           </a:p>
@@ -3002,6 +3005,7 @@
               <a:rPr lang="zh-CN" altLang="en-US" smtClean="0"/>
               <a:t>单击此处编辑母版文本样式</a:t>
             </a:r>
+            <a:endParaRPr lang="zh-CN" altLang="en-US" smtClean="0"/>
           </a:p>
           <a:p>
             <a:pPr lvl="1"/>
@@ -3009,6 +3013,7 @@
               <a:rPr lang="zh-CN" altLang="en-US" smtClean="0"/>
               <a:t>二级</a:t>
             </a:r>
+            <a:endParaRPr lang="zh-CN" altLang="en-US" smtClean="0"/>
           </a:p>
           <a:p>
             <a:pPr lvl="2"/>
@@ -3016,6 +3021,7 @@
               <a:rPr lang="zh-CN" altLang="en-US" smtClean="0"/>
               <a:t>三级</a:t>
             </a:r>
+            <a:endParaRPr lang="zh-CN" altLang="en-US" smtClean="0"/>
           </a:p>
           <a:p>
             <a:pPr lvl="3"/>
@@ -3023,6 +3029,7 @@
               <a:rPr lang="zh-CN" altLang="en-US" smtClean="0"/>
               <a:t>四级</a:t>
             </a:r>
+            <a:endParaRPr lang="zh-CN" altLang="en-US" smtClean="0"/>
           </a:p>
           <a:p>
             <a:pPr lvl="4"/>
@@ -3051,8 +3058,6 @@
           <a:p>
             <a:fld id="{B61BEF0D-F0BB-DE4B-95CE-6DB70DBA9567}" type="datetimeFigureOut">
               <a:rPr lang="en-US" dirty="0"/>
-              <a:pPr/>
-              <a:t>4/26/17</a:t>
             </a:fld>
             <a:endParaRPr lang="en-US" dirty="0"/>
           </a:p>
@@ -3176,8 +3181,6 @@
           <a:p>
             <a:fld id="{D57F1E4F-1CFF-5643-939E-217C01CDF565}" type="slidenum">
               <a:rPr lang="en-US" dirty="0"/>
-              <a:pPr/>
-              <a:t>‹#›</a:t>
             </a:fld>
             <a:endParaRPr lang="en-US" dirty="0"/>
           </a:p>
@@ -3261,6 +3264,7 @@
               <a:rPr lang="zh-CN" altLang="en-US" smtClean="0"/>
               <a:t>单击此处编辑母版文本样式</a:t>
             </a:r>
+            <a:endParaRPr lang="zh-CN" altLang="en-US" smtClean="0"/>
           </a:p>
           <a:p>
             <a:pPr lvl="1"/>
@@ -3268,6 +3272,7 @@
               <a:rPr lang="zh-CN" altLang="en-US" smtClean="0"/>
               <a:t>二级</a:t>
             </a:r>
+            <a:endParaRPr lang="zh-CN" altLang="en-US" smtClean="0"/>
           </a:p>
           <a:p>
             <a:pPr lvl="2"/>
@@ -3275,6 +3280,7 @@
               <a:rPr lang="zh-CN" altLang="en-US" smtClean="0"/>
               <a:t>三级</a:t>
             </a:r>
+            <a:endParaRPr lang="zh-CN" altLang="en-US" smtClean="0"/>
           </a:p>
           <a:p>
             <a:pPr lvl="3"/>
@@ -3282,6 +3288,7 @@
               <a:rPr lang="zh-CN" altLang="en-US" smtClean="0"/>
               <a:t>四级</a:t>
             </a:r>
+            <a:endParaRPr lang="zh-CN" altLang="en-US" smtClean="0"/>
           </a:p>
           <a:p>
             <a:pPr lvl="4"/>
@@ -3310,8 +3317,6 @@
           <a:p>
             <a:fld id="{B61BEF0D-F0BB-DE4B-95CE-6DB70DBA9567}" type="datetimeFigureOut">
               <a:rPr lang="en-US" dirty="0"/>
-              <a:pPr/>
-              <a:t>4/26/17</a:t>
             </a:fld>
             <a:endParaRPr lang="en-US" dirty="0"/>
           </a:p>
@@ -3435,8 +3440,6 @@
           <a:p>
             <a:fld id="{D57F1E4F-1CFF-5643-939E-217C01CDF565}" type="slidenum">
               <a:rPr lang="en-US" dirty="0"/>
-              <a:pPr/>
-              <a:t>‹#›</a:t>
             </a:fld>
             <a:endParaRPr lang="en-US" dirty="0"/>
           </a:p>
@@ -3616,6 +3619,7 @@
               <a:rPr lang="zh-CN" altLang="en-US" smtClean="0"/>
               <a:t>单击此处编辑母版文本样式</a:t>
             </a:r>
+            <a:endParaRPr lang="zh-CN" altLang="en-US" smtClean="0"/>
           </a:p>
         </p:txBody>
       </p:sp>
@@ -3636,8 +3640,6 @@
           <a:p>
             <a:fld id="{B61BEF0D-F0BB-DE4B-95CE-6DB70DBA9567}" type="datetimeFigureOut">
               <a:rPr lang="en-US" dirty="0"/>
-              <a:pPr/>
-              <a:t>4/26/17</a:t>
             </a:fld>
             <a:endParaRPr lang="en-US" dirty="0"/>
           </a:p>
@@ -3766,8 +3768,6 @@
           <a:p>
             <a:fld id="{D57F1E4F-1CFF-5643-939E-217C01CDF565}" type="slidenum">
               <a:rPr lang="en-US" dirty="0"/>
-              <a:pPr/>
-              <a:t>‹#›</a:t>
             </a:fld>
             <a:endParaRPr lang="en-US" dirty="0"/>
           </a:p>
@@ -3848,6 +3848,7 @@
               <a:rPr lang="zh-CN" altLang="en-US" smtClean="0"/>
               <a:t>单击此处编辑母版文本样式</a:t>
             </a:r>
+            <a:endParaRPr lang="zh-CN" altLang="en-US" smtClean="0"/>
           </a:p>
           <a:p>
             <a:pPr lvl="1"/>
@@ -3855,6 +3856,7 @@
               <a:rPr lang="zh-CN" altLang="en-US" smtClean="0"/>
               <a:t>二级</a:t>
             </a:r>
+            <a:endParaRPr lang="zh-CN" altLang="en-US" smtClean="0"/>
           </a:p>
           <a:p>
             <a:pPr lvl="2"/>
@@ -3862,6 +3864,7 @@
               <a:rPr lang="zh-CN" altLang="en-US" smtClean="0"/>
               <a:t>三级</a:t>
             </a:r>
+            <a:endParaRPr lang="zh-CN" altLang="en-US" smtClean="0"/>
           </a:p>
           <a:p>
             <a:pPr lvl="3"/>
@@ -3869,6 +3872,7 @@
               <a:rPr lang="zh-CN" altLang="en-US" smtClean="0"/>
               <a:t>四级</a:t>
             </a:r>
+            <a:endParaRPr lang="zh-CN" altLang="en-US" smtClean="0"/>
           </a:p>
           <a:p>
             <a:pPr lvl="4"/>
@@ -3907,6 +3911,7 @@
               <a:rPr lang="zh-CN" altLang="en-US" smtClean="0"/>
               <a:t>单击此处编辑母版文本样式</a:t>
             </a:r>
+            <a:endParaRPr lang="zh-CN" altLang="en-US" smtClean="0"/>
           </a:p>
           <a:p>
             <a:pPr lvl="1"/>
@@ -3914,6 +3919,7 @@
               <a:rPr lang="zh-CN" altLang="en-US" smtClean="0"/>
               <a:t>二级</a:t>
             </a:r>
+            <a:endParaRPr lang="zh-CN" altLang="en-US" smtClean="0"/>
           </a:p>
           <a:p>
             <a:pPr lvl="2"/>
@@ -3921,6 +3927,7 @@
               <a:rPr lang="zh-CN" altLang="en-US" smtClean="0"/>
               <a:t>三级</a:t>
             </a:r>
+            <a:endParaRPr lang="zh-CN" altLang="en-US" smtClean="0"/>
           </a:p>
           <a:p>
             <a:pPr lvl="3"/>
@@ -3928,6 +3935,7 @@
               <a:rPr lang="zh-CN" altLang="en-US" smtClean="0"/>
               <a:t>四级</a:t>
             </a:r>
+            <a:endParaRPr lang="zh-CN" altLang="en-US" smtClean="0"/>
           </a:p>
           <a:p>
             <a:pPr lvl="4"/>
@@ -3956,8 +3964,6 @@
           <a:p>
             <a:fld id="{B61BEF0D-F0BB-DE4B-95CE-6DB70DBA9567}" type="datetimeFigureOut">
               <a:rPr lang="en-US" dirty="0"/>
-              <a:pPr/>
-              <a:t>4/26/17</a:t>
             </a:fld>
             <a:endParaRPr lang="en-US" dirty="0"/>
           </a:p>
@@ -4086,8 +4092,6 @@
           <a:p>
             <a:fld id="{D57F1E4F-1CFF-5643-939E-217C01CDF565}" type="slidenum">
               <a:rPr lang="en-US" dirty="0"/>
-              <a:pPr/>
-              <a:t>‹#›</a:t>
             </a:fld>
             <a:endParaRPr lang="en-US" dirty="0"/>
           </a:p>
@@ -4205,6 +4209,7 @@
               <a:rPr lang="zh-CN" altLang="en-US" smtClean="0"/>
               <a:t>单击此处编辑母版文本样式</a:t>
             </a:r>
+            <a:endParaRPr lang="zh-CN" altLang="en-US" smtClean="0"/>
           </a:p>
         </p:txBody>
       </p:sp>
@@ -4235,6 +4240,7 @@
               <a:rPr lang="zh-CN" altLang="en-US" smtClean="0"/>
               <a:t>单击此处编辑母版文本样式</a:t>
             </a:r>
+            <a:endParaRPr lang="zh-CN" altLang="en-US" smtClean="0"/>
           </a:p>
           <a:p>
             <a:pPr lvl="1"/>
@@ -4242,6 +4248,7 @@
               <a:rPr lang="zh-CN" altLang="en-US" smtClean="0"/>
               <a:t>二级</a:t>
             </a:r>
+            <a:endParaRPr lang="zh-CN" altLang="en-US" smtClean="0"/>
           </a:p>
           <a:p>
             <a:pPr lvl="2"/>
@@ -4249,6 +4256,7 @@
               <a:rPr lang="zh-CN" altLang="en-US" smtClean="0"/>
               <a:t>三级</a:t>
             </a:r>
+            <a:endParaRPr lang="zh-CN" altLang="en-US" smtClean="0"/>
           </a:p>
           <a:p>
             <a:pPr lvl="3"/>
@@ -4256,6 +4264,7 @@
               <a:rPr lang="zh-CN" altLang="en-US" smtClean="0"/>
               <a:t>四级</a:t>
             </a:r>
+            <a:endParaRPr lang="zh-CN" altLang="en-US" smtClean="0"/>
           </a:p>
           <a:p>
             <a:pPr lvl="4"/>
@@ -4331,6 +4340,7 @@
               <a:rPr lang="zh-CN" altLang="en-US" smtClean="0"/>
               <a:t>单击此处编辑母版文本样式</a:t>
             </a:r>
+            <a:endParaRPr lang="zh-CN" altLang="en-US" smtClean="0"/>
           </a:p>
         </p:txBody>
       </p:sp>
@@ -4361,6 +4371,7 @@
               <a:rPr lang="zh-CN" altLang="en-US" smtClean="0"/>
               <a:t>单击此处编辑母版文本样式</a:t>
             </a:r>
+            <a:endParaRPr lang="zh-CN" altLang="en-US" smtClean="0"/>
           </a:p>
           <a:p>
             <a:pPr lvl="1"/>
@@ -4368,6 +4379,7 @@
               <a:rPr lang="zh-CN" altLang="en-US" smtClean="0"/>
               <a:t>二级</a:t>
             </a:r>
+            <a:endParaRPr lang="zh-CN" altLang="en-US" smtClean="0"/>
           </a:p>
           <a:p>
             <a:pPr lvl="2"/>
@@ -4375,6 +4387,7 @@
               <a:rPr lang="zh-CN" altLang="en-US" smtClean="0"/>
               <a:t>三级</a:t>
             </a:r>
+            <a:endParaRPr lang="zh-CN" altLang="en-US" smtClean="0"/>
           </a:p>
           <a:p>
             <a:pPr lvl="3"/>
@@ -4382,6 +4395,7 @@
               <a:rPr lang="zh-CN" altLang="en-US" smtClean="0"/>
               <a:t>四级</a:t>
             </a:r>
+            <a:endParaRPr lang="zh-CN" altLang="en-US" smtClean="0"/>
           </a:p>
           <a:p>
             <a:pPr lvl="4"/>
@@ -4410,8 +4424,6 @@
           <a:p>
             <a:fld id="{B61BEF0D-F0BB-DE4B-95CE-6DB70DBA9567}" type="datetimeFigureOut">
               <a:rPr lang="en-US" dirty="0"/>
-              <a:pPr/>
-              <a:t>4/26/17</a:t>
             </a:fld>
             <a:endParaRPr lang="en-US" dirty="0"/>
           </a:p>
@@ -4540,8 +4552,6 @@
           <a:p>
             <a:fld id="{D57F1E4F-1CFF-5643-939E-217C01CDF565}" type="slidenum">
               <a:rPr lang="en-US" dirty="0"/>
-              <a:pPr/>
-              <a:t>‹#›</a:t>
             </a:fld>
             <a:endParaRPr lang="en-US" dirty="0"/>
           </a:p>
@@ -4612,8 +4622,6 @@
           <a:p>
             <a:fld id="{B61BEF0D-F0BB-DE4B-95CE-6DB70DBA9567}" type="datetimeFigureOut">
               <a:rPr lang="en-US" dirty="0"/>
-              <a:pPr/>
-              <a:t>4/26/17</a:t>
             </a:fld>
             <a:endParaRPr lang="en-US" dirty="0"/>
           </a:p>
@@ -4737,8 +4745,6 @@
           <a:p>
             <a:fld id="{D57F1E4F-1CFF-5643-939E-217C01CDF565}" type="slidenum">
               <a:rPr lang="en-US" dirty="0"/>
-              <a:pPr/>
-              <a:t>‹#›</a:t>
             </a:fld>
             <a:endParaRPr lang="en-US" dirty="0"/>
           </a:p>
@@ -4786,8 +4792,6 @@
           <a:p>
             <a:fld id="{B61BEF0D-F0BB-DE4B-95CE-6DB70DBA9567}" type="datetimeFigureOut">
               <a:rPr lang="en-US" dirty="0"/>
-              <a:pPr/>
-              <a:t>4/26/17</a:t>
             </a:fld>
             <a:endParaRPr lang="en-US" dirty="0"/>
           </a:p>
@@ -4911,8 +4915,6 @@
           <a:p>
             <a:fld id="{D57F1E4F-1CFF-5643-939E-217C01CDF565}" type="slidenum">
               <a:rPr lang="en-US" dirty="0"/>
-              <a:pPr/>
-              <a:t>‹#›</a:t>
             </a:fld>
             <a:endParaRPr lang="en-US" dirty="0"/>
           </a:p>
@@ -5002,6 +5004,7 @@
               <a:rPr lang="zh-CN" altLang="en-US" smtClean="0"/>
               <a:t>单击此处编辑母版文本样式</a:t>
             </a:r>
+            <a:endParaRPr lang="zh-CN" altLang="en-US" smtClean="0"/>
           </a:p>
           <a:p>
             <a:pPr lvl="1"/>
@@ -5009,6 +5012,7 @@
               <a:rPr lang="zh-CN" altLang="en-US" smtClean="0"/>
               <a:t>二级</a:t>
             </a:r>
+            <a:endParaRPr lang="zh-CN" altLang="en-US" smtClean="0"/>
           </a:p>
           <a:p>
             <a:pPr lvl="2"/>
@@ -5016,6 +5020,7 @@
               <a:rPr lang="zh-CN" altLang="en-US" smtClean="0"/>
               <a:t>三级</a:t>
             </a:r>
+            <a:endParaRPr lang="zh-CN" altLang="en-US" smtClean="0"/>
           </a:p>
           <a:p>
             <a:pPr lvl="3"/>
@@ -5023,6 +5028,7 @@
               <a:rPr lang="zh-CN" altLang="en-US" smtClean="0"/>
               <a:t>四级</a:t>
             </a:r>
+            <a:endParaRPr lang="zh-CN" altLang="en-US" smtClean="0"/>
           </a:p>
           <a:p>
             <a:pPr lvl="4"/>
@@ -5096,6 +5102,7 @@
               <a:rPr lang="zh-CN" altLang="en-US" smtClean="0"/>
               <a:t>单击此处编辑母版文本样式</a:t>
             </a:r>
+            <a:endParaRPr lang="zh-CN" altLang="en-US" smtClean="0"/>
           </a:p>
         </p:txBody>
       </p:sp>
@@ -5116,8 +5123,6 @@
           <a:p>
             <a:fld id="{B61BEF0D-F0BB-DE4B-95CE-6DB70DBA9567}" type="datetimeFigureOut">
               <a:rPr lang="en-US" dirty="0"/>
-              <a:pPr/>
-              <a:t>4/26/17</a:t>
             </a:fld>
             <a:endParaRPr lang="en-US" dirty="0"/>
           </a:p>
@@ -5241,8 +5246,6 @@
           <a:p>
             <a:fld id="{D57F1E4F-1CFF-5643-939E-217C01CDF565}" type="slidenum">
               <a:rPr lang="en-US" dirty="0"/>
-              <a:pPr/>
-              <a:t>‹#›</a:t>
             </a:fld>
             <a:endParaRPr lang="en-US" dirty="0"/>
           </a:p>
@@ -5314,7 +5317,7 @@
             <a:spLocks noGrp="1" noChangeAspect="1"/>
           </p:cNvSpPr>
           <p:nvPr>
-            <p:ph type="pic" idx="1"/>
+            <p:ph type="pic" idx="1" hasCustomPrompt="1"/>
           </p:nvPr>
         </p:nvSpPr>
         <p:spPr>
@@ -5438,6 +5441,7 @@
               <a:rPr lang="zh-CN" altLang="en-US" smtClean="0"/>
               <a:t>单击此处编辑母版文本样式</a:t>
             </a:r>
+            <a:endParaRPr lang="zh-CN" altLang="en-US" smtClean="0"/>
           </a:p>
         </p:txBody>
       </p:sp>
@@ -5458,8 +5462,6 @@
           <a:p>
             <a:fld id="{B61BEF0D-F0BB-DE4B-95CE-6DB70DBA9567}" type="datetimeFigureOut">
               <a:rPr lang="en-US" dirty="0"/>
-              <a:pPr/>
-              <a:t>4/26/17</a:t>
             </a:fld>
             <a:endParaRPr lang="en-US" dirty="0"/>
           </a:p>
@@ -5588,8 +5590,6 @@
           <a:p>
             <a:fld id="{D57F1E4F-1CFF-5643-939E-217C01CDF565}" type="slidenum">
               <a:rPr lang="en-US" dirty="0"/>
-              <a:pPr/>
-              <a:t>‹#›</a:t>
             </a:fld>
             <a:endParaRPr lang="en-US" dirty="0"/>
           </a:p>
@@ -7505,6 +7505,7 @@
               <a:rPr lang="zh-CN" altLang="en-US" smtClean="0"/>
               <a:t>单击此处编辑母版文本样式</a:t>
             </a:r>
+            <a:endParaRPr lang="zh-CN" altLang="en-US" smtClean="0"/>
           </a:p>
           <a:p>
             <a:pPr lvl="1"/>
@@ -7512,6 +7513,7 @@
               <a:rPr lang="zh-CN" altLang="en-US" smtClean="0"/>
               <a:t>二级</a:t>
             </a:r>
+            <a:endParaRPr lang="zh-CN" altLang="en-US" smtClean="0"/>
           </a:p>
           <a:p>
             <a:pPr lvl="2"/>
@@ -7519,6 +7521,7 @@
               <a:rPr lang="zh-CN" altLang="en-US" smtClean="0"/>
               <a:t>三级</a:t>
             </a:r>
+            <a:endParaRPr lang="zh-CN" altLang="en-US" smtClean="0"/>
           </a:p>
           <a:p>
             <a:pPr lvl="3"/>
@@ -7526,6 +7529,7 @@
               <a:rPr lang="zh-CN" altLang="en-US" smtClean="0"/>
               <a:t>四级</a:t>
             </a:r>
+            <a:endParaRPr lang="zh-CN" altLang="en-US" smtClean="0"/>
           </a:p>
           <a:p>
             <a:pPr lvl="4"/>
@@ -7572,8 +7576,6 @@
           <a:p>
             <a:fld id="{B61BEF0D-F0BB-DE4B-95CE-6DB70DBA9567}" type="datetimeFigureOut">
               <a:rPr lang="en-US" dirty="0"/>
-              <a:pPr/>
-              <a:t>4/26/17</a:t>
             </a:fld>
             <a:endParaRPr lang="en-US" dirty="0"/>
           </a:p>
@@ -7649,8 +7651,6 @@
           <a:p>
             <a:fld id="{D57F1E4F-1CFF-5643-939E-217C01CDF565}" type="slidenum">
               <a:rPr lang="en-US" dirty="0"/>
-              <a:pPr/>
-              <a:t>‹#›</a:t>
             </a:fld>
             <a:endParaRPr lang="en-US" dirty="0"/>
           </a:p>
@@ -7669,13 +7669,13 @@
     <p:sldLayoutId id="2147483655" r:id="rId7"/>
     <p:sldLayoutId id="2147483656" r:id="rId8"/>
     <p:sldLayoutId id="2147483657" r:id="rId9"/>
-    <p:sldLayoutId id="2147483660" r:id="rId10"/>
-    <p:sldLayoutId id="2147483661" r:id="rId11"/>
-    <p:sldLayoutId id="2147483662" r:id="rId12"/>
-    <p:sldLayoutId id="2147483663" r:id="rId13"/>
-    <p:sldLayoutId id="2147483664" r:id="rId14"/>
-    <p:sldLayoutId id="2147483658" r:id="rId15"/>
-    <p:sldLayoutId id="2147483659" r:id="rId16"/>
+    <p:sldLayoutId id="2147483658" r:id="rId10"/>
+    <p:sldLayoutId id="2147483659" r:id="rId11"/>
+    <p:sldLayoutId id="2147483660" r:id="rId12"/>
+    <p:sldLayoutId id="2147483661" r:id="rId13"/>
+    <p:sldLayoutId id="2147483662" r:id="rId14"/>
+    <p:sldLayoutId id="2147483663" r:id="rId15"/>
+    <p:sldLayoutId id="2147483664" r:id="rId16"/>
   </p:sldLayoutIdLst>
   <p:txStyles>
     <p:titleStyle>
@@ -7764,7 +7764,7 @@
         <a:buClr>
           <a:schemeClr val="accent1"/>
         </a:buClr>
-        <a:buFont typeface="Wingdings 3" charset="2"/>
+        <a:buFont typeface="Wingdings 3" panose="05040102010807070707" charset="2"/>
         <a:buChar char=""/>
         <a:defRPr sz="1800" kern="1200">
           <a:solidFill>
@@ -7788,7 +7788,7 @@
         <a:buClr>
           <a:schemeClr val="accent1"/>
         </a:buClr>
-        <a:buFont typeface="Wingdings 3" charset="2"/>
+        <a:buFont typeface="Wingdings 3" panose="05040102010807070707" charset="2"/>
         <a:buChar char=""/>
         <a:defRPr sz="1600" kern="1200">
           <a:solidFill>
@@ -7812,7 +7812,7 @@
         <a:buClr>
           <a:schemeClr val="accent1"/>
         </a:buClr>
-        <a:buFont typeface="Wingdings 3" charset="2"/>
+        <a:buFont typeface="Wingdings 3" panose="05040102010807070707" charset="2"/>
         <a:buChar char=""/>
         <a:defRPr sz="1400" kern="1200">
           <a:solidFill>
@@ -7836,7 +7836,7 @@
         <a:buClr>
           <a:schemeClr val="accent1"/>
         </a:buClr>
-        <a:buFont typeface="Wingdings 3" charset="2"/>
+        <a:buFont typeface="Wingdings 3" panose="05040102010807070707" charset="2"/>
         <a:buChar char=""/>
         <a:defRPr sz="1200" kern="1200">
           <a:solidFill>
@@ -7860,7 +7860,7 @@
         <a:buClr>
           <a:schemeClr val="accent1"/>
         </a:buClr>
-        <a:buFont typeface="Wingdings 3" charset="2"/>
+        <a:buFont typeface="Wingdings 3" panose="05040102010807070707" charset="2"/>
         <a:buChar char=""/>
         <a:defRPr sz="1200" kern="1200">
           <a:solidFill>
@@ -7884,7 +7884,7 @@
         <a:buClr>
           <a:schemeClr val="accent1"/>
         </a:buClr>
-        <a:buFont typeface="Wingdings 3" charset="2"/>
+        <a:buFont typeface="Wingdings 3" panose="05040102010807070707" charset="2"/>
         <a:buChar char=""/>
         <a:defRPr sz="1200" kern="1200">
           <a:solidFill>
@@ -7908,7 +7908,7 @@
         <a:buClr>
           <a:schemeClr val="accent1"/>
         </a:buClr>
-        <a:buFont typeface="Wingdings 3" charset="2"/>
+        <a:buFont typeface="Wingdings 3" panose="05040102010807070707" charset="2"/>
         <a:buChar char=""/>
         <a:defRPr sz="1200" kern="1200">
           <a:solidFill>
@@ -7932,7 +7932,7 @@
         <a:buClr>
           <a:schemeClr val="accent1"/>
         </a:buClr>
-        <a:buFont typeface="Wingdings 3" charset="2"/>
+        <a:buFont typeface="Wingdings 3" panose="05040102010807070707" charset="2"/>
         <a:buChar char=""/>
         <a:defRPr sz="1200" kern="1200">
           <a:solidFill>
@@ -7956,7 +7956,7 @@
         <a:buClr>
           <a:schemeClr val="accent1"/>
         </a:buClr>
-        <a:buFont typeface="Wingdings 3" charset="2"/>
+        <a:buFont typeface="Wingdings 3" panose="05040102010807070707" charset="2"/>
         <a:buChar char=""/>
         <a:defRPr sz="1200" kern="1200">
           <a:solidFill>
@@ -8158,28 +8158,36 @@
             </a:r>
             <a:r>
               <a:rPr kumimoji="1" lang="en-US" altLang="zh-CN" dirty="0" smtClean="0"/>
-              <a:t>-cli</a:t>
-            </a:r>
-            <a:r>
-              <a:rPr kumimoji="1" lang="zh-CN" altLang="en-US" dirty="0" smtClean="0"/>
-              <a:t>脚手架</a:t>
-            </a:r>
-            <a:endParaRPr kumimoji="1" lang="en-US" altLang="zh-CN" dirty="0" smtClean="0"/>
-          </a:p>
-          <a:p>
-            <a:r>
-              <a:rPr kumimoji="1" lang="en-US" altLang="zh-CN" dirty="0" err="1" smtClean="0"/>
-              <a:t>Vue</a:t>
-            </a:r>
-            <a:r>
-              <a:rPr kumimoji="1" lang="en-US" altLang="zh-CN" dirty="0" smtClean="0"/>
               <a:t>-router</a:t>
             </a:r>
             <a:r>
               <a:rPr kumimoji="1" lang="zh-CN" altLang="en-US" dirty="0" smtClean="0"/>
               <a:t>路由</a:t>
             </a:r>
-            <a:endParaRPr kumimoji="1" lang="en-US" altLang="zh-CN" dirty="0" smtClean="0"/>
+            <a:endParaRPr kumimoji="1" lang="zh-CN" altLang="en-US" dirty="0" smtClean="0"/>
+          </a:p>
+          <a:p>
+            <a:r>
+              <a:rPr kumimoji="1" lang="en-US" altLang="zh-CN" dirty="0" err="1" smtClean="0">
+                <a:sym typeface="+mn-ea"/>
+              </a:rPr>
+              <a:t>Vue</a:t>
+            </a:r>
+            <a:r>
+              <a:rPr kumimoji="1" lang="en-US" altLang="zh-CN" dirty="0" smtClean="0">
+                <a:sym typeface="+mn-ea"/>
+              </a:rPr>
+              <a:t>-cli</a:t>
+            </a:r>
+            <a:r>
+              <a:rPr kumimoji="1" lang="zh-CN" altLang="en-US" dirty="0" smtClean="0">
+                <a:sym typeface="+mn-ea"/>
+              </a:rPr>
+              <a:t>脚手架工具的使用</a:t>
+            </a:r>
+            <a:endParaRPr kumimoji="1" lang="zh-CN" altLang="en-US" dirty="0" smtClean="0">
+              <a:sym typeface="+mn-ea"/>
+            </a:endParaRPr>
           </a:p>
           <a:p>
             <a:r>
@@ -8196,9 +8204,9 @@
             </a:r>
             <a:r>
               <a:rPr kumimoji="1" lang="zh-CN" altLang="en-US" dirty="0" smtClean="0"/>
-              <a:t>项目</a:t>
-            </a:r>
-            <a:endParaRPr kumimoji="1" lang="en-US" altLang="zh-CN" dirty="0" smtClean="0"/>
+              <a:t>项目的简单讲解</a:t>
+            </a:r>
+            <a:endParaRPr kumimoji="1" lang="zh-CN" altLang="en-US" dirty="0" smtClean="0"/>
           </a:p>
           <a:p>
             <a:r>
@@ -8207,17 +8215,9 @@
             </a:r>
             <a:r>
               <a:rPr kumimoji="1" lang="zh-CN" altLang="en-US" dirty="0" smtClean="0"/>
-              <a:t>中常用的</a:t>
-            </a:r>
-            <a:r>
-              <a:rPr kumimoji="1" lang="en-US" altLang="zh-CN" dirty="0" err="1" smtClean="0"/>
-              <a:t>ui</a:t>
-            </a:r>
-            <a:r>
-              <a:rPr kumimoji="1" lang="zh-CN" altLang="en-US" dirty="0" smtClean="0"/>
-              <a:t>框架分享</a:t>
-            </a:r>
-            <a:endParaRPr kumimoji="1" lang="en-US" altLang="zh-CN" dirty="0" smtClean="0"/>
+              <a:t>中组件库分享</a:t>
+            </a:r>
+            <a:endParaRPr kumimoji="1" lang="zh-CN" altLang="en-US" dirty="0" smtClean="0"/>
           </a:p>
           <a:p>
             <a:endParaRPr kumimoji="1" lang="zh-CN" altLang="en-US" dirty="0"/>
@@ -8225,11 +8225,6 @@
         </p:txBody>
       </p:sp>
     </p:spTree>
-    <p:extLst>
-      <p:ext uri="{BB962C8B-B14F-4D97-AF65-F5344CB8AC3E}">
-        <p14:creationId xmlns:p14="http://schemas.microsoft.com/office/powerpoint/2010/main" val="1209431296"/>
-      </p:ext>
-    </p:extLst>
   </p:cSld>
   <p:clrMapOvr>
     <a:masterClrMapping/>
@@ -8274,9 +8269,9 @@
                 <a:solidFill>
                   <a:srgbClr val="F50A64"/>
                 </a:solidFill>
-                <a:latin typeface="微软雅黑" charset="-122"/>
-                <a:ea typeface="微软雅黑" charset="-122"/>
-                <a:sym typeface="微软雅黑" charset="-122"/>
+                <a:latin typeface="微软雅黑" panose="020B0503020204020204" charset="-122"/>
+                <a:ea typeface="微软雅黑" panose="020B0503020204020204" charset="-122"/>
+                <a:sym typeface="微软雅黑" panose="020B0503020204020204" charset="-122"/>
               </a:rPr>
               <a:t>计算属性</a:t>
             </a:r>
@@ -8310,11 +8305,18 @@
                 <a:solidFill>
                   <a:srgbClr val="3F3F3F"/>
                 </a:solidFill>
-                <a:latin typeface="微软雅黑" charset="-122"/>
-                <a:ea typeface="微软雅黑" charset="-122"/>
+                <a:latin typeface="微软雅黑" panose="020B0503020204020204" charset="-122"/>
+                <a:ea typeface="微软雅黑" panose="020B0503020204020204" charset="-122"/>
               </a:rPr>
               <a:t>将模板中的数据逻辑抽离出来，放在计算属性中</a:t>
             </a:r>
+            <a:endParaRPr lang="zh-CN" altLang="en-US" sz="2000" dirty="0">
+              <a:solidFill>
+                <a:srgbClr val="3F3F3F"/>
+              </a:solidFill>
+              <a:latin typeface="微软雅黑" panose="020B0503020204020204" charset="-122"/>
+              <a:ea typeface="微软雅黑" panose="020B0503020204020204" charset="-122"/>
+            </a:endParaRPr>
           </a:p>
           <a:p>
             <a:pPr marL="0" lvl="1">
@@ -8327,8 +8329,8 @@
               <a:solidFill>
                 <a:srgbClr val="3F3F3F"/>
               </a:solidFill>
-              <a:latin typeface="微软雅黑" charset="-122"/>
-              <a:ea typeface="微软雅黑" charset="-122"/>
+              <a:latin typeface="微软雅黑" panose="020B0503020204020204" charset="-122"/>
+              <a:ea typeface="微软雅黑" panose="020B0503020204020204" charset="-122"/>
             </a:endParaRPr>
           </a:p>
           <a:p>
@@ -8343,11 +8345,18 @@
                 <a:solidFill>
                   <a:srgbClr val="3F3F3F"/>
                 </a:solidFill>
-                <a:latin typeface="微软雅黑" charset="-122"/>
-                <a:ea typeface="微软雅黑" charset="-122"/>
+                <a:latin typeface="微软雅黑" panose="020B0503020204020204" charset="-122"/>
+                <a:ea typeface="微软雅黑" panose="020B0503020204020204" charset="-122"/>
               </a:rPr>
               <a:t>计算属性是依赖数据进行缓存的，只有数据发生变化，才会重新求值</a:t>
             </a:r>
+            <a:endParaRPr lang="zh-CN" altLang="en-US" sz="2000" dirty="0">
+              <a:solidFill>
+                <a:srgbClr val="3F3F3F"/>
+              </a:solidFill>
+              <a:latin typeface="微软雅黑" panose="020B0503020204020204" charset="-122"/>
+              <a:ea typeface="微软雅黑" panose="020B0503020204020204" charset="-122"/>
+            </a:endParaRPr>
           </a:p>
           <a:p>
             <a:pPr marL="0" lvl="1">
@@ -8360,8 +8369,8 @@
               <a:solidFill>
                 <a:srgbClr val="7F7F7F"/>
               </a:solidFill>
-              <a:latin typeface="微软雅黑" charset="-122"/>
-              <a:ea typeface="微软雅黑" charset="-122"/>
+              <a:latin typeface="微软雅黑" panose="020B0503020204020204" charset="-122"/>
+              <a:ea typeface="微软雅黑" panose="020B0503020204020204" charset="-122"/>
             </a:endParaRPr>
           </a:p>
           <a:p>
@@ -8370,11 +8379,6 @@
         </p:txBody>
       </p:sp>
     </p:spTree>
-    <p:extLst>
-      <p:ext uri="{BB962C8B-B14F-4D97-AF65-F5344CB8AC3E}">
-        <p14:creationId xmlns:p14="http://schemas.microsoft.com/office/powerpoint/2010/main" val="1946592264"/>
-      </p:ext>
-    </p:extLst>
   </p:cSld>
   <p:clrMapOvr>
     <a:masterClrMapping/>
@@ -8419,9 +8423,9 @@
                 <a:solidFill>
                   <a:srgbClr val="F50A64"/>
                 </a:solidFill>
-                <a:latin typeface="微软雅黑" charset="-122"/>
-                <a:ea typeface="微软雅黑" charset="-122"/>
-                <a:sym typeface="微软雅黑" charset="-122"/>
+                <a:latin typeface="微软雅黑" panose="020B0503020204020204" charset="-122"/>
+                <a:ea typeface="微软雅黑" panose="020B0503020204020204" charset="-122"/>
+                <a:sym typeface="微软雅黑" panose="020B0503020204020204" charset="-122"/>
               </a:rPr>
               <a:t>组件</a:t>
             </a:r>
@@ -8447,7 +8451,7 @@
         </p:spPr>
         <p:txBody>
           <a:bodyPr>
-            <a:normAutofit/>
+            <a:normAutofit lnSpcReduction="10000"/>
           </a:bodyPr>
           <a:lstStyle/>
           <a:p>
@@ -8462,12 +8466,20 @@
                 <a:solidFill>
                   <a:srgbClr val="3F3F3F"/>
                 </a:solidFill>
-                <a:latin typeface="微软雅黑" charset="-122"/>
-                <a:ea typeface="微软雅黑" charset="-122"/>
-                <a:sym typeface="微软雅黑" charset="-122"/>
+                <a:latin typeface="微软雅黑" panose="020B0503020204020204" charset="-122"/>
+                <a:ea typeface="微软雅黑" panose="020B0503020204020204" charset="-122"/>
+                <a:sym typeface="微软雅黑" panose="020B0503020204020204" charset="-122"/>
               </a:rPr>
               <a:t>把视图按照功能，切分若干基本单元</a:t>
             </a:r>
+            <a:endParaRPr lang="zh-CN" altLang="en-US" sz="2000" dirty="0">
+              <a:solidFill>
+                <a:srgbClr val="3F3F3F"/>
+              </a:solidFill>
+              <a:latin typeface="微软雅黑" panose="020B0503020204020204" charset="-122"/>
+              <a:ea typeface="微软雅黑" panose="020B0503020204020204" charset="-122"/>
+              <a:sym typeface="微软雅黑" panose="020B0503020204020204" charset="-122"/>
+            </a:endParaRPr>
           </a:p>
           <a:p>
             <a:pPr marL="0" lvl="1">
@@ -8480,9 +8492,9 @@
               <a:solidFill>
                 <a:srgbClr val="3F3F3F"/>
               </a:solidFill>
-              <a:latin typeface="微软雅黑" charset="-122"/>
-              <a:ea typeface="微软雅黑" charset="-122"/>
-              <a:sym typeface="微软雅黑" charset="-122"/>
+              <a:latin typeface="微软雅黑" panose="020B0503020204020204" charset="-122"/>
+              <a:ea typeface="微软雅黑" panose="020B0503020204020204" charset="-122"/>
+              <a:sym typeface="微软雅黑" panose="020B0503020204020204" charset="-122"/>
             </a:endParaRPr>
           </a:p>
           <a:p>
@@ -8490,7 +8502,7 @@
               <a:buClr>
                 <a:srgbClr val="7F7F7F"/>
               </a:buClr>
-              <a:buFont typeface="Wingdings" charset="2"/>
+              <a:buFont typeface="Wingdings" panose="05000000000000000000" pitchFamily="2" charset="2"/>
               <a:buChar char="l"/>
             </a:pPr>
             <a:r>
@@ -8498,9 +8510,9 @@
                 <a:solidFill>
                   <a:srgbClr val="3F3F3F"/>
                 </a:solidFill>
-                <a:latin typeface="微软雅黑" charset="-122"/>
-                <a:ea typeface="微软雅黑" charset="-122"/>
-                <a:sym typeface="微软雅黑" charset="-122"/>
+                <a:latin typeface="微软雅黑" panose="020B0503020204020204" charset="-122"/>
+                <a:ea typeface="微软雅黑" panose="020B0503020204020204" charset="-122"/>
+                <a:sym typeface="微软雅黑" panose="020B0503020204020204" charset="-122"/>
               </a:rPr>
               <a:t>前端组件化</a:t>
             </a:r>
@@ -8508,9 +8520,9 @@
               <a:solidFill>
                 <a:srgbClr val="3F3F3F"/>
               </a:solidFill>
-              <a:latin typeface="微软雅黑" charset="-122"/>
-              <a:ea typeface="微软雅黑" charset="-122"/>
-              <a:sym typeface="微软雅黑" charset="-122"/>
+              <a:latin typeface="微软雅黑" panose="020B0503020204020204" charset="-122"/>
+              <a:ea typeface="微软雅黑" panose="020B0503020204020204" charset="-122"/>
+              <a:sym typeface="微软雅黑" panose="020B0503020204020204" charset="-122"/>
             </a:endParaRPr>
           </a:p>
           <a:p>
@@ -8525,9 +8537,9 @@
                 <a:solidFill>
                   <a:srgbClr val="3F3F3F"/>
                 </a:solidFill>
-                <a:latin typeface="微软雅黑" charset="-122"/>
-                <a:ea typeface="微软雅黑" charset="-122"/>
-                <a:sym typeface="微软雅黑" charset="-122"/>
+                <a:latin typeface="微软雅黑" panose="020B0503020204020204" charset="-122"/>
+                <a:ea typeface="微软雅黑" panose="020B0503020204020204" charset="-122"/>
+                <a:sym typeface="微软雅黑" panose="020B0503020204020204" charset="-122"/>
               </a:rPr>
               <a:t>	</a:t>
             </a:r>
@@ -8536,12 +8548,20 @@
                 <a:solidFill>
                   <a:srgbClr val="7F7F7F"/>
                 </a:solidFill>
-                <a:latin typeface="微软雅黑" charset="-122"/>
-                <a:ea typeface="微软雅黑" charset="-122"/>
-                <a:sym typeface="微软雅黑" charset="-122"/>
+                <a:latin typeface="微软雅黑" panose="020B0503020204020204" charset="-122"/>
+                <a:ea typeface="微软雅黑" panose="020B0503020204020204" charset="-122"/>
+                <a:sym typeface="微软雅黑" panose="020B0503020204020204" charset="-122"/>
               </a:rPr>
               <a:t>核心思路就是将一个巨大复杂的东西拆分成粒度合理的小东西</a:t>
             </a:r>
+            <a:endParaRPr lang="zh-CN" altLang="en-US" sz="2000" dirty="0">
+              <a:solidFill>
+                <a:srgbClr val="7F7F7F"/>
+              </a:solidFill>
+              <a:latin typeface="微软雅黑" panose="020B0503020204020204" charset="-122"/>
+              <a:ea typeface="微软雅黑" panose="020B0503020204020204" charset="-122"/>
+              <a:sym typeface="微软雅黑" panose="020B0503020204020204" charset="-122"/>
+            </a:endParaRPr>
           </a:p>
           <a:p>
             <a:pPr marL="0" lvl="1">
@@ -8554,9 +8574,9 @@
               <a:solidFill>
                 <a:srgbClr val="7F7F7F"/>
               </a:solidFill>
-              <a:latin typeface="微软雅黑" charset="-122"/>
-              <a:ea typeface="微软雅黑" charset="-122"/>
-              <a:sym typeface="微软雅黑" charset="-122"/>
+              <a:latin typeface="微软雅黑" panose="020B0503020204020204" charset="-122"/>
+              <a:ea typeface="微软雅黑" panose="020B0503020204020204" charset="-122"/>
+              <a:sym typeface="微软雅黑" panose="020B0503020204020204" charset="-122"/>
             </a:endParaRPr>
           </a:p>
           <a:p>
@@ -8564,7 +8584,7 @@
               <a:buClr>
                 <a:srgbClr val="7F7F7F"/>
               </a:buClr>
-              <a:buFont typeface="Wingdings" charset="2"/>
+              <a:buFont typeface="Wingdings" panose="05000000000000000000" pitchFamily="2" charset="2"/>
               <a:buChar char="l"/>
             </a:pPr>
             <a:r>
@@ -8572,12 +8592,20 @@
                 <a:solidFill>
                   <a:srgbClr val="3F3F3F"/>
                 </a:solidFill>
-                <a:latin typeface="微软雅黑" charset="-122"/>
-                <a:ea typeface="微软雅黑" charset="-122"/>
-                <a:sym typeface="微软雅黑" charset="-122"/>
+                <a:latin typeface="微软雅黑" panose="020B0503020204020204" charset="-122"/>
+                <a:ea typeface="微软雅黑" panose="020B0503020204020204" charset="-122"/>
+                <a:sym typeface="微软雅黑" panose="020B0503020204020204" charset="-122"/>
               </a:rPr>
               <a:t>组件的组成</a:t>
             </a:r>
+            <a:endParaRPr lang="zh-CN" altLang="en-US" sz="2400" dirty="0">
+              <a:solidFill>
+                <a:srgbClr val="3F3F3F"/>
+              </a:solidFill>
+              <a:latin typeface="微软雅黑" panose="020B0503020204020204" charset="-122"/>
+              <a:ea typeface="微软雅黑" panose="020B0503020204020204" charset="-122"/>
+              <a:sym typeface="微软雅黑" panose="020B0503020204020204" charset="-122"/>
+            </a:endParaRPr>
           </a:p>
           <a:p>
             <a:pPr marL="400050" lvl="2" indent="0">
@@ -8587,7 +8615,7 @@
               <a:buClr>
                 <a:srgbClr val="F50A64"/>
               </a:buClr>
-              <a:buFont typeface="Wingdings" charset="2"/>
+              <a:buFont typeface="Wingdings" panose="05000000000000000000" pitchFamily="2" charset="2"/>
               <a:buNone/>
             </a:pPr>
             <a:r>
@@ -8595,9 +8623,9 @@
                 <a:solidFill>
                   <a:srgbClr val="7F7F7F"/>
                 </a:solidFill>
-                <a:latin typeface="微软雅黑" charset="-122"/>
-                <a:ea typeface="微软雅黑" charset="-122"/>
-                <a:sym typeface="微软雅黑" charset="-122"/>
+                <a:latin typeface="微软雅黑" panose="020B0503020204020204" charset="-122"/>
+                <a:ea typeface="微软雅黑" panose="020B0503020204020204" charset="-122"/>
+                <a:sym typeface="微软雅黑" panose="020B0503020204020204" charset="-122"/>
               </a:rPr>
               <a:t>	</a:t>
             </a:r>
@@ -8606,12 +8634,20 @@
                 <a:solidFill>
                   <a:srgbClr val="7F7F7F"/>
                 </a:solidFill>
-                <a:latin typeface="微软雅黑" charset="-122"/>
-                <a:ea typeface="微软雅黑" charset="-122"/>
-                <a:sym typeface="微软雅黑" charset="-122"/>
+                <a:latin typeface="微软雅黑" panose="020B0503020204020204" charset="-122"/>
+                <a:ea typeface="微软雅黑" panose="020B0503020204020204" charset="-122"/>
+                <a:sym typeface="微软雅黑" panose="020B0503020204020204" charset="-122"/>
               </a:rPr>
               <a:t>样式结构</a:t>
             </a:r>
+            <a:endParaRPr lang="en-US" altLang="zh-CN" sz="1800" dirty="0">
+              <a:solidFill>
+                <a:srgbClr val="7F7F7F"/>
+              </a:solidFill>
+              <a:latin typeface="微软雅黑" panose="020B0503020204020204" charset="-122"/>
+              <a:ea typeface="微软雅黑" panose="020B0503020204020204" charset="-122"/>
+              <a:sym typeface="微软雅黑" panose="020B0503020204020204" charset="-122"/>
+            </a:endParaRPr>
           </a:p>
           <a:p>
             <a:pPr marL="400050" lvl="2" indent="0">
@@ -8621,7 +8657,7 @@
               <a:buClr>
                 <a:srgbClr val="F50A64"/>
               </a:buClr>
-              <a:buFont typeface="Wingdings" charset="2"/>
+              <a:buFont typeface="Wingdings" panose="05000000000000000000" pitchFamily="2" charset="2"/>
               <a:buNone/>
             </a:pPr>
             <a:r>
@@ -8629,9 +8665,9 @@
                 <a:solidFill>
                   <a:srgbClr val="7F7F7F"/>
                 </a:solidFill>
-                <a:latin typeface="微软雅黑" charset="-122"/>
-                <a:ea typeface="微软雅黑" charset="-122"/>
-                <a:sym typeface="微软雅黑" charset="-122"/>
+                <a:latin typeface="微软雅黑" panose="020B0503020204020204" charset="-122"/>
+                <a:ea typeface="微软雅黑" panose="020B0503020204020204" charset="-122"/>
+                <a:sym typeface="微软雅黑" panose="020B0503020204020204" charset="-122"/>
               </a:rPr>
               <a:t>	行为</a:t>
             </a:r>
@@ -8640,12 +8676,20 @@
                 <a:solidFill>
                   <a:srgbClr val="7F7F7F"/>
                 </a:solidFill>
-                <a:latin typeface="微软雅黑" charset="-122"/>
-                <a:ea typeface="微软雅黑" charset="-122"/>
-                <a:sym typeface="微软雅黑" charset="-122"/>
+                <a:latin typeface="微软雅黑" panose="020B0503020204020204" charset="-122"/>
+                <a:ea typeface="微软雅黑" panose="020B0503020204020204" charset="-122"/>
+                <a:sym typeface="微软雅黑" panose="020B0503020204020204" charset="-122"/>
               </a:rPr>
               <a:t>逻辑</a:t>
             </a:r>
+            <a:endParaRPr lang="zh-CN" altLang="en-US" sz="1800" dirty="0">
+              <a:solidFill>
+                <a:srgbClr val="7F7F7F"/>
+              </a:solidFill>
+              <a:latin typeface="微软雅黑" panose="020B0503020204020204" charset="-122"/>
+              <a:ea typeface="微软雅黑" panose="020B0503020204020204" charset="-122"/>
+              <a:sym typeface="微软雅黑" panose="020B0503020204020204" charset="-122"/>
+            </a:endParaRPr>
           </a:p>
           <a:p>
             <a:pPr marL="400050" lvl="2" indent="0">
@@ -8655,7 +8699,7 @@
               <a:buClr>
                 <a:srgbClr val="F50A64"/>
               </a:buClr>
-              <a:buFont typeface="Wingdings" charset="2"/>
+              <a:buFont typeface="Wingdings" panose="05000000000000000000" pitchFamily="2" charset="2"/>
               <a:buNone/>
             </a:pPr>
             <a:r>
@@ -8663,12 +8707,101 @@
                 <a:solidFill>
                   <a:srgbClr val="7F7F7F"/>
                 </a:solidFill>
-                <a:latin typeface="微软雅黑" charset="-122"/>
-                <a:ea typeface="微软雅黑" charset="-122"/>
-                <a:sym typeface="微软雅黑" charset="-122"/>
+                <a:latin typeface="微软雅黑" panose="020B0503020204020204" charset="-122"/>
+                <a:ea typeface="微软雅黑" panose="020B0503020204020204" charset="-122"/>
+                <a:sym typeface="微软雅黑" panose="020B0503020204020204" charset="-122"/>
               </a:rPr>
               <a:t>	数据</a:t>
             </a:r>
+            <a:endParaRPr lang="en-US" altLang="zh-CN" sz="1800" dirty="0">
+              <a:solidFill>
+                <a:srgbClr val="7F7F7F"/>
+              </a:solidFill>
+              <a:latin typeface="微软雅黑" panose="020B0503020204020204" charset="-122"/>
+              <a:ea typeface="微软雅黑" panose="020B0503020204020204" charset="-122"/>
+              <a:sym typeface="微软雅黑" panose="020B0503020204020204" charset="-122"/>
+            </a:endParaRPr>
+          </a:p>
+          <a:p>
+            <a:pPr marL="400050" lvl="2" indent="0">
+              <a:lnSpc>
+                <a:spcPct val="90000"/>
+              </a:lnSpc>
+              <a:buClr>
+                <a:srgbClr val="F50A64"/>
+              </a:buClr>
+              <a:buFont typeface="Wingdings" panose="05000000000000000000" pitchFamily="2" charset="2"/>
+              <a:buNone/>
+            </a:pPr>
+            <a:endParaRPr lang="en-US" altLang="zh-CN" sz="1800" dirty="0">
+              <a:solidFill>
+                <a:srgbClr val="7F7F7F"/>
+              </a:solidFill>
+              <a:latin typeface="微软雅黑" panose="020B0503020204020204" charset="-122"/>
+              <a:ea typeface="微软雅黑" panose="020B0503020204020204" charset="-122"/>
+              <a:sym typeface="微软雅黑" panose="020B0503020204020204" charset="-122"/>
+            </a:endParaRPr>
+          </a:p>
+          <a:p>
+            <a:pPr marL="400050" lvl="2" indent="0">
+              <a:lnSpc>
+                <a:spcPct val="90000"/>
+              </a:lnSpc>
+              <a:buClr>
+                <a:srgbClr val="F50A64"/>
+              </a:buClr>
+              <a:buFont typeface="Wingdings" panose="05000000000000000000" pitchFamily="2" charset="2"/>
+              <a:buNone/>
+            </a:pPr>
+            <a:r>
+              <a:rPr lang="zh-CN" altLang="en-US" sz="1800" dirty="0">
+                <a:solidFill>
+                  <a:srgbClr val="7F7F7F"/>
+                </a:solidFill>
+                <a:latin typeface="微软雅黑" panose="020B0503020204020204" charset="-122"/>
+                <a:ea typeface="微软雅黑" panose="020B0503020204020204" charset="-122"/>
+                <a:sym typeface="微软雅黑" panose="020B0503020204020204" charset="-122"/>
+              </a:rPr>
+              <a:t>组件的编写</a:t>
+            </a:r>
+            <a:br>
+              <a:rPr lang="en-US" altLang="zh-CN" sz="1800" dirty="0">
+                <a:solidFill>
+                  <a:srgbClr val="7F7F7F"/>
+                </a:solidFill>
+                <a:latin typeface="微软雅黑" panose="020B0503020204020204" charset="-122"/>
+                <a:ea typeface="微软雅黑" panose="020B0503020204020204" charset="-122"/>
+                <a:sym typeface="微软雅黑" panose="020B0503020204020204" charset="-122"/>
+              </a:rPr>
+            </a:br>
+            <a:endParaRPr lang="en-US" altLang="zh-CN" sz="1800" dirty="0">
+              <a:solidFill>
+                <a:srgbClr val="7F7F7F"/>
+              </a:solidFill>
+              <a:latin typeface="微软雅黑" panose="020B0503020204020204" charset="-122"/>
+              <a:ea typeface="微软雅黑" panose="020B0503020204020204" charset="-122"/>
+              <a:sym typeface="微软雅黑" panose="020B0503020204020204" charset="-122"/>
+            </a:endParaRPr>
+          </a:p>
+          <a:p>
+            <a:pPr marL="400050" lvl="2" indent="0">
+              <a:lnSpc>
+                <a:spcPct val="90000"/>
+              </a:lnSpc>
+              <a:buClr>
+                <a:srgbClr val="F50A64"/>
+              </a:buClr>
+              <a:buFont typeface="Wingdings" panose="05000000000000000000" pitchFamily="2" charset="2"/>
+              <a:buNone/>
+            </a:pPr>
+            <a:endParaRPr lang="en-US" altLang="zh-CN" sz="1800" dirty="0">
+              <a:solidFill>
+                <a:srgbClr val="7F7F7F"/>
+              </a:solidFill>
+              <a:latin typeface="微软雅黑" panose="020B0503020204020204" charset="-122"/>
+              <a:ea typeface="微软雅黑" panose="020B0503020204020204" charset="-122"/>
+              <a:sym typeface="微软雅黑" panose="020B0503020204020204" charset="-122"/>
+            </a:endParaRPr>
           </a:p>
           <a:p>
             <a:endParaRPr kumimoji="1" lang="zh-CN" altLang="en-US" dirty="0"/>
@@ -8676,11 +8809,6 @@
         </p:txBody>
       </p:sp>
     </p:spTree>
-    <p:extLst>
-      <p:ext uri="{BB962C8B-B14F-4D97-AF65-F5344CB8AC3E}">
-        <p14:creationId xmlns:p14="http://schemas.microsoft.com/office/powerpoint/2010/main" val="1610302650"/>
-      </p:ext>
-    </p:extLst>
   </p:cSld>
   <p:clrMapOvr>
     <a:masterClrMapping/>
@@ -8725,9 +8853,9 @@
                 <a:solidFill>
                   <a:srgbClr val="F50A64"/>
                 </a:solidFill>
-                <a:latin typeface="微软雅黑" charset="-122"/>
-                <a:ea typeface="微软雅黑" charset="-122"/>
-                <a:sym typeface="微软雅黑" charset="-122"/>
+                <a:latin typeface="微软雅黑" panose="020B0503020204020204" charset="-122"/>
+                <a:ea typeface="微软雅黑" panose="020B0503020204020204" charset="-122"/>
+                <a:sym typeface="微软雅黑" panose="020B0503020204020204" charset="-122"/>
               </a:rPr>
               <a:t>单向数据流</a:t>
             </a:r>
@@ -8757,7 +8885,7 @@
               <a:buClr>
                 <a:srgbClr val="F50A64"/>
               </a:buClr>
-              <a:buFont typeface="Wingdings" charset="2"/>
+              <a:buFont typeface="Wingdings" panose="05000000000000000000" pitchFamily="2" charset="2"/>
               <a:buNone/>
             </a:pPr>
             <a:r>
@@ -8765,12 +8893,20 @@
                 <a:solidFill>
                   <a:srgbClr val="3F3F3F"/>
                 </a:solidFill>
-                <a:latin typeface="微软雅黑" charset="-122"/>
-                <a:ea typeface="微软雅黑" charset="-122"/>
-                <a:sym typeface="微软雅黑" charset="-122"/>
+                <a:latin typeface="微软雅黑" panose="020B0503020204020204" charset="-122"/>
+                <a:ea typeface="微软雅黑" panose="020B0503020204020204" charset="-122"/>
+                <a:sym typeface="微软雅黑" panose="020B0503020204020204" charset="-122"/>
               </a:rPr>
               <a:t>数据从父组件流向（传递）给子组件，只能单向绑定。</a:t>
             </a:r>
+            <a:endParaRPr lang="zh-CN" altLang="en-US" sz="2000" dirty="0">
+              <a:solidFill>
+                <a:srgbClr val="3F3F3F"/>
+              </a:solidFill>
+              <a:latin typeface="微软雅黑" panose="020B0503020204020204" charset="-122"/>
+              <a:ea typeface="微软雅黑" panose="020B0503020204020204" charset="-122"/>
+              <a:sym typeface="微软雅黑" panose="020B0503020204020204" charset="-122"/>
+            </a:endParaRPr>
           </a:p>
           <a:p>
             <a:pPr marL="0" lvl="1">
@@ -8780,7 +8916,7 @@
               <a:buClr>
                 <a:srgbClr val="F50A64"/>
               </a:buClr>
-              <a:buFont typeface="Wingdings" charset="2"/>
+              <a:buFont typeface="Wingdings" panose="05000000000000000000" pitchFamily="2" charset="2"/>
               <a:buNone/>
             </a:pPr>
             <a:r>
@@ -8788,12 +8924,20 @@
                 <a:solidFill>
                   <a:srgbClr val="3F3F3F"/>
                 </a:solidFill>
-                <a:latin typeface="微软雅黑" charset="-122"/>
-                <a:ea typeface="微软雅黑" charset="-122"/>
-                <a:sym typeface="微软雅黑" charset="-122"/>
+                <a:latin typeface="微软雅黑" panose="020B0503020204020204" charset="-122"/>
+                <a:ea typeface="微软雅黑" panose="020B0503020204020204" charset="-122"/>
+                <a:sym typeface="微软雅黑" panose="020B0503020204020204" charset="-122"/>
               </a:rPr>
               <a:t>在子组件内部不应该修改父组件传递过来的数据。</a:t>
             </a:r>
+            <a:endParaRPr lang="zh-CN" altLang="en-US" sz="2000" dirty="0">
+              <a:solidFill>
+                <a:srgbClr val="3F3F3F"/>
+              </a:solidFill>
+              <a:latin typeface="微软雅黑" panose="020B0503020204020204" charset="-122"/>
+              <a:ea typeface="微软雅黑" panose="020B0503020204020204" charset="-122"/>
+              <a:sym typeface="微软雅黑" panose="020B0503020204020204" charset="-122"/>
+            </a:endParaRPr>
           </a:p>
           <a:p>
             <a:pPr marL="0" lvl="1">
@@ -8803,16 +8947,16 @@
               <a:buClr>
                 <a:srgbClr val="F50A64"/>
               </a:buClr>
-              <a:buFont typeface="Wingdings" charset="2"/>
+              <a:buFont typeface="Wingdings" panose="05000000000000000000" pitchFamily="2" charset="2"/>
               <a:buNone/>
             </a:pPr>
             <a:endParaRPr lang="zh-CN" altLang="en-US" sz="2000" dirty="0">
               <a:solidFill>
                 <a:srgbClr val="3F3F3F"/>
               </a:solidFill>
-              <a:latin typeface="微软雅黑" charset="-122"/>
-              <a:ea typeface="微软雅黑" charset="-122"/>
-              <a:sym typeface="微软雅黑" charset="-122"/>
+              <a:latin typeface="微软雅黑" panose="020B0503020204020204" charset="-122"/>
+              <a:ea typeface="微软雅黑" panose="020B0503020204020204" charset="-122"/>
+              <a:sym typeface="微软雅黑" panose="020B0503020204020204" charset="-122"/>
             </a:endParaRPr>
           </a:p>
           <a:p>
@@ -8823,7 +8967,7 @@
               <a:buClr>
                 <a:srgbClr val="7F7F7F"/>
               </a:buClr>
-              <a:buFont typeface="Wingdings" charset="2"/>
+              <a:buFont typeface="Wingdings" panose="05000000000000000000" pitchFamily="2" charset="2"/>
               <a:buChar char="l"/>
             </a:pPr>
             <a:r>
@@ -8831,9 +8975,9 @@
                 <a:solidFill>
                   <a:srgbClr val="3F3F3F"/>
                 </a:solidFill>
-                <a:latin typeface="微软雅黑" charset="-122"/>
-                <a:ea typeface="微软雅黑" charset="-122"/>
-                <a:sym typeface="微软雅黑" charset="-122"/>
+                <a:latin typeface="微软雅黑" panose="020B0503020204020204" charset="-122"/>
+                <a:ea typeface="微软雅黑" panose="020B0503020204020204" charset="-122"/>
+                <a:sym typeface="微软雅黑" panose="020B0503020204020204" charset="-122"/>
               </a:rPr>
               <a:t>使用</a:t>
             </a:r>
@@ -8842,9 +8986,9 @@
                 <a:solidFill>
                   <a:srgbClr val="3F3F3F"/>
                 </a:solidFill>
-                <a:latin typeface="微软雅黑" charset="-122"/>
-                <a:ea typeface="微软雅黑" charset="-122"/>
-                <a:sym typeface="微软雅黑" charset="-122"/>
+                <a:latin typeface="微软雅黑" panose="020B0503020204020204" charset="-122"/>
+                <a:ea typeface="微软雅黑" panose="020B0503020204020204" charset="-122"/>
+                <a:sym typeface="微软雅黑" panose="020B0503020204020204" charset="-122"/>
               </a:rPr>
               <a:t>prop</a:t>
             </a:r>
@@ -8853,12 +8997,20 @@
                 <a:solidFill>
                   <a:srgbClr val="3F3F3F"/>
                 </a:solidFill>
-                <a:latin typeface="微软雅黑" charset="-122"/>
-                <a:ea typeface="微软雅黑" charset="-122"/>
-                <a:sym typeface="微软雅黑" charset="-122"/>
+                <a:latin typeface="微软雅黑" panose="020B0503020204020204" charset="-122"/>
+                <a:ea typeface="微软雅黑" panose="020B0503020204020204" charset="-122"/>
+                <a:sym typeface="微软雅黑" panose="020B0503020204020204" charset="-122"/>
               </a:rPr>
               <a:t>传递数据</a:t>
             </a:r>
+            <a:endParaRPr lang="zh-CN" altLang="en-US" sz="2000" dirty="0">
+              <a:solidFill>
+                <a:srgbClr val="3F3F3F"/>
+              </a:solidFill>
+              <a:latin typeface="微软雅黑" panose="020B0503020204020204" charset="-122"/>
+              <a:ea typeface="微软雅黑" panose="020B0503020204020204" charset="-122"/>
+              <a:sym typeface="微软雅黑" panose="020B0503020204020204" charset="-122"/>
+            </a:endParaRPr>
           </a:p>
           <a:p>
             <a:pPr marL="0" lvl="1">
@@ -8868,7 +9020,7 @@
               <a:buClr>
                 <a:srgbClr val="7F7F7F"/>
               </a:buClr>
-              <a:buFont typeface="Wingdings" charset="2"/>
+              <a:buFont typeface="Wingdings" panose="05000000000000000000" pitchFamily="2" charset="2"/>
               <a:buNone/>
             </a:pPr>
             <a:r>
@@ -8876,9 +9028,9 @@
                 <a:solidFill>
                   <a:srgbClr val="3F3F3F"/>
                 </a:solidFill>
-                <a:latin typeface="微软雅黑" charset="-122"/>
-                <a:ea typeface="微软雅黑" charset="-122"/>
-                <a:sym typeface="微软雅黑" charset="-122"/>
+                <a:latin typeface="微软雅黑" panose="020B0503020204020204" charset="-122"/>
+                <a:ea typeface="微软雅黑" panose="020B0503020204020204" charset="-122"/>
+                <a:sym typeface="微软雅黑" panose="020B0503020204020204" charset="-122"/>
               </a:rPr>
               <a:t>	</a:t>
             </a:r>
@@ -8887,21 +9039,24 @@
                 <a:solidFill>
                   <a:srgbClr val="7F7F7F"/>
                 </a:solidFill>
-                <a:latin typeface="微软雅黑" charset="-122"/>
-                <a:ea typeface="微软雅黑" charset="-122"/>
-                <a:sym typeface="微软雅黑" charset="-122"/>
+                <a:latin typeface="微软雅黑" panose="020B0503020204020204" charset="-122"/>
+                <a:ea typeface="微软雅黑" panose="020B0503020204020204" charset="-122"/>
+                <a:sym typeface="微软雅黑" panose="020B0503020204020204" charset="-122"/>
               </a:rPr>
               <a:t>组件实例的作用域是孤立的。</a:t>
             </a:r>
+            <a:endParaRPr lang="en-US" altLang="zh-CN" sz="2000" dirty="0">
+              <a:solidFill>
+                <a:srgbClr val="7F7F7F"/>
+              </a:solidFill>
+              <a:latin typeface="微软雅黑" panose="020B0503020204020204" charset="-122"/>
+              <a:ea typeface="微软雅黑" panose="020B0503020204020204" charset="-122"/>
+              <a:sym typeface="微软雅黑" panose="020B0503020204020204" charset="-122"/>
+            </a:endParaRPr>
           </a:p>
         </p:txBody>
       </p:sp>
     </p:spTree>
-    <p:extLst>
-      <p:ext uri="{BB962C8B-B14F-4D97-AF65-F5344CB8AC3E}">
-        <p14:creationId xmlns:p14="http://schemas.microsoft.com/office/powerpoint/2010/main" val="1767719056"/>
-      </p:ext>
-    </p:extLst>
   </p:cSld>
   <p:clrMapOvr>
     <a:masterClrMapping/>
@@ -8942,17 +9097,46 @@
           <a:lstStyle/>
           <a:p>
             <a:r>
+              <a:rPr lang="en-US" altLang="zh-CN" b="1" dirty="0" err="1">
+                <a:solidFill>
+                  <a:srgbClr val="F50A64"/>
+                </a:solidFill>
+                <a:latin typeface="微软雅黑" panose="020B0503020204020204" charset="-122"/>
+                <a:ea typeface="微软雅黑" panose="020B0503020204020204" charset="-122"/>
+                <a:sym typeface="微软雅黑" panose="020B0503020204020204" charset="-122"/>
+              </a:rPr>
+              <a:t>vue</a:t>
+            </a:r>
+            <a:r>
+              <a:rPr lang="en-US" altLang="zh-CN" b="1" dirty="0">
+                <a:solidFill>
+                  <a:srgbClr val="F50A64"/>
+                </a:solidFill>
+                <a:latin typeface="微软雅黑" panose="020B0503020204020204" charset="-122"/>
+                <a:ea typeface="微软雅黑" panose="020B0503020204020204" charset="-122"/>
+                <a:sym typeface="微软雅黑" panose="020B0503020204020204" charset="-122"/>
+              </a:rPr>
+              <a:t>-cli</a:t>
+            </a:r>
+            <a:r>
               <a:rPr lang="zh-CN" altLang="en-US" b="1" dirty="0">
                 <a:solidFill>
                   <a:srgbClr val="F50A64"/>
                 </a:solidFill>
-                <a:latin typeface="微软雅黑" charset="-122"/>
-                <a:ea typeface="微软雅黑" charset="-122"/>
-                <a:sym typeface="微软雅黑" charset="-122"/>
-              </a:rPr>
-              <a:t>组件间通信</a:t>
-            </a:r>
-            <a:endParaRPr kumimoji="1" lang="zh-CN" altLang="en-US" dirty="0"/>
+                <a:latin typeface="微软雅黑" panose="020B0503020204020204" charset="-122"/>
+                <a:ea typeface="微软雅黑" panose="020B0503020204020204" charset="-122"/>
+                <a:sym typeface="微软雅黑" panose="020B0503020204020204" charset="-122"/>
+              </a:rPr>
+              <a:t>脚手架的使用</a:t>
+            </a:r>
+            <a:endParaRPr lang="zh-CN" altLang="en-US" b="1" dirty="0">
+              <a:solidFill>
+                <a:srgbClr val="F50A64"/>
+              </a:solidFill>
+              <a:latin typeface="微软雅黑" panose="020B0503020204020204" charset="-122"/>
+              <a:ea typeface="微软雅黑" panose="020B0503020204020204" charset="-122"/>
+              <a:sym typeface="微软雅黑" panose="020B0503020204020204" charset="-122"/>
+            </a:endParaRPr>
           </a:p>
         </p:txBody>
       </p:sp>
@@ -8971,208 +9155,153 @@
           <a:bodyPr/>
           <a:lstStyle/>
           <a:p>
-            <a:pPr marL="0" lvl="1">
+            <a:pPr marL="342900" lvl="1" indent="-342900">
+              <a:lnSpc>
+                <a:spcPct val="90000"/>
+              </a:lnSpc>
               <a:buClr>
                 <a:srgbClr val="7F7F7F"/>
               </a:buClr>
-              <a:buFont typeface="Wingdings" charset="2"/>
+              <a:buFont typeface="Wingdings" panose="05000000000000000000" pitchFamily="2" charset="2"/>
               <a:buChar char="l"/>
             </a:pPr>
             <a:r>
-              <a:rPr lang="zh-CN" altLang="en-US" sz="2400" dirty="0">
+              <a:rPr lang="en-US" altLang="zh-CN" sz="1800" dirty="0" err="1">
                 <a:solidFill>
                   <a:srgbClr val="3F3F3F"/>
                 </a:solidFill>
-                <a:latin typeface="微软雅黑" charset="-122"/>
-                <a:ea typeface="微软雅黑" charset="-122"/>
-                <a:sym typeface="微软雅黑" charset="-122"/>
-              </a:rPr>
-              <a:t>父组件-&gt;子组件</a:t>
-            </a:r>
-            <a:endParaRPr lang="zh-CN" altLang="en-US" sz="2400" b="1" dirty="0">
+                <a:latin typeface="微软雅黑" panose="020B0503020204020204" charset="-122"/>
+                <a:ea typeface="微软雅黑" panose="020B0503020204020204" charset="-122"/>
+                <a:sym typeface="微软雅黑" panose="020B0503020204020204" charset="-122"/>
+              </a:rPr>
+              <a:t>vue</a:t>
+            </a:r>
+            <a:r>
+              <a:rPr lang="zh-CN" altLang="en-US" sz="1800" dirty="0">
+                <a:solidFill>
+                  <a:srgbClr val="3F3F3F"/>
+                </a:solidFill>
+                <a:latin typeface="微软雅黑" panose="020B0503020204020204" charset="-122"/>
+                <a:ea typeface="微软雅黑" panose="020B0503020204020204" charset="-122"/>
+                <a:sym typeface="微软雅黑" panose="020B0503020204020204" charset="-122"/>
+              </a:rPr>
+              <a:t>提供的脚手架工具</a:t>
+            </a:r>
+            <a:endParaRPr lang="zh-CN" altLang="en-US" sz="1800" dirty="0">
               <a:solidFill>
                 <a:srgbClr val="3F3F3F"/>
               </a:solidFill>
-              <a:latin typeface="微软雅黑" charset="-122"/>
-              <a:ea typeface="微软雅黑" charset="-122"/>
-              <a:sym typeface="微软雅黑" charset="-122"/>
+              <a:latin typeface="微软雅黑" panose="020B0503020204020204" charset="-122"/>
+              <a:ea typeface="微软雅黑" panose="020B0503020204020204" charset="-122"/>
+              <a:sym typeface="微软雅黑" panose="020B0503020204020204" charset="-122"/>
             </a:endParaRPr>
           </a:p>
           <a:p>
-            <a:pPr marL="0" lvl="1">
+            <a:pPr marL="342900" lvl="1" indent="-342900">
+              <a:lnSpc>
+                <a:spcPct val="90000"/>
+              </a:lnSpc>
               <a:buClr>
-                <a:srgbClr val="F50A64"/>
+                <a:srgbClr val="7F7F7F"/>
               </a:buClr>
               <a:buNone/>
             </a:pPr>
-            <a:r>
-              <a:rPr lang="en-US" altLang="zh-CN" sz="2000" dirty="0">
-                <a:solidFill>
-                  <a:srgbClr val="7F7F7F"/>
-                </a:solidFill>
-                <a:latin typeface="微软雅黑" charset="-122"/>
-                <a:ea typeface="微软雅黑" charset="-122"/>
-              </a:rPr>
-              <a:t>	</a:t>
-            </a:r>
-            <a:r>
-              <a:rPr lang="zh-CN" altLang="en-US" sz="2000" dirty="0">
-                <a:solidFill>
-                  <a:srgbClr val="7F7F7F"/>
-                </a:solidFill>
-                <a:latin typeface="微软雅黑" charset="-122"/>
-                <a:ea typeface="微软雅黑" charset="-122"/>
-              </a:rPr>
-              <a:t>使用</a:t>
-            </a:r>
-            <a:r>
-              <a:rPr lang="en-US" altLang="zh-CN" sz="2000" dirty="0">
-                <a:solidFill>
-                  <a:srgbClr val="7F7F7F"/>
-                </a:solidFill>
-                <a:latin typeface="微软雅黑" charset="-122"/>
-                <a:ea typeface="微软雅黑" charset="-122"/>
-              </a:rPr>
-              <a:t>prop</a:t>
-            </a:r>
-            <a:r>
-              <a:rPr lang="zh-CN" altLang="en-US" sz="2000" dirty="0">
-                <a:solidFill>
-                  <a:srgbClr val="7F7F7F"/>
-                </a:solidFill>
-                <a:latin typeface="微软雅黑" charset="-122"/>
-                <a:ea typeface="微软雅黑" charset="-122"/>
-              </a:rPr>
-              <a:t>传递</a:t>
-            </a:r>
-          </a:p>
-          <a:p>
-            <a:pPr marL="0" lvl="1">
+            <a:endParaRPr lang="zh-CN" altLang="en-US" sz="1800" dirty="0">
+              <a:solidFill>
+                <a:srgbClr val="3F3F3F"/>
+              </a:solidFill>
+              <a:latin typeface="微软雅黑" panose="020B0503020204020204" charset="-122"/>
+              <a:ea typeface="微软雅黑" panose="020B0503020204020204" charset="-122"/>
+              <a:sym typeface="微软雅黑" panose="020B0503020204020204" charset="-122"/>
+            </a:endParaRPr>
+          </a:p>
+          <a:p>
+            <a:pPr marL="342900" lvl="1" indent="-342900">
+              <a:lnSpc>
+                <a:spcPct val="90000"/>
+              </a:lnSpc>
               <a:buClr>
-                <a:srgbClr val="F50A64"/>
+                <a:srgbClr val="7F7F7F"/>
               </a:buClr>
-              <a:buNone/>
+              <a:buFont typeface="Wingdings" panose="05000000000000000000" pitchFamily="2" charset="2"/>
+              <a:buChar char="l"/>
             </a:pPr>
-            <a:endParaRPr lang="zh-CN" altLang="en-US" sz="2000" dirty="0">
+            <a:r>
+              <a:rPr lang="zh-CN" altLang="en-US" sz="1800" dirty="0">
+                <a:solidFill>
+                  <a:srgbClr val="3F3F3F"/>
+                </a:solidFill>
+                <a:latin typeface="微软雅黑" panose="020B0503020204020204" charset="-122"/>
+                <a:ea typeface="微软雅黑" panose="020B0503020204020204" charset="-122"/>
+                <a:sym typeface="微软雅黑" panose="020B0503020204020204" charset="-122"/>
+              </a:rPr>
+              <a:t>什么是脚手架</a:t>
+            </a:r>
+            <a:endParaRPr lang="zh-CN" altLang="en-US" sz="1800" dirty="0">
+              <a:solidFill>
+                <a:srgbClr val="3F3F3F"/>
+              </a:solidFill>
+              <a:latin typeface="微软雅黑" panose="020B0503020204020204" charset="-122"/>
+              <a:ea typeface="微软雅黑" panose="020B0503020204020204" charset="-122"/>
+              <a:sym typeface="微软雅黑" panose="020B0503020204020204" charset="-122"/>
+            </a:endParaRPr>
+          </a:p>
+          <a:p>
+            <a:pPr marL="342900" lvl="1" indent="-342900">
+              <a:lnSpc>
+                <a:spcPct val="90000"/>
+              </a:lnSpc>
+              <a:buClr>
+                <a:srgbClr val="7F7F7F"/>
+              </a:buClr>
+              <a:buNone/>
+            </a:pPr>
+            <a:endParaRPr lang="zh-CN" altLang="en-US" sz="1800" dirty="0">
               <a:solidFill>
                 <a:srgbClr val="7F7F7F"/>
               </a:solidFill>
-              <a:latin typeface="微软雅黑" charset="-122"/>
-              <a:ea typeface="微软雅黑" charset="-122"/>
+              <a:latin typeface="微软雅黑" panose="020B0503020204020204" charset="-122"/>
+              <a:ea typeface="微软雅黑" panose="020B0503020204020204" charset="-122"/>
+              <a:sym typeface="微软雅黑" panose="020B0503020204020204" charset="-122"/>
             </a:endParaRPr>
           </a:p>
           <a:p>
-            <a:pPr marL="0" lvl="1">
+            <a:pPr marL="342900" lvl="1" indent="-342900">
+              <a:lnSpc>
+                <a:spcPct val="90000"/>
+              </a:lnSpc>
               <a:buClr>
                 <a:srgbClr val="7F7F7F"/>
               </a:buClr>
-              <a:buFont typeface="Wingdings" charset="2"/>
+              <a:buFont typeface="Wingdings" panose="05000000000000000000" pitchFamily="2" charset="2"/>
               <a:buChar char="l"/>
             </a:pPr>
             <a:r>
-              <a:rPr lang="zh-CN" altLang="en-US" sz="2400" dirty="0">
+              <a:rPr lang="zh-CN" altLang="en-US" sz="1800" dirty="0">
                 <a:solidFill>
                   <a:srgbClr val="3F3F3F"/>
                 </a:solidFill>
-                <a:latin typeface="微软雅黑" charset="-122"/>
-                <a:ea typeface="微软雅黑" charset="-122"/>
-              </a:rPr>
-              <a:t>子组件-&gt;父组件</a:t>
-            </a:r>
-          </a:p>
-          <a:p>
-            <a:pPr marL="171450" lvl="2" indent="0">
-              <a:buClr>
-                <a:srgbClr val="7F7F7F"/>
-              </a:buClr>
-              <a:buNone/>
-            </a:pPr>
-            <a:r>
-              <a:rPr lang="en-US" altLang="zh-CN" sz="2000" dirty="0">
-                <a:solidFill>
-                  <a:srgbClr val="7F7F7F"/>
-                </a:solidFill>
-                <a:latin typeface="微软雅黑" charset="-122"/>
-                <a:ea typeface="微软雅黑" charset="-122"/>
-              </a:rPr>
-              <a:t>	</a:t>
-            </a:r>
-            <a:r>
-              <a:rPr lang="zh-CN" altLang="en-US" sz="2000" dirty="0">
-                <a:solidFill>
-                  <a:srgbClr val="7F7F7F"/>
-                </a:solidFill>
-                <a:latin typeface="微软雅黑" charset="-122"/>
-                <a:ea typeface="微软雅黑" charset="-122"/>
-              </a:rPr>
-              <a:t>自定义事件</a:t>
-            </a:r>
+                <a:latin typeface="微软雅黑" panose="020B0503020204020204" charset="-122"/>
+                <a:ea typeface="微软雅黑" panose="020B0503020204020204" charset="-122"/>
+                <a:sym typeface="微软雅黑" panose="020B0503020204020204" charset="-122"/>
+              </a:rPr>
+              <a:t>编写基础代码</a:t>
+            </a:r>
+            <a:endParaRPr lang="zh-CN" altLang="en-US" sz="1800" dirty="0">
+              <a:solidFill>
+                <a:srgbClr val="3F3F3F"/>
+              </a:solidFill>
+              <a:latin typeface="微软雅黑" panose="020B0503020204020204" charset="-122"/>
+              <a:ea typeface="微软雅黑" panose="020B0503020204020204" charset="-122"/>
+              <a:sym typeface="微软雅黑" panose="020B0503020204020204" charset="-122"/>
+            </a:endParaRPr>
           </a:p>
           <a:p>
             <a:endParaRPr kumimoji="1" lang="zh-CN" altLang="en-US" dirty="0"/>
           </a:p>
         </p:txBody>
       </p:sp>
-      <p:pic>
-        <p:nvPicPr>
-          <p:cNvPr id="4" name="图片 3" descr="props-events"/>
-          <p:cNvPicPr>
-            <a:picLocks noChangeAspect="1" noChangeArrowheads="1"/>
-          </p:cNvPicPr>
-          <p:nvPr/>
-        </p:nvPicPr>
-        <p:blipFill>
-          <a:blip r:embed="rId2">
-            <a:extLst>
-              <a:ext uri="{28A0092B-C50C-407E-A947-70E740481C1C}">
-                <a14:useLocalDpi xmlns:a14="http://schemas.microsoft.com/office/drawing/2010/main" val="0"/>
-              </a:ext>
-            </a:extLst>
-          </a:blip>
-          <a:srcRect/>
-          <a:stretch>
-            <a:fillRect/>
-          </a:stretch>
-        </p:blipFill>
-        <p:spPr bwMode="auto">
-          <a:xfrm>
-            <a:off x="6848199" y="1586948"/>
-            <a:ext cx="4086225" cy="3341688"/>
-          </a:xfrm>
-          <a:prstGeom prst="rect">
-            <a:avLst/>
-          </a:prstGeom>
-          <a:noFill/>
-          <a:ln>
-            <a:noFill/>
-          </a:ln>
-          <a:extLst>
-            <a:ext uri="{909E8E84-426E-40DD-AFC4-6F175D3DCCD1}">
-              <a14:hiddenFill xmlns:a14="http://schemas.microsoft.com/office/drawing/2010/main">
-                <a:solidFill>
-                  <a:srgbClr val="FFFFFF"/>
-                </a:solidFill>
-              </a14:hiddenFill>
-            </a:ext>
-            <a:ext uri="{91240B29-F687-4F45-9708-019B960494DF}">
-              <a14:hiddenLine xmlns:a14="http://schemas.microsoft.com/office/drawing/2010/main" w="9525">
-                <a:solidFill>
-                  <a:srgbClr val="000000"/>
-                </a:solidFill>
-                <a:miter lim="800000"/>
-                <a:headEnd/>
-                <a:tailEnd/>
-              </a14:hiddenLine>
-            </a:ext>
-          </a:extLst>
-        </p:spPr>
-      </p:pic>
     </p:spTree>
-    <p:extLst>
-      <p:ext uri="{BB962C8B-B14F-4D97-AF65-F5344CB8AC3E}">
-        <p14:creationId xmlns:p14="http://schemas.microsoft.com/office/powerpoint/2010/main" val="1765401594"/>
-      </p:ext>
-    </p:extLst>
   </p:cSld>
   <p:clrMapOvr>
     <a:masterClrMapping/>
@@ -9213,26 +9342,26 @@
           <a:lstStyle/>
           <a:p>
             <a:r>
+              <a:rPr lang="en-US" altLang="zh-CN" b="1" dirty="0" err="1">
+                <a:solidFill>
+                  <a:srgbClr val="F50A64"/>
+                </a:solidFill>
+                <a:latin typeface="微软雅黑" panose="020B0503020204020204" charset="-122"/>
+                <a:ea typeface="微软雅黑" panose="020B0503020204020204" charset="-122"/>
+                <a:sym typeface="微软雅黑" panose="020B0503020204020204" charset="-122"/>
+              </a:rPr>
+              <a:t>vue</a:t>
+            </a:r>
+            <a:r>
               <a:rPr lang="en-US" altLang="zh-CN" b="1" dirty="0">
                 <a:solidFill>
                   <a:srgbClr val="F50A64"/>
                 </a:solidFill>
-                <a:latin typeface="微软雅黑" charset="-122"/>
-                <a:ea typeface="微软雅黑" charset="-122"/>
-                <a:sym typeface="微软雅黑" charset="-122"/>
-              </a:rPr>
-              <a:t>slot</a:t>
-            </a:r>
-            <a:r>
-              <a:rPr lang="zh-CN" altLang="en-US" b="1" dirty="0">
-                <a:solidFill>
-                  <a:srgbClr val="F50A64"/>
-                </a:solidFill>
-                <a:latin typeface="微软雅黑" charset="-122"/>
-                <a:ea typeface="微软雅黑" charset="-122"/>
-                <a:sym typeface="微软雅黑" charset="-122"/>
-              </a:rPr>
-              <a:t>分发内容</a:t>
+                <a:latin typeface="微软雅黑" panose="020B0503020204020204" charset="-122"/>
+                <a:ea typeface="微软雅黑" panose="020B0503020204020204" charset="-122"/>
+                <a:sym typeface="微软雅黑" panose="020B0503020204020204" charset="-122"/>
+              </a:rPr>
+              <a:t>-router</a:t>
             </a:r>
             <a:endParaRPr kumimoji="1" lang="zh-CN" altLang="en-US" dirty="0"/>
           </a:p>
@@ -9248,101 +9377,257 @@
             <p:ph idx="1"/>
           </p:nvPr>
         </p:nvSpPr>
-        <p:spPr/>
+        <p:spPr>
+          <a:xfrm>
+            <a:off x="2589212" y="1590261"/>
+            <a:ext cx="8915400" cy="5267739"/>
+          </a:xfrm>
+        </p:spPr>
         <p:txBody>
-          <a:bodyPr/>
+          <a:bodyPr>
+            <a:normAutofit/>
+          </a:bodyPr>
           <a:lstStyle/>
           <a:p>
-            <a:pPr marL="0" lvl="1">
-              <a:buClr>
-                <a:srgbClr val="F50A64"/>
-              </a:buClr>
-              <a:buNone/>
-            </a:pPr>
-            <a:r>
-              <a:rPr lang="zh-CN" altLang="en-US" sz="2000" dirty="0">
-                <a:solidFill>
-                  <a:srgbClr val="3F3F3F"/>
-                </a:solidFill>
-                <a:latin typeface="微软雅黑" charset="-122"/>
-                <a:ea typeface="微软雅黑" charset="-122"/>
-                <a:sym typeface="微软雅黑" charset="-122"/>
-              </a:rPr>
-              <a:t>混合父组件的内容与子组件自己的模板，这个过程被称为内容分发</a:t>
-            </a:r>
-          </a:p>
-          <a:p>
-            <a:pPr marL="0" lvl="1">
-              <a:buClr>
-                <a:srgbClr val="F50A64"/>
-              </a:buClr>
-              <a:buNone/>
-            </a:pPr>
-            <a:r>
-              <a:rPr lang="zh-CN" altLang="en-US" sz="2000" dirty="0">
-                <a:solidFill>
-                  <a:srgbClr val="3F3F3F"/>
-                </a:solidFill>
-                <a:latin typeface="微软雅黑" charset="-122"/>
-                <a:ea typeface="微软雅黑" charset="-122"/>
-                <a:sym typeface="微软雅黑" charset="-122"/>
-              </a:rPr>
-              <a:t>使用特殊的 &lt;slot&gt; 元素作为原始内容的插槽。</a:t>
-            </a:r>
-          </a:p>
-          <a:p>
-            <a:pPr marL="0" lvl="1">
+            <a:pPr marL="342900" lvl="1" indent="-342900">
               <a:buClr>
                 <a:srgbClr val="7F7F7F"/>
               </a:buClr>
-              <a:buFont typeface="Wingdings" charset="2"/>
+              <a:buFont typeface="Wingdings" panose="05000000000000000000" pitchFamily="2" charset="2"/>
               <a:buChar char="l"/>
             </a:pPr>
             <a:r>
-              <a:rPr lang="zh-CN" altLang="en-US" sz="2000" dirty="0">
+              <a:rPr lang="en-US" altLang="zh-CN" sz="2000" dirty="0">
                 <a:solidFill>
                   <a:srgbClr val="3F3F3F"/>
                 </a:solidFill>
-                <a:latin typeface="微软雅黑" charset="-122"/>
-                <a:ea typeface="微软雅黑" charset="-122"/>
-                <a:sym typeface="微软雅黑" charset="-122"/>
-              </a:rPr>
-              <a:t>单个</a:t>
-            </a:r>
-            <a:r>
-              <a:rPr lang="en-US" altLang="zh-CN" sz="2000" dirty="0">
-                <a:solidFill>
-                  <a:srgbClr val="3F3F3F"/>
-                </a:solidFill>
-                <a:latin typeface="微软雅黑" charset="-122"/>
-                <a:ea typeface="微软雅黑" charset="-122"/>
-                <a:sym typeface="微软雅黑" charset="-122"/>
-              </a:rPr>
-              <a:t>slot</a:t>
-            </a:r>
-          </a:p>
-          <a:p>
-            <a:pPr marL="0" lvl="1">
-              <a:buClr>
-                <a:srgbClr val="7F7F7F"/>
-              </a:buClr>
-              <a:buNone/>
-            </a:pPr>
+                <a:latin typeface="微软雅黑" panose="020B0503020204020204" charset="-122"/>
+                <a:ea typeface="微软雅黑" panose="020B0503020204020204" charset="-122"/>
+                <a:sym typeface="微软雅黑" panose="020B0503020204020204" charset="-122"/>
+              </a:rPr>
+              <a:t>配置组件和路由映射</a:t>
+            </a:r>
             <a:endParaRPr lang="en-US" altLang="zh-CN" sz="2000" dirty="0">
               <a:solidFill>
                 <a:srgbClr val="3F3F3F"/>
               </a:solidFill>
-              <a:latin typeface="微软雅黑" charset="-122"/>
-              <a:ea typeface="微软雅黑" charset="-122"/>
-              <a:sym typeface="微软雅黑" charset="-122"/>
+              <a:latin typeface="微软雅黑" panose="020B0503020204020204" charset="-122"/>
+              <a:ea typeface="微软雅黑" panose="020B0503020204020204" charset="-122"/>
+              <a:sym typeface="微软雅黑" panose="020B0503020204020204" charset="-122"/>
             </a:endParaRPr>
           </a:p>
           <a:p>
-            <a:pPr marL="0" lvl="1">
+            <a:pPr marL="457200" lvl="2" indent="0">
               <a:buClr>
                 <a:srgbClr val="7F7F7F"/>
               </a:buClr>
-              <a:buFont typeface="Wingdings" charset="2"/>
+              <a:buNone/>
+            </a:pPr>
+            <a:r>
+              <a:rPr lang="en-US" altLang="zh-CN" sz="1700" dirty="0">
+                <a:solidFill>
+                  <a:srgbClr val="3F3F3F"/>
+                </a:solidFill>
+                <a:latin typeface="微软雅黑" panose="020B0503020204020204" charset="-122"/>
+                <a:ea typeface="微软雅黑" panose="020B0503020204020204" charset="-122"/>
+                <a:sym typeface="微软雅黑" panose="020B0503020204020204" charset="-122"/>
+              </a:rPr>
+              <a:t>{</a:t>
+            </a:r>
+            <a:endParaRPr lang="en-US" altLang="zh-CN" sz="1700" dirty="0">
+              <a:solidFill>
+                <a:srgbClr val="3F3F3F"/>
+              </a:solidFill>
+              <a:latin typeface="微软雅黑" panose="020B0503020204020204" charset="-122"/>
+              <a:ea typeface="微软雅黑" panose="020B0503020204020204" charset="-122"/>
+              <a:sym typeface="微软雅黑" panose="020B0503020204020204" charset="-122"/>
+            </a:endParaRPr>
+          </a:p>
+          <a:p>
+            <a:pPr marL="457200" lvl="2" indent="0">
+              <a:buClr>
+                <a:srgbClr val="7F7F7F"/>
+              </a:buClr>
+              <a:buNone/>
+            </a:pPr>
+            <a:r>
+              <a:rPr lang="en-US" altLang="zh-CN" sz="1700" dirty="0">
+                <a:solidFill>
+                  <a:srgbClr val="3F3F3F"/>
+                </a:solidFill>
+                <a:latin typeface="微软雅黑" panose="020B0503020204020204" charset="-122"/>
+                <a:ea typeface="微软雅黑" panose="020B0503020204020204" charset="-122"/>
+                <a:sym typeface="微软雅黑" panose="020B0503020204020204" charset="-122"/>
+              </a:rPr>
+              <a:t>	path: </a:t>
+            </a:r>
+            <a:r>
+              <a:rPr lang="zh-CN" altLang="en-US" sz="1700" dirty="0">
+                <a:solidFill>
+                  <a:srgbClr val="3F3F3F"/>
+                </a:solidFill>
+                <a:latin typeface="微软雅黑" panose="020B0503020204020204" charset="-122"/>
+                <a:ea typeface="微软雅黑" panose="020B0503020204020204" charset="-122"/>
+                <a:sym typeface="微软雅黑" panose="020B0503020204020204" charset="-122"/>
+              </a:rPr>
+              <a:t>路径</a:t>
+            </a:r>
+            <a:endParaRPr lang="zh-CN" altLang="en-US" sz="1700" dirty="0">
+              <a:solidFill>
+                <a:srgbClr val="3F3F3F"/>
+              </a:solidFill>
+              <a:latin typeface="微软雅黑" panose="020B0503020204020204" charset="-122"/>
+              <a:ea typeface="微软雅黑" panose="020B0503020204020204" charset="-122"/>
+              <a:sym typeface="微软雅黑" panose="020B0503020204020204" charset="-122"/>
+            </a:endParaRPr>
+          </a:p>
+          <a:p>
+            <a:pPr marL="457200" lvl="2" indent="0">
+              <a:buClr>
+                <a:srgbClr val="7F7F7F"/>
+              </a:buClr>
+              <a:buNone/>
+            </a:pPr>
+            <a:r>
+              <a:rPr lang="en-US" altLang="zh-CN" sz="1700" dirty="0">
+                <a:solidFill>
+                  <a:srgbClr val="3F3F3F"/>
+                </a:solidFill>
+                <a:latin typeface="微软雅黑" panose="020B0503020204020204" charset="-122"/>
+                <a:ea typeface="微软雅黑" panose="020B0503020204020204" charset="-122"/>
+                <a:sym typeface="微软雅黑" panose="020B0503020204020204" charset="-122"/>
+              </a:rPr>
+              <a:t>	name: </a:t>
+            </a:r>
+            <a:r>
+              <a:rPr lang="zh-CN" altLang="en-US" sz="1700" dirty="0">
+                <a:solidFill>
+                  <a:srgbClr val="3F3F3F"/>
+                </a:solidFill>
+                <a:latin typeface="微软雅黑" panose="020B0503020204020204" charset="-122"/>
+                <a:ea typeface="微软雅黑" panose="020B0503020204020204" charset="-122"/>
+                <a:sym typeface="微软雅黑" panose="020B0503020204020204" charset="-122"/>
+              </a:rPr>
+              <a:t>路由名</a:t>
+            </a:r>
+            <a:endParaRPr lang="zh-CN" altLang="en-US" sz="1700" dirty="0">
+              <a:solidFill>
+                <a:srgbClr val="3F3F3F"/>
+              </a:solidFill>
+              <a:latin typeface="微软雅黑" panose="020B0503020204020204" charset="-122"/>
+              <a:ea typeface="微软雅黑" panose="020B0503020204020204" charset="-122"/>
+              <a:sym typeface="微软雅黑" panose="020B0503020204020204" charset="-122"/>
+            </a:endParaRPr>
+          </a:p>
+          <a:p>
+            <a:pPr marL="457200" lvl="2" indent="0">
+              <a:buClr>
+                <a:srgbClr val="7F7F7F"/>
+              </a:buClr>
+              <a:buNone/>
+            </a:pPr>
+            <a:r>
+              <a:rPr lang="en-US" altLang="zh-CN" sz="1700" dirty="0">
+                <a:solidFill>
+                  <a:srgbClr val="3F3F3F"/>
+                </a:solidFill>
+                <a:latin typeface="微软雅黑" panose="020B0503020204020204" charset="-122"/>
+                <a:ea typeface="微软雅黑" panose="020B0503020204020204" charset="-122"/>
+                <a:sym typeface="微软雅黑" panose="020B0503020204020204" charset="-122"/>
+              </a:rPr>
+              <a:t>	component: </a:t>
+            </a:r>
+            <a:r>
+              <a:rPr lang="zh-CN" altLang="en-US" sz="1700" dirty="0">
+                <a:solidFill>
+                  <a:srgbClr val="3F3F3F"/>
+                </a:solidFill>
+                <a:latin typeface="微软雅黑" panose="020B0503020204020204" charset="-122"/>
+                <a:ea typeface="微软雅黑" panose="020B0503020204020204" charset="-122"/>
+                <a:sym typeface="微软雅黑" panose="020B0503020204020204" charset="-122"/>
+              </a:rPr>
+              <a:t>对应组件</a:t>
+            </a:r>
+            <a:endParaRPr lang="zh-CN" altLang="en-US" sz="1700" dirty="0">
+              <a:solidFill>
+                <a:srgbClr val="3F3F3F"/>
+              </a:solidFill>
+              <a:latin typeface="微软雅黑" panose="020B0503020204020204" charset="-122"/>
+              <a:ea typeface="微软雅黑" panose="020B0503020204020204" charset="-122"/>
+              <a:sym typeface="微软雅黑" panose="020B0503020204020204" charset="-122"/>
+            </a:endParaRPr>
+          </a:p>
+          <a:p>
+            <a:pPr marL="457200" lvl="2" indent="0">
+              <a:buClr>
+                <a:srgbClr val="7F7F7F"/>
+              </a:buClr>
+              <a:buNone/>
+            </a:pPr>
+            <a:r>
+              <a:rPr lang="en-US" altLang="zh-CN" sz="1700" dirty="0">
+                <a:solidFill>
+                  <a:srgbClr val="3F3F3F"/>
+                </a:solidFill>
+                <a:latin typeface="微软雅黑" panose="020B0503020204020204" charset="-122"/>
+                <a:ea typeface="微软雅黑" panose="020B0503020204020204" charset="-122"/>
+                <a:sym typeface="微软雅黑" panose="020B0503020204020204" charset="-122"/>
+              </a:rPr>
+              <a:t>	children:</a:t>
+            </a:r>
+            <a:r>
+              <a:rPr lang="zh-CN" altLang="en-US" sz="1700" dirty="0">
+                <a:solidFill>
+                  <a:srgbClr val="3F3F3F"/>
+                </a:solidFill>
+                <a:latin typeface="微软雅黑" panose="020B0503020204020204" charset="-122"/>
+                <a:ea typeface="微软雅黑" panose="020B0503020204020204" charset="-122"/>
+                <a:sym typeface="微软雅黑" panose="020B0503020204020204" charset="-122"/>
+              </a:rPr>
+              <a:t>子路由</a:t>
+            </a:r>
+            <a:endParaRPr lang="zh-CN" altLang="en-US" sz="1700" dirty="0">
+              <a:solidFill>
+                <a:srgbClr val="3F3F3F"/>
+              </a:solidFill>
+              <a:latin typeface="微软雅黑" panose="020B0503020204020204" charset="-122"/>
+              <a:ea typeface="微软雅黑" panose="020B0503020204020204" charset="-122"/>
+              <a:sym typeface="微软雅黑" panose="020B0503020204020204" charset="-122"/>
+            </a:endParaRPr>
+          </a:p>
+          <a:p>
+            <a:pPr marL="457200" lvl="2" indent="0">
+              <a:buClr>
+                <a:srgbClr val="7F7F7F"/>
+              </a:buClr>
+              <a:buNone/>
+            </a:pPr>
+            <a:r>
+              <a:rPr lang="en-US" altLang="zh-CN" sz="1700" dirty="0">
+                <a:solidFill>
+                  <a:srgbClr val="3F3F3F"/>
+                </a:solidFill>
+                <a:latin typeface="微软雅黑" panose="020B0503020204020204" charset="-122"/>
+                <a:ea typeface="微软雅黑" panose="020B0503020204020204" charset="-122"/>
+                <a:sym typeface="微软雅黑" panose="020B0503020204020204" charset="-122"/>
+              </a:rPr>
+              <a:t>}</a:t>
+            </a:r>
+            <a:endParaRPr lang="en-US" altLang="zh-CN" sz="1700" dirty="0">
+              <a:solidFill>
+                <a:srgbClr val="3F3F3F"/>
+              </a:solidFill>
+              <a:latin typeface="微软雅黑" panose="020B0503020204020204" charset="-122"/>
+              <a:ea typeface="微软雅黑" panose="020B0503020204020204" charset="-122"/>
+              <a:sym typeface="微软雅黑" panose="020B0503020204020204" charset="-122"/>
+            </a:endParaRPr>
+          </a:p>
+          <a:p>
+            <a:pPr marL="342900" lvl="1" indent="-342900">
+              <a:buClr>
+                <a:srgbClr val="7F7F7F"/>
+              </a:buClr>
+              <a:buFont typeface="Wingdings" panose="05000000000000000000" pitchFamily="2" charset="2"/>
               <a:buChar char="l"/>
             </a:pPr>
             <a:r>
@@ -9350,23 +9635,134 @@
                 <a:solidFill>
                   <a:srgbClr val="3F3F3F"/>
                 </a:solidFill>
-                <a:latin typeface="微软雅黑" charset="-122"/>
-                <a:ea typeface="微软雅黑" charset="-122"/>
-                <a:sym typeface="微软雅黑" charset="-122"/>
-              </a:rPr>
-              <a:t>具名</a:t>
-            </a:r>
-            <a:r>
-              <a:rPr lang="en-US" altLang="zh-CN" sz="2000" dirty="0">
+                <a:latin typeface="微软雅黑" panose="020B0503020204020204" charset="-122"/>
+                <a:ea typeface="微软雅黑" panose="020B0503020204020204" charset="-122"/>
+                <a:sym typeface="微软雅黑" panose="020B0503020204020204" charset="-122"/>
+              </a:rPr>
+              <a:t>导航和渲染</a:t>
+            </a:r>
+            <a:endParaRPr lang="zh-CN" altLang="en-US" sz="2000" dirty="0">
+              <a:solidFill>
+                <a:srgbClr val="3F3F3F"/>
+              </a:solidFill>
+              <a:latin typeface="微软雅黑" panose="020B0503020204020204" charset="-122"/>
+              <a:ea typeface="微软雅黑" panose="020B0503020204020204" charset="-122"/>
+              <a:sym typeface="微软雅黑" panose="020B0503020204020204" charset="-122"/>
+            </a:endParaRPr>
+          </a:p>
+          <a:p>
+            <a:pPr marL="457200" lvl="2" indent="0">
+              <a:buClr>
+                <a:srgbClr val="7F7F7F"/>
+              </a:buClr>
+              <a:buNone/>
+            </a:pPr>
+            <a:r>
+              <a:rPr lang="en-US" altLang="zh-CN" sz="1700" dirty="0">
                 <a:solidFill>
                   <a:srgbClr val="3F3F3F"/>
                 </a:solidFill>
-                <a:latin typeface="微软雅黑" charset="-122"/>
-                <a:ea typeface="微软雅黑" charset="-122"/>
-                <a:sym typeface="微软雅黑" charset="-122"/>
-              </a:rPr>
-              <a:t>slot</a:t>
-            </a:r>
+                <a:latin typeface="微软雅黑" panose="020B0503020204020204" charset="-122"/>
+                <a:ea typeface="微软雅黑" panose="020B0503020204020204" charset="-122"/>
+                <a:sym typeface="微软雅黑" panose="020B0503020204020204" charset="-122"/>
+              </a:rPr>
+              <a:t>&lt;</a:t>
+            </a:r>
+            <a:r>
+              <a:rPr lang="zh-CN" altLang="en-US" sz="1700" dirty="0">
+                <a:solidFill>
+                  <a:srgbClr val="3F3F3F"/>
+                </a:solidFill>
+                <a:latin typeface="微软雅黑" panose="020B0503020204020204" charset="-122"/>
+                <a:ea typeface="微软雅黑" panose="020B0503020204020204" charset="-122"/>
+                <a:sym typeface="微软雅黑" panose="020B0503020204020204" charset="-122"/>
+              </a:rPr>
+              <a:t>router-link</a:t>
+            </a:r>
+            <a:r>
+              <a:rPr lang="en-US" altLang="zh-CN" sz="1700" dirty="0">
+                <a:solidFill>
+                  <a:srgbClr val="3F3F3F"/>
+                </a:solidFill>
+                <a:latin typeface="微软雅黑" panose="020B0503020204020204" charset="-122"/>
+                <a:ea typeface="微软雅黑" panose="020B0503020204020204" charset="-122"/>
+                <a:sym typeface="微软雅黑" panose="020B0503020204020204" charset="-122"/>
+              </a:rPr>
+              <a:t>&gt;  导航</a:t>
+            </a:r>
+            <a:r>
+              <a:rPr lang="zh-CN" altLang="en-US" sz="1700" dirty="0">
+                <a:solidFill>
+                  <a:srgbClr val="3F3F3F"/>
+                </a:solidFill>
+                <a:latin typeface="微软雅黑" panose="020B0503020204020204" charset="-122"/>
+                <a:ea typeface="微软雅黑" panose="020B0503020204020204" charset="-122"/>
+                <a:sym typeface="微软雅黑" panose="020B0503020204020204" charset="-122"/>
+              </a:rPr>
+              <a:t>链接，默认生成</a:t>
+            </a:r>
+            <a:r>
+              <a:rPr lang="en-US" altLang="zh-CN" sz="1700" dirty="0">
+                <a:solidFill>
+                  <a:srgbClr val="3F3F3F"/>
+                </a:solidFill>
+                <a:latin typeface="微软雅黑" panose="020B0503020204020204" charset="-122"/>
+                <a:ea typeface="微软雅黑" panose="020B0503020204020204" charset="-122"/>
+                <a:sym typeface="微软雅黑" panose="020B0503020204020204" charset="-122"/>
+              </a:rPr>
+              <a:t>a</a:t>
+            </a:r>
+            <a:endParaRPr lang="en-US" altLang="zh-CN" sz="1700" dirty="0">
+              <a:solidFill>
+                <a:srgbClr val="3F3F3F"/>
+              </a:solidFill>
+              <a:latin typeface="微软雅黑" panose="020B0503020204020204" charset="-122"/>
+              <a:ea typeface="微软雅黑" panose="020B0503020204020204" charset="-122"/>
+              <a:sym typeface="微软雅黑" panose="020B0503020204020204" charset="-122"/>
+            </a:endParaRPr>
+          </a:p>
+          <a:p>
+            <a:pPr marL="457200" lvl="2" indent="0">
+              <a:buClr>
+                <a:srgbClr val="7F7F7F"/>
+              </a:buClr>
+              <a:buNone/>
+            </a:pPr>
+            <a:endParaRPr lang="en-US" altLang="zh-CN" sz="1700" dirty="0">
+              <a:solidFill>
+                <a:srgbClr val="3F3F3F"/>
+              </a:solidFill>
+              <a:latin typeface="微软雅黑" panose="020B0503020204020204" charset="-122"/>
+              <a:ea typeface="微软雅黑" panose="020B0503020204020204" charset="-122"/>
+              <a:sym typeface="微软雅黑" panose="020B0503020204020204" charset="-122"/>
+            </a:endParaRPr>
+          </a:p>
+          <a:p>
+            <a:pPr marL="457200" lvl="2" indent="0">
+              <a:buClr>
+                <a:srgbClr val="7F7F7F"/>
+              </a:buClr>
+              <a:buNone/>
+            </a:pPr>
+            <a:r>
+              <a:rPr lang="en-US" altLang="zh-CN" sz="1700" dirty="0">
+                <a:solidFill>
+                  <a:srgbClr val="3F3F3F"/>
+                </a:solidFill>
+                <a:latin typeface="微软雅黑" panose="020B0503020204020204" charset="-122"/>
+                <a:ea typeface="微软雅黑" panose="020B0503020204020204" charset="-122"/>
+                <a:sym typeface="微软雅黑" panose="020B0503020204020204" charset="-122"/>
+              </a:rPr>
+              <a:t>&lt;router-view&gt; 渲染路径匹配到的视图组件</a:t>
+            </a:r>
+            <a:endParaRPr lang="en-US" altLang="zh-CN" sz="1700" dirty="0">
+              <a:solidFill>
+                <a:srgbClr val="3F3F3F"/>
+              </a:solidFill>
+              <a:latin typeface="微软雅黑" panose="020B0503020204020204" charset="-122"/>
+              <a:ea typeface="微软雅黑" panose="020B0503020204020204" charset="-122"/>
+              <a:sym typeface="微软雅黑" panose="020B0503020204020204" charset="-122"/>
+            </a:endParaRPr>
           </a:p>
           <a:p>
             <a:endParaRPr kumimoji="1" lang="zh-CN" altLang="en-US" dirty="0"/>
@@ -9374,11 +9770,6 @@
         </p:txBody>
       </p:sp>
     </p:spTree>
-    <p:extLst>
-      <p:ext uri="{BB962C8B-B14F-4D97-AF65-F5344CB8AC3E}">
-        <p14:creationId xmlns:p14="http://schemas.microsoft.com/office/powerpoint/2010/main" val="511090882"/>
-      </p:ext>
-    </p:extLst>
   </p:cSld>
   <p:clrMapOvr>
     <a:masterClrMapping/>
@@ -9395,14 +9786,7 @@
         <p:cNvGrpSpPr/>
         <p:nvPr/>
       </p:nvGrpSpPr>
-      <p:grpSpPr>
-        <a:xfrm>
-          <a:off x="0" y="0"/>
-          <a:ext cx="0" cy="0"/>
-          <a:chOff x="0" y="0"/>
-          <a:chExt cx="0" cy="0"/>
-        </a:xfrm>
-      </p:grpSpPr>
+      <p:grpSpPr/>
       <p:sp>
         <p:nvSpPr>
           <p:cNvPr id="2" name="标题 1"/>
@@ -9416,20 +9800,28 @@
         <p:spPr/>
         <p:txBody>
           <a:bodyPr/>
-          <a:lstStyle/>
-          <a:p>
-            <a:r>
-              <a:rPr lang="zh-CN" altLang="en-US" b="1" dirty="0">
-                <a:solidFill>
-                  <a:srgbClr val="F50A64"/>
-                </a:solidFill>
-                <a:latin typeface="微软雅黑" charset="-122"/>
-                <a:ea typeface="微软雅黑" charset="-122"/>
-                <a:sym typeface="微软雅黑" charset="-122"/>
-              </a:rPr>
-              <a:t>编写可复用组件</a:t>
-            </a:r>
-            <a:endParaRPr kumimoji="1" lang="zh-CN" altLang="en-US" dirty="0"/>
+          <a:p>
+            <a:r>
+              <a:rPr lang="en-US" altLang="zh-CN">
+                <a:solidFill>
+                  <a:srgbClr val="FF0000"/>
+                </a:solidFill>
+              </a:rPr>
+              <a:t>vue  </a:t>
+            </a:r>
+            <a:r>
+              <a:rPr lang="zh-CN" altLang="en-US">
+                <a:solidFill>
+                  <a:srgbClr val="FF0000"/>
+                </a:solidFill>
+              </a:rPr>
+              <a:t>封装的组件库分享</a:t>
+            </a:r>
+            <a:endParaRPr lang="zh-CN" altLang="en-US">
+              <a:solidFill>
+                <a:srgbClr val="FF0000"/>
+              </a:solidFill>
+            </a:endParaRPr>
           </a:p>
         </p:txBody>
       </p:sp>
@@ -9445,1122 +9837,178 @@
         </p:nvSpPr>
         <p:spPr>
           <a:xfrm>
-            <a:off x="2589212" y="2133600"/>
-            <a:ext cx="8915400" cy="4426226"/>
+            <a:off x="2588895" y="1326515"/>
+            <a:ext cx="8915400" cy="5447030"/>
           </a:xfrm>
         </p:spPr>
         <p:txBody>
           <a:bodyPr>
-            <a:normAutofit/>
+            <a:normAutofit fontScale="80000"/>
           </a:bodyPr>
-          <a:lstStyle/>
-          <a:p>
-            <a:pPr marL="0" lvl="1">
-              <a:buClr>
-                <a:srgbClr val="F50A64"/>
-              </a:buClr>
+          <a:p>
+            <a:r>
+              <a:rPr lang="zh-CN" altLang="en-US"/>
+              <a:t>Mint UI：基于 Vue.js 的移动端组件库，Mint UI 包含丰富的 CSS 和 JS 组件，能够满足日常的移动端开发需要。（由饿了么前端团队推出的 Mint UI 是一个基于 Vue.js 的移动端组件库）</a:t>
+            </a:r>
+            <a:endParaRPr lang="zh-CN" altLang="en-US"/>
+          </a:p>
+          <a:p>
+            <a:pPr marL="457200" lvl="1" indent="0">
               <a:buNone/>
             </a:pPr>
             <a:r>
-              <a:rPr lang="zh-CN" altLang="en-US" sz="2000" dirty="0">
-                <a:solidFill>
-                  <a:srgbClr val="3F3F3F"/>
-                </a:solidFill>
-                <a:latin typeface="微软雅黑" charset="-122"/>
-                <a:ea typeface="微软雅黑" charset="-122"/>
-                <a:sym typeface="微软雅黑" charset="-122"/>
-              </a:rPr>
-              <a:t>可复用组件应当定义一个清晰的公开接口。</a:t>
-            </a:r>
-          </a:p>
-          <a:p>
-            <a:pPr marL="0" lvl="1">
-              <a:buClr>
-                <a:srgbClr val="F50A64"/>
-              </a:buClr>
+              <a:rPr lang="zh-CN" altLang="en-US"/>
+              <a:t>GitHub：https://github.com/ElemeFE/mint-ui</a:t>
+            </a:r>
+            <a:endParaRPr lang="zh-CN" altLang="en-US"/>
+          </a:p>
+          <a:p>
+            <a:pPr marL="457200" lvl="1" indent="0">
               <a:buNone/>
             </a:pPr>
-            <a:endParaRPr lang="zh-CN" altLang="en-US" sz="2000" dirty="0">
-              <a:solidFill>
-                <a:srgbClr val="3F3F3F"/>
-              </a:solidFill>
-              <a:latin typeface="微软雅黑" charset="-122"/>
-              <a:ea typeface="微软雅黑" charset="-122"/>
-              <a:sym typeface="微软雅黑" charset="-122"/>
-            </a:endParaRPr>
-          </a:p>
-          <a:p>
-            <a:pPr marL="0" lvl="1">
-              <a:buClr>
-                <a:srgbClr val="7F7F7F"/>
-              </a:buClr>
-              <a:buFont typeface="Wingdings" charset="2"/>
-              <a:buChar char="l"/>
+            <a:r>
+              <a:rPr lang="zh-CN" altLang="en-US"/>
+              <a:t>项目主页：http://mint-ui.github.io/#!/zh-cn</a:t>
+            </a:r>
+            <a:endParaRPr lang="zh-CN" altLang="en-US"/>
+          </a:p>
+          <a:p>
+            <a:pPr marL="0" indent="0" fontAlgn="auto">
+              <a:buNone/>
             </a:pPr>
             <a:r>
-              <a:rPr lang="zh-CN" altLang="en-US" sz="2400" dirty="0">
-                <a:solidFill>
-                  <a:srgbClr val="3F3F3F"/>
-                </a:solidFill>
-                <a:latin typeface="微软雅黑" charset="-122"/>
-                <a:ea typeface="微软雅黑" charset="-122"/>
-                <a:sym typeface="微软雅黑" charset="-122"/>
-              </a:rPr>
-              <a:t>Vue 组件的 API 来自三部分</a:t>
-            </a:r>
-          </a:p>
-          <a:p>
-            <a:pPr marL="0" lvl="1">
-              <a:buClr>
-                <a:srgbClr val="F50A64"/>
-              </a:buClr>
+              <a:rPr lang="zh-CN" altLang="en-US"/>
+              <a:t>vux：Vux（读音 [v'ju:z]，同views）是基于WeUI和Vue(2.x)开发的移动端UI组件库，主要服务于微信页面。</a:t>
+            </a:r>
+            <a:endParaRPr lang="zh-CN" altLang="en-US"/>
+          </a:p>
+          <a:p>
+            <a:pPr marL="0" indent="0" fontAlgn="auto">
               <a:buNone/>
             </a:pPr>
             <a:r>
-              <a:rPr lang="en-US" altLang="zh-CN" sz="2000" dirty="0">
-                <a:solidFill>
-                  <a:srgbClr val="3F3F3F"/>
-                </a:solidFill>
-                <a:latin typeface="微软雅黑" charset="-122"/>
-                <a:ea typeface="微软雅黑" charset="-122"/>
-                <a:sym typeface="微软雅黑" charset="-122"/>
-              </a:rPr>
-              <a:t>	</a:t>
-            </a:r>
-            <a:r>
-              <a:rPr lang="zh-CN" altLang="en-US" sz="2000" dirty="0">
-                <a:solidFill>
-                  <a:srgbClr val="7F7F7F"/>
-                </a:solidFill>
-                <a:latin typeface="微软雅黑" charset="-122"/>
-                <a:ea typeface="微软雅黑" charset="-122"/>
-                <a:sym typeface="微软雅黑" charset="-122"/>
-              </a:rPr>
-              <a:t>Props 传递数据给组件</a:t>
-            </a:r>
-          </a:p>
-          <a:p>
-            <a:pPr marL="0" lvl="1">
-              <a:buClr>
-                <a:srgbClr val="F50A64"/>
-              </a:buClr>
+              <a:rPr lang="zh-CN" altLang="en-US"/>
+              <a:t>       官网：https://vux.li/#/</a:t>
+            </a:r>
+            <a:endParaRPr lang="zh-CN" altLang="en-US"/>
+          </a:p>
+          <a:p>
+            <a:pPr fontAlgn="auto"/>
+            <a:r>
+              <a:rPr lang="zh-CN" altLang="en-US"/>
+              <a:t>vonic：一个基于 vue.js 和 ionic 样式的 UI 框架，用于快速构建移动端单页应用。</a:t>
+            </a:r>
+            <a:endParaRPr lang="zh-CN" altLang="en-US"/>
+          </a:p>
+          <a:p>
+            <a:pPr marL="0" indent="0" fontAlgn="auto">
               <a:buNone/>
             </a:pPr>
             <a:r>
-              <a:rPr lang="en-US" altLang="zh-CN" sz="2000" dirty="0">
-                <a:solidFill>
-                  <a:srgbClr val="7F7F7F"/>
-                </a:solidFill>
-                <a:latin typeface="微软雅黑" charset="-122"/>
-                <a:ea typeface="微软雅黑" charset="-122"/>
-                <a:sym typeface="微软雅黑" charset="-122"/>
-              </a:rPr>
-              <a:t>	</a:t>
-            </a:r>
-            <a:r>
-              <a:rPr lang="zh-CN" altLang="en-US" sz="2000" dirty="0">
-                <a:solidFill>
-                  <a:srgbClr val="7F7F7F"/>
-                </a:solidFill>
-                <a:latin typeface="微软雅黑" charset="-122"/>
-                <a:ea typeface="微软雅黑" charset="-122"/>
-                <a:sym typeface="微软雅黑" charset="-122"/>
-              </a:rPr>
-              <a:t>Events 自定义监听子组件内部变化事件</a:t>
-            </a:r>
-          </a:p>
-          <a:p>
-            <a:pPr marL="0" lvl="1">
-              <a:buClr>
-                <a:srgbClr val="F50A64"/>
-              </a:buClr>
+              <a:rPr lang="zh-CN" altLang="en-US"/>
+              <a:t>       官网：https://www.awesomes.cn/repo/wangdahoo/vonic</a:t>
+            </a:r>
+            <a:endParaRPr lang="zh-CN" altLang="en-US"/>
+          </a:p>
+          <a:p>
+            <a:pPr marL="0" indent="0" fontAlgn="auto">
               <a:buNone/>
             </a:pPr>
-            <a:r>
-              <a:rPr lang="en-US" altLang="zh-CN" sz="2000" dirty="0">
-                <a:solidFill>
-                  <a:srgbClr val="7F7F7F"/>
-                </a:solidFill>
-                <a:latin typeface="微软雅黑" charset="-122"/>
-                <a:ea typeface="微软雅黑" charset="-122"/>
-                <a:sym typeface="微软雅黑" charset="-122"/>
-              </a:rPr>
-              <a:t>	</a:t>
-            </a:r>
-            <a:r>
-              <a:rPr lang="zh-CN" altLang="en-US" sz="2000" dirty="0">
-                <a:solidFill>
-                  <a:srgbClr val="7F7F7F"/>
-                </a:solidFill>
-                <a:latin typeface="微软雅黑" charset="-122"/>
-                <a:ea typeface="微软雅黑" charset="-122"/>
-                <a:sym typeface="微软雅黑" charset="-122"/>
-              </a:rPr>
-              <a:t>Slots 混合模板到子组件中</a:t>
-            </a:r>
-          </a:p>
-          <a:p>
-            <a:pPr marL="0" lvl="1">
-              <a:buClr>
-                <a:srgbClr val="F50A64"/>
-              </a:buClr>
+            <a:endParaRPr lang="en-US" altLang="zh-CN"/>
+          </a:p>
+          <a:p>
+            <a:pPr marL="0" indent="0" fontAlgn="auto">
               <a:buNone/>
             </a:pPr>
-            <a:endParaRPr lang="zh-CN" altLang="en-US" sz="2000" dirty="0">
-              <a:solidFill>
-                <a:srgbClr val="7F7F7F"/>
-              </a:solidFill>
-              <a:latin typeface="微软雅黑" charset="-122"/>
-              <a:ea typeface="微软雅黑" charset="-122"/>
-              <a:sym typeface="微软雅黑" charset="-122"/>
-            </a:endParaRPr>
-          </a:p>
-          <a:p>
-            <a:pPr marL="0" lvl="1">
-              <a:buClr>
-                <a:srgbClr val="F50A64"/>
-              </a:buClr>
+            <a:r>
+              <a:rPr lang="en-US" altLang="zh-CN" sz="1800">
+                <a:sym typeface="+mn-ea"/>
+              </a:rPr>
+              <a:t>element ui: Element UI 是一套采用 Vue 2.0 作为基础框架实现的组件库，它面向企业级的后台应用()</a:t>
+            </a:r>
+            <a:endParaRPr lang="en-US" altLang="zh-CN" sz="1800"/>
+          </a:p>
+          <a:p>
+            <a:pPr marL="457200" lvl="1" indent="0" fontAlgn="auto">
               <a:buNone/>
             </a:pPr>
             <a:r>
-              <a:rPr lang="zh-CN" altLang="en-US" sz="2000" dirty="0">
-                <a:solidFill>
-                  <a:srgbClr val="7F7F7F"/>
-                </a:solidFill>
-                <a:latin typeface="微软雅黑" charset="-122"/>
-                <a:ea typeface="微软雅黑" charset="-122"/>
-                <a:sym typeface="微软雅黑" charset="-122"/>
-              </a:rPr>
-              <a:t>饿了么组件库：</a:t>
-            </a:r>
-          </a:p>
-          <a:p>
-            <a:pPr marL="0" lvl="1">
-              <a:buClr>
-                <a:srgbClr val="F50A64"/>
-              </a:buClr>
+              <a:rPr lang="en-US" altLang="zh-CN" sz="1800">
+                <a:sym typeface="+mn-ea"/>
+              </a:rPr>
+              <a:t>  仓库地址： https://github.com/ElemeFE/element</a:t>
+            </a:r>
+            <a:endParaRPr lang="en-US" altLang="zh-CN" sz="1800"/>
+          </a:p>
+          <a:p>
+            <a:pPr marL="457200" lvl="1" indent="0" fontAlgn="auto">
               <a:buNone/>
             </a:pPr>
             <a:r>
-              <a:rPr lang="en-US" altLang="zh-CN" sz="2000" dirty="0">
-                <a:solidFill>
-                  <a:srgbClr val="7F7F7F"/>
-                </a:solidFill>
-                <a:latin typeface="微软雅黑" charset="-122"/>
-                <a:ea typeface="微软雅黑" charset="-122"/>
-                <a:sym typeface="微软雅黑" charset="-122"/>
-              </a:rPr>
-              <a:t>	</a:t>
-            </a:r>
-            <a:r>
-              <a:rPr lang="zh-CN" altLang="en-US" sz="2000" dirty="0">
-                <a:solidFill>
-                  <a:srgbClr val="7F7F7F"/>
-                </a:solidFill>
-                <a:latin typeface="微软雅黑" charset="-122"/>
-                <a:ea typeface="微软雅黑" charset="-122"/>
-                <a:sym typeface="微软雅黑" charset="-122"/>
-              </a:rPr>
-              <a:t>http://element.eleme.io/#/zh-CN/component/installation</a:t>
-            </a:r>
-          </a:p>
-          <a:p>
-            <a:endParaRPr kumimoji="1" lang="zh-CN" altLang="en-US" dirty="0"/>
+              <a:rPr lang="en-US" altLang="zh-CN" sz="1800">
+                <a:sym typeface="+mn-ea"/>
+              </a:rPr>
+              <a:t>   文档地址： http://element.eleme.io/#/</a:t>
+            </a:r>
+            <a:endParaRPr lang="en-US" altLang="zh-CN" sz="1800"/>
+          </a:p>
+          <a:p>
+            <a:pPr marL="0" indent="0" fontAlgn="auto">
+              <a:buNone/>
+            </a:pPr>
+            <a:r>
+              <a:rPr lang="en-US" altLang="zh-CN" sz="1800">
+                <a:sym typeface="+mn-ea"/>
+              </a:rPr>
+              <a:t>iView:iView 主要服务于 PC 界面的中后台业务，是一套高质量的开源 UI 组件库.</a:t>
+            </a:r>
+            <a:endParaRPr lang="en-US" altLang="zh-CN" sz="1800"/>
+          </a:p>
+          <a:p>
+            <a:pPr marL="457200" lvl="1" indent="0" fontAlgn="auto">
+              <a:buNone/>
+            </a:pPr>
+            <a:r>
+              <a:rPr lang="en-US" altLang="zh-CN" sz="1800">
+                <a:sym typeface="+mn-ea"/>
+              </a:rPr>
+              <a:t> github</a:t>
+            </a:r>
+            <a:r>
+              <a:rPr lang="zh-CN" altLang="en-US" sz="1800">
+                <a:sym typeface="+mn-ea"/>
+              </a:rPr>
+              <a:t>地址：</a:t>
+            </a:r>
+            <a:r>
+              <a:rPr lang="en-US" altLang="zh-CN" sz="1800">
+                <a:sym typeface="+mn-ea"/>
+              </a:rPr>
+              <a:t>https://github.com/iview/iview</a:t>
+            </a:r>
+            <a:endParaRPr lang="en-US" altLang="zh-CN" sz="1800"/>
+          </a:p>
+          <a:p>
+            <a:pPr marL="457200" lvl="1" indent="0" fontAlgn="auto">
+              <a:buNone/>
+            </a:pPr>
+            <a:r>
+              <a:rPr lang="en-US" altLang="zh-CN" sz="1800">
+                <a:sym typeface="+mn-ea"/>
+              </a:rPr>
+              <a:t>官网是：https://www.iviewui.com/</a:t>
+            </a:r>
+            <a:endParaRPr lang="en-US" altLang="zh-CN" sz="1800"/>
+          </a:p>
+          <a:p>
+            <a:pPr marL="0" indent="0" fontAlgn="auto">
+              <a:buNone/>
+            </a:pPr>
+            <a:endParaRPr lang="en-US" altLang="zh-CN"/>
           </a:p>
         </p:txBody>
       </p:sp>
     </p:spTree>
-    <p:extLst>
-      <p:ext uri="{BB962C8B-B14F-4D97-AF65-F5344CB8AC3E}">
-        <p14:creationId xmlns:p14="http://schemas.microsoft.com/office/powerpoint/2010/main" val="2117349421"/>
-      </p:ext>
-    </p:extLst>
-  </p:cSld>
-  <p:clrMapOvr>
-    <a:masterClrMapping/>
-  </p:clrMapOvr>
-</p:sld>
-</file>
-
-<file path=ppt/slides/slide16.xml><?xml version="1.0" encoding="utf-8"?>
-<p:sld xmlns:a="http://schemas.openxmlformats.org/drawingml/2006/main" xmlns:r="http://schemas.openxmlformats.org/officeDocument/2006/relationships" xmlns:p="http://schemas.openxmlformats.org/presentationml/2006/main">
-  <p:cSld>
-    <p:spTree>
-      <p:nvGrpSpPr>
-        <p:cNvPr id="1" name=""/>
-        <p:cNvGrpSpPr/>
-        <p:nvPr/>
-      </p:nvGrpSpPr>
-      <p:grpSpPr>
-        <a:xfrm>
-          <a:off x="0" y="0"/>
-          <a:ext cx="0" cy="0"/>
-          <a:chOff x="0" y="0"/>
-          <a:chExt cx="0" cy="0"/>
-        </a:xfrm>
-      </p:grpSpPr>
-      <p:sp>
-        <p:nvSpPr>
-          <p:cNvPr id="2" name="标题 1"/>
-          <p:cNvSpPr>
-            <a:spLocks noGrp="1"/>
-          </p:cNvSpPr>
-          <p:nvPr>
-            <p:ph type="title"/>
-          </p:nvPr>
-        </p:nvSpPr>
-        <p:spPr/>
-        <p:txBody>
-          <a:bodyPr/>
-          <a:lstStyle/>
-          <a:p>
-            <a:r>
-              <a:rPr lang="zh-CN" altLang="en-US" b="1" dirty="0">
-                <a:solidFill>
-                  <a:srgbClr val="F50A64"/>
-                </a:solidFill>
-                <a:latin typeface="微软雅黑" charset="-122"/>
-                <a:ea typeface="微软雅黑" charset="-122"/>
-                <a:sym typeface="微软雅黑" charset="-122"/>
-              </a:rPr>
-              <a:t>子组件双向数据绑定</a:t>
-            </a:r>
-            <a:endParaRPr kumimoji="1" lang="zh-CN" altLang="en-US" dirty="0"/>
-          </a:p>
-        </p:txBody>
-      </p:sp>
-      <p:sp>
-        <p:nvSpPr>
-          <p:cNvPr id="3" name="内容占位符 2"/>
-          <p:cNvSpPr>
-            <a:spLocks noGrp="1"/>
-          </p:cNvSpPr>
-          <p:nvPr>
-            <p:ph idx="1"/>
-          </p:nvPr>
-        </p:nvSpPr>
-        <p:spPr/>
-        <p:txBody>
-          <a:bodyPr/>
-          <a:lstStyle/>
-          <a:p>
-            <a:pPr marL="0" lvl="1">
-              <a:buClr>
-                <a:srgbClr val="F50A64"/>
-              </a:buClr>
-              <a:buNone/>
-            </a:pPr>
-            <a:r>
-              <a:rPr lang="zh-CN" altLang="en-US" sz="2000" dirty="0">
-                <a:solidFill>
-                  <a:srgbClr val="3F3F3F"/>
-                </a:solidFill>
-                <a:latin typeface="微软雅黑" charset="-122"/>
-                <a:ea typeface="微软雅黑" charset="-122"/>
-                <a:sym typeface="微软雅黑" charset="-122"/>
-              </a:rPr>
-              <a:t>要让组件的 v-model 生效</a:t>
-            </a:r>
-          </a:p>
-          <a:p>
-            <a:pPr marL="0" lvl="1">
-              <a:buClr>
-                <a:srgbClr val="F50A64"/>
-              </a:buClr>
-              <a:buNone/>
-            </a:pPr>
-            <a:endParaRPr lang="zh-CN" altLang="en-US" sz="2000" dirty="0">
-              <a:solidFill>
-                <a:srgbClr val="3F3F3F"/>
-              </a:solidFill>
-              <a:latin typeface="微软雅黑" charset="-122"/>
-              <a:ea typeface="微软雅黑" charset="-122"/>
-              <a:sym typeface="微软雅黑" charset="-122"/>
-            </a:endParaRPr>
-          </a:p>
-          <a:p>
-            <a:pPr marL="0" lvl="1">
-              <a:buClr>
-                <a:srgbClr val="7F7F7F"/>
-              </a:buClr>
-              <a:buFont typeface="Wingdings" charset="2"/>
-              <a:buChar char="l"/>
-            </a:pPr>
-            <a:r>
-              <a:rPr lang="zh-CN" altLang="en-US" sz="2000" dirty="0">
-                <a:solidFill>
-                  <a:srgbClr val="7F7F7F"/>
-                </a:solidFill>
-                <a:latin typeface="微软雅黑" charset="-122"/>
-                <a:ea typeface="微软雅黑" charset="-122"/>
-                <a:sym typeface="微软雅黑" charset="-122"/>
-              </a:rPr>
-              <a:t>接受一个 value 属性</a:t>
-            </a:r>
-          </a:p>
-          <a:p>
-            <a:pPr marL="0" lvl="1">
-              <a:buClr>
-                <a:srgbClr val="7F7F7F"/>
-              </a:buClr>
-              <a:buFont typeface="Wingdings" charset="2"/>
-              <a:buChar char="l"/>
-            </a:pPr>
-            <a:r>
-              <a:rPr lang="zh-CN" altLang="en-US" sz="2000" dirty="0">
-                <a:solidFill>
-                  <a:srgbClr val="7F7F7F"/>
-                </a:solidFill>
-                <a:latin typeface="微软雅黑" charset="-122"/>
-                <a:ea typeface="微软雅黑" charset="-122"/>
-                <a:sym typeface="微软雅黑" charset="-122"/>
-              </a:rPr>
-              <a:t>在有新的 value 时触发 input 事件</a:t>
-            </a:r>
-          </a:p>
-          <a:p>
-            <a:endParaRPr kumimoji="1" lang="zh-CN" altLang="en-US" dirty="0"/>
-          </a:p>
-        </p:txBody>
-      </p:sp>
-    </p:spTree>
-    <p:extLst>
-      <p:ext uri="{BB962C8B-B14F-4D97-AF65-F5344CB8AC3E}">
-        <p14:creationId xmlns:p14="http://schemas.microsoft.com/office/powerpoint/2010/main" val="1212369856"/>
-      </p:ext>
-    </p:extLst>
-  </p:cSld>
-  <p:clrMapOvr>
-    <a:masterClrMapping/>
-  </p:clrMapOvr>
-</p:sld>
-</file>
-
-<file path=ppt/slides/slide17.xml><?xml version="1.0" encoding="utf-8"?>
-<p:sld xmlns:a="http://schemas.openxmlformats.org/drawingml/2006/main" xmlns:r="http://schemas.openxmlformats.org/officeDocument/2006/relationships" xmlns:p="http://schemas.openxmlformats.org/presentationml/2006/main">
-  <p:cSld>
-    <p:spTree>
-      <p:nvGrpSpPr>
-        <p:cNvPr id="1" name=""/>
-        <p:cNvGrpSpPr/>
-        <p:nvPr/>
-      </p:nvGrpSpPr>
-      <p:grpSpPr>
-        <a:xfrm>
-          <a:off x="0" y="0"/>
-          <a:ext cx="0" cy="0"/>
-          <a:chOff x="0" y="0"/>
-          <a:chExt cx="0" cy="0"/>
-        </a:xfrm>
-      </p:grpSpPr>
-      <p:sp>
-        <p:nvSpPr>
-          <p:cNvPr id="2" name="标题 1"/>
-          <p:cNvSpPr>
-            <a:spLocks noGrp="1"/>
-          </p:cNvSpPr>
-          <p:nvPr>
-            <p:ph type="title"/>
-          </p:nvPr>
-        </p:nvSpPr>
-        <p:spPr/>
-        <p:txBody>
-          <a:bodyPr/>
-          <a:lstStyle/>
-          <a:p>
-            <a:r>
-              <a:rPr lang="zh-CN" altLang="en-US" b="1" dirty="0">
-                <a:solidFill>
-                  <a:srgbClr val="F50A64"/>
-                </a:solidFill>
-                <a:latin typeface="微软雅黑" charset="-122"/>
-                <a:ea typeface="微软雅黑" charset="-122"/>
-                <a:sym typeface="微软雅黑" charset="-122"/>
-              </a:rPr>
-              <a:t>异步组件</a:t>
-            </a:r>
-            <a:endParaRPr kumimoji="1" lang="zh-CN" altLang="en-US" dirty="0"/>
-          </a:p>
-        </p:txBody>
-      </p:sp>
-      <p:sp>
-        <p:nvSpPr>
-          <p:cNvPr id="3" name="内容占位符 2"/>
-          <p:cNvSpPr>
-            <a:spLocks noGrp="1"/>
-          </p:cNvSpPr>
-          <p:nvPr>
-            <p:ph idx="1"/>
-          </p:nvPr>
-        </p:nvSpPr>
-        <p:spPr/>
-        <p:txBody>
-          <a:bodyPr/>
-          <a:lstStyle/>
-          <a:p>
-            <a:pPr marL="0" lvl="1">
-              <a:buClr>
-                <a:srgbClr val="F50A64"/>
-              </a:buClr>
-              <a:buNone/>
-            </a:pPr>
-            <a:r>
-              <a:rPr lang="zh-CN" altLang="en-US" sz="2000" dirty="0">
-                <a:solidFill>
-                  <a:srgbClr val="3F3F3F"/>
-                </a:solidFill>
-                <a:latin typeface="微软雅黑" charset="-122"/>
-                <a:ea typeface="微软雅黑" charset="-122"/>
-                <a:sym typeface="微软雅黑" charset="-122"/>
-              </a:rPr>
-              <a:t>可能需要将应用拆分为多个小模块，按需从服务器下载。</a:t>
-            </a:r>
-          </a:p>
-          <a:p>
-            <a:pPr marL="0" lvl="1">
-              <a:buClr>
-                <a:srgbClr val="F50A64"/>
-              </a:buClr>
-              <a:buNone/>
-            </a:pPr>
-            <a:endParaRPr lang="zh-CN" altLang="en-US" sz="2000" dirty="0">
-              <a:solidFill>
-                <a:srgbClr val="3F3F3F"/>
-              </a:solidFill>
-              <a:latin typeface="微软雅黑" charset="-122"/>
-              <a:ea typeface="微软雅黑" charset="-122"/>
-              <a:sym typeface="微软雅黑" charset="-122"/>
-            </a:endParaRPr>
-          </a:p>
-          <a:p>
-            <a:pPr marL="0" lvl="1">
-              <a:buClr>
-                <a:srgbClr val="F50A64"/>
-              </a:buClr>
-              <a:buNone/>
-            </a:pPr>
-            <a:r>
-              <a:rPr lang="zh-CN" altLang="en-US" sz="2000" dirty="0">
-                <a:solidFill>
-                  <a:srgbClr val="3F3F3F"/>
-                </a:solidFill>
-                <a:latin typeface="微软雅黑" charset="-122"/>
-                <a:ea typeface="微软雅黑" charset="-122"/>
-                <a:sym typeface="微软雅黑" charset="-122"/>
-              </a:rPr>
-              <a:t>只在组件需要渲染时触发工厂函数，并且把结果缓存起来，用于后面的再次渲染</a:t>
-            </a:r>
-          </a:p>
-          <a:p>
-            <a:pPr marL="0" lvl="1">
-              <a:buClr>
-                <a:srgbClr val="F50A64"/>
-              </a:buClr>
-              <a:buNone/>
-            </a:pPr>
-            <a:endParaRPr lang="zh-CN" altLang="en-US" sz="2000" dirty="0">
-              <a:solidFill>
-                <a:srgbClr val="3F3F3F"/>
-              </a:solidFill>
-              <a:latin typeface="微软雅黑" charset="-122"/>
-              <a:ea typeface="微软雅黑" charset="-122"/>
-              <a:sym typeface="微软雅黑" charset="-122"/>
-            </a:endParaRPr>
-          </a:p>
-          <a:p>
-            <a:pPr marL="0" lvl="1">
-              <a:buClr>
-                <a:srgbClr val="F50A64"/>
-              </a:buClr>
-              <a:buNone/>
-            </a:pPr>
-            <a:r>
-              <a:rPr lang="zh-CN" altLang="en-US" sz="1800" dirty="0">
-                <a:solidFill>
-                  <a:srgbClr val="7F7F7F"/>
-                </a:solidFill>
-                <a:latin typeface="微软雅黑" charset="-122"/>
-                <a:ea typeface="微软雅黑" charset="-122"/>
-                <a:sym typeface="微软雅黑" charset="-122"/>
-              </a:rPr>
-              <a:t>Vue.component(custom-async', function (resolve, reject) {</a:t>
-            </a:r>
-          </a:p>
-          <a:p>
-            <a:pPr marL="0" lvl="1">
-              <a:buClr>
-                <a:srgbClr val="F50A64"/>
-              </a:buClr>
-              <a:buNone/>
-            </a:pPr>
-            <a:r>
-              <a:rPr lang="zh-CN" altLang="en-US" sz="1800" dirty="0">
-                <a:solidFill>
-                  <a:srgbClr val="7F7F7F"/>
-                </a:solidFill>
-                <a:latin typeface="微软雅黑" charset="-122"/>
-                <a:ea typeface="微软雅黑" charset="-122"/>
-                <a:sym typeface="微软雅黑" charset="-122"/>
-              </a:rPr>
-              <a:t>  resolve</a:t>
-            </a:r>
-            <a:r>
-              <a:rPr lang="en-US" altLang="zh-CN" sz="1800" dirty="0">
-                <a:solidFill>
-                  <a:srgbClr val="7F7F7F"/>
-                </a:solidFill>
-                <a:latin typeface="微软雅黑" charset="-122"/>
-                <a:ea typeface="微软雅黑" charset="-122"/>
-                <a:sym typeface="微软雅黑" charset="-122"/>
-              </a:rPr>
-              <a:t>()</a:t>
-            </a:r>
-          </a:p>
-          <a:p>
-            <a:pPr marL="0" lvl="1">
-              <a:buClr>
-                <a:srgbClr val="F50A64"/>
-              </a:buClr>
-              <a:buNone/>
-            </a:pPr>
-            <a:r>
-              <a:rPr lang="zh-CN" altLang="en-US" sz="1800" dirty="0">
-                <a:solidFill>
-                  <a:srgbClr val="7F7F7F"/>
-                </a:solidFill>
-                <a:latin typeface="微软雅黑" charset="-122"/>
-                <a:ea typeface="微软雅黑" charset="-122"/>
-                <a:sym typeface="微软雅黑" charset="-122"/>
-              </a:rPr>
-              <a:t>})</a:t>
-            </a:r>
-          </a:p>
-          <a:p>
-            <a:endParaRPr kumimoji="1" lang="zh-CN" altLang="en-US" dirty="0"/>
-          </a:p>
-        </p:txBody>
-      </p:sp>
-    </p:spTree>
-    <p:extLst>
-      <p:ext uri="{BB962C8B-B14F-4D97-AF65-F5344CB8AC3E}">
-        <p14:creationId xmlns:p14="http://schemas.microsoft.com/office/powerpoint/2010/main" val="975327056"/>
-      </p:ext>
-    </p:extLst>
-  </p:cSld>
-  <p:clrMapOvr>
-    <a:masterClrMapping/>
-  </p:clrMapOvr>
-</p:sld>
-</file>
-
-<file path=ppt/slides/slide18.xml><?xml version="1.0" encoding="utf-8"?>
-<p:sld xmlns:a="http://schemas.openxmlformats.org/drawingml/2006/main" xmlns:r="http://schemas.openxmlformats.org/officeDocument/2006/relationships" xmlns:p="http://schemas.openxmlformats.org/presentationml/2006/main">
-  <p:cSld>
-    <p:spTree>
-      <p:nvGrpSpPr>
-        <p:cNvPr id="1" name=""/>
-        <p:cNvGrpSpPr/>
-        <p:nvPr/>
-      </p:nvGrpSpPr>
-      <p:grpSpPr>
-        <a:xfrm>
-          <a:off x="0" y="0"/>
-          <a:ext cx="0" cy="0"/>
-          <a:chOff x="0" y="0"/>
-          <a:chExt cx="0" cy="0"/>
-        </a:xfrm>
-      </p:grpSpPr>
-      <p:sp>
-        <p:nvSpPr>
-          <p:cNvPr id="2" name="标题 1"/>
-          <p:cNvSpPr>
-            <a:spLocks noGrp="1"/>
-          </p:cNvSpPr>
-          <p:nvPr>
-            <p:ph type="title"/>
-          </p:nvPr>
-        </p:nvSpPr>
-        <p:spPr/>
-        <p:txBody>
-          <a:bodyPr/>
-          <a:lstStyle/>
-          <a:p>
-            <a:r>
-              <a:rPr lang="en-US" altLang="zh-CN" b="1" dirty="0" err="1">
-                <a:solidFill>
-                  <a:srgbClr val="F50A64"/>
-                </a:solidFill>
-                <a:latin typeface="微软雅黑" charset="-122"/>
-                <a:ea typeface="微软雅黑" charset="-122"/>
-                <a:sym typeface="微软雅黑" charset="-122"/>
-              </a:rPr>
-              <a:t>vue</a:t>
-            </a:r>
-            <a:r>
-              <a:rPr lang="en-US" altLang="zh-CN" b="1" dirty="0">
-                <a:solidFill>
-                  <a:srgbClr val="F50A64"/>
-                </a:solidFill>
-                <a:latin typeface="微软雅黑" charset="-122"/>
-                <a:ea typeface="微软雅黑" charset="-122"/>
-                <a:sym typeface="微软雅黑" charset="-122"/>
-              </a:rPr>
-              <a:t>-cli</a:t>
-            </a:r>
-            <a:r>
-              <a:rPr lang="zh-CN" altLang="en-US" b="1" dirty="0">
-                <a:solidFill>
-                  <a:srgbClr val="F50A64"/>
-                </a:solidFill>
-                <a:latin typeface="微软雅黑" charset="-122"/>
-                <a:ea typeface="微软雅黑" charset="-122"/>
-                <a:sym typeface="微软雅黑" charset="-122"/>
-              </a:rPr>
-              <a:t>脚手架</a:t>
-            </a:r>
-            <a:endParaRPr kumimoji="1" lang="zh-CN" altLang="en-US" dirty="0"/>
-          </a:p>
-        </p:txBody>
-      </p:sp>
-      <p:sp>
-        <p:nvSpPr>
-          <p:cNvPr id="3" name="内容占位符 2"/>
-          <p:cNvSpPr>
-            <a:spLocks noGrp="1"/>
-          </p:cNvSpPr>
-          <p:nvPr>
-            <p:ph idx="1"/>
-          </p:nvPr>
-        </p:nvSpPr>
-        <p:spPr/>
-        <p:txBody>
-          <a:bodyPr/>
-          <a:lstStyle/>
-          <a:p>
-            <a:pPr marL="342900" lvl="1" indent="-342900">
-              <a:lnSpc>
-                <a:spcPct val="90000"/>
-              </a:lnSpc>
-              <a:buClr>
-                <a:srgbClr val="7F7F7F"/>
-              </a:buClr>
-              <a:buFont typeface="Wingdings" charset="2"/>
-              <a:buChar char="l"/>
-            </a:pPr>
-            <a:r>
-              <a:rPr lang="en-US" altLang="zh-CN" sz="1800" dirty="0" err="1">
-                <a:solidFill>
-                  <a:srgbClr val="3F3F3F"/>
-                </a:solidFill>
-                <a:latin typeface="微软雅黑" charset="-122"/>
-                <a:ea typeface="微软雅黑" charset="-122"/>
-                <a:sym typeface="微软雅黑" charset="-122"/>
-              </a:rPr>
-              <a:t>vue</a:t>
-            </a:r>
-            <a:r>
-              <a:rPr lang="zh-CN" altLang="en-US" sz="1800" dirty="0">
-                <a:solidFill>
-                  <a:srgbClr val="3F3F3F"/>
-                </a:solidFill>
-                <a:latin typeface="微软雅黑" charset="-122"/>
-                <a:ea typeface="微软雅黑" charset="-122"/>
-                <a:sym typeface="微软雅黑" charset="-122"/>
-              </a:rPr>
-              <a:t>提供的脚手架工具</a:t>
-            </a:r>
-          </a:p>
-          <a:p>
-            <a:pPr marL="342900" lvl="1" indent="-342900">
-              <a:lnSpc>
-                <a:spcPct val="90000"/>
-              </a:lnSpc>
-              <a:buClr>
-                <a:srgbClr val="7F7F7F"/>
-              </a:buClr>
-              <a:buNone/>
-            </a:pPr>
-            <a:endParaRPr lang="zh-CN" altLang="en-US" sz="1800" dirty="0">
-              <a:solidFill>
-                <a:srgbClr val="3F3F3F"/>
-              </a:solidFill>
-              <a:latin typeface="微软雅黑" charset="-122"/>
-              <a:ea typeface="微软雅黑" charset="-122"/>
-              <a:sym typeface="微软雅黑" charset="-122"/>
-            </a:endParaRPr>
-          </a:p>
-          <a:p>
-            <a:pPr marL="342900" lvl="1" indent="-342900">
-              <a:lnSpc>
-                <a:spcPct val="90000"/>
-              </a:lnSpc>
-              <a:buClr>
-                <a:srgbClr val="7F7F7F"/>
-              </a:buClr>
-              <a:buFont typeface="Wingdings" charset="2"/>
-              <a:buChar char="l"/>
-            </a:pPr>
-            <a:r>
-              <a:rPr lang="zh-CN" altLang="en-US" sz="1800" dirty="0">
-                <a:solidFill>
-                  <a:srgbClr val="3F3F3F"/>
-                </a:solidFill>
-                <a:latin typeface="微软雅黑" charset="-122"/>
-                <a:ea typeface="微软雅黑" charset="-122"/>
-                <a:sym typeface="微软雅黑" charset="-122"/>
-              </a:rPr>
-              <a:t>什么是脚手架</a:t>
-            </a:r>
-          </a:p>
-          <a:p>
-            <a:pPr marL="342900" lvl="1" indent="-342900">
-              <a:lnSpc>
-                <a:spcPct val="90000"/>
-              </a:lnSpc>
-              <a:buClr>
-                <a:srgbClr val="7F7F7F"/>
-              </a:buClr>
-              <a:buNone/>
-            </a:pPr>
-            <a:endParaRPr lang="zh-CN" altLang="en-US" sz="1800" dirty="0">
-              <a:solidFill>
-                <a:srgbClr val="7F7F7F"/>
-              </a:solidFill>
-              <a:latin typeface="微软雅黑" charset="-122"/>
-              <a:ea typeface="微软雅黑" charset="-122"/>
-              <a:sym typeface="微软雅黑" charset="-122"/>
-            </a:endParaRPr>
-          </a:p>
-          <a:p>
-            <a:pPr marL="342900" lvl="1" indent="-342900">
-              <a:lnSpc>
-                <a:spcPct val="90000"/>
-              </a:lnSpc>
-              <a:buClr>
-                <a:srgbClr val="7F7F7F"/>
-              </a:buClr>
-              <a:buFont typeface="Wingdings" charset="2"/>
-              <a:buChar char="l"/>
-            </a:pPr>
-            <a:r>
-              <a:rPr lang="zh-CN" altLang="en-US" sz="1800" dirty="0">
-                <a:solidFill>
-                  <a:srgbClr val="3F3F3F"/>
-                </a:solidFill>
-                <a:latin typeface="微软雅黑" charset="-122"/>
-                <a:ea typeface="微软雅黑" charset="-122"/>
-                <a:sym typeface="微软雅黑" charset="-122"/>
-              </a:rPr>
-              <a:t>编写基础代码</a:t>
-            </a:r>
-          </a:p>
-          <a:p>
-            <a:endParaRPr kumimoji="1" lang="zh-CN" altLang="en-US" dirty="0"/>
-          </a:p>
-        </p:txBody>
-      </p:sp>
-    </p:spTree>
-    <p:extLst>
-      <p:ext uri="{BB962C8B-B14F-4D97-AF65-F5344CB8AC3E}">
-        <p14:creationId xmlns:p14="http://schemas.microsoft.com/office/powerpoint/2010/main" val="579152641"/>
-      </p:ext>
-    </p:extLst>
-  </p:cSld>
-  <p:clrMapOvr>
-    <a:masterClrMapping/>
-  </p:clrMapOvr>
-</p:sld>
-</file>
-
-<file path=ppt/slides/slide19.xml><?xml version="1.0" encoding="utf-8"?>
-<p:sld xmlns:a="http://schemas.openxmlformats.org/drawingml/2006/main" xmlns:r="http://schemas.openxmlformats.org/officeDocument/2006/relationships" xmlns:p="http://schemas.openxmlformats.org/presentationml/2006/main">
-  <p:cSld>
-    <p:spTree>
-      <p:nvGrpSpPr>
-        <p:cNvPr id="1" name=""/>
-        <p:cNvGrpSpPr/>
-        <p:nvPr/>
-      </p:nvGrpSpPr>
-      <p:grpSpPr>
-        <a:xfrm>
-          <a:off x="0" y="0"/>
-          <a:ext cx="0" cy="0"/>
-          <a:chOff x="0" y="0"/>
-          <a:chExt cx="0" cy="0"/>
-        </a:xfrm>
-      </p:grpSpPr>
-      <p:sp>
-        <p:nvSpPr>
-          <p:cNvPr id="2" name="标题 1"/>
-          <p:cNvSpPr>
-            <a:spLocks noGrp="1"/>
-          </p:cNvSpPr>
-          <p:nvPr>
-            <p:ph type="title"/>
-          </p:nvPr>
-        </p:nvSpPr>
-        <p:spPr/>
-        <p:txBody>
-          <a:bodyPr/>
-          <a:lstStyle/>
-          <a:p>
-            <a:r>
-              <a:rPr lang="en-US" altLang="zh-CN" b="1" dirty="0" err="1">
-                <a:solidFill>
-                  <a:srgbClr val="F50A64"/>
-                </a:solidFill>
-                <a:latin typeface="微软雅黑" charset="-122"/>
-                <a:ea typeface="微软雅黑" charset="-122"/>
-                <a:sym typeface="微软雅黑" charset="-122"/>
-              </a:rPr>
-              <a:t>vue</a:t>
-            </a:r>
-            <a:r>
-              <a:rPr lang="en-US" altLang="zh-CN" b="1" dirty="0">
-                <a:solidFill>
-                  <a:srgbClr val="F50A64"/>
-                </a:solidFill>
-                <a:latin typeface="微软雅黑" charset="-122"/>
-                <a:ea typeface="微软雅黑" charset="-122"/>
-                <a:sym typeface="微软雅黑" charset="-122"/>
-              </a:rPr>
-              <a:t>-cli </a:t>
-            </a:r>
-            <a:r>
-              <a:rPr lang="zh-CN" altLang="en-US" b="1" dirty="0">
-                <a:solidFill>
-                  <a:srgbClr val="F50A64"/>
-                </a:solidFill>
-                <a:latin typeface="微软雅黑" charset="-122"/>
-                <a:ea typeface="微软雅黑" charset="-122"/>
-                <a:sym typeface="微软雅黑" charset="-122"/>
-              </a:rPr>
-              <a:t>脚手架</a:t>
-            </a:r>
-            <a:endParaRPr kumimoji="1" lang="zh-CN" altLang="en-US" dirty="0"/>
-          </a:p>
-        </p:txBody>
-      </p:sp>
-      <p:sp>
-        <p:nvSpPr>
-          <p:cNvPr id="3" name="内容占位符 2"/>
-          <p:cNvSpPr>
-            <a:spLocks noGrp="1"/>
-          </p:cNvSpPr>
-          <p:nvPr>
-            <p:ph idx="1"/>
-          </p:nvPr>
-        </p:nvSpPr>
-        <p:spPr/>
-        <p:txBody>
-          <a:bodyPr/>
-          <a:lstStyle/>
-          <a:p>
-            <a:pPr marL="0" lvl="1" indent="0">
-              <a:lnSpc>
-                <a:spcPct val="90000"/>
-              </a:lnSpc>
-              <a:buClr>
-                <a:srgbClr val="7F7F7F"/>
-              </a:buClr>
-              <a:buFont typeface="Wingdings" charset="2"/>
-              <a:buChar char="l"/>
-            </a:pPr>
-            <a:r>
-              <a:rPr lang="zh-CN" altLang="en-US" sz="2000" dirty="0">
-                <a:solidFill>
-                  <a:srgbClr val="3F3F3F"/>
-                </a:solidFill>
-                <a:latin typeface="微软雅黑" charset="-122"/>
-                <a:ea typeface="微软雅黑" charset="-122"/>
-                <a:sym typeface="微软雅黑" charset="-122"/>
-              </a:rPr>
-              <a:t>生成目录结构</a:t>
-            </a:r>
-          </a:p>
-          <a:p>
-            <a:pPr marL="0" lvl="1" indent="0">
-              <a:lnSpc>
-                <a:spcPct val="90000"/>
-              </a:lnSpc>
-              <a:buClr>
-                <a:srgbClr val="7F7F7F"/>
-              </a:buClr>
-              <a:buFont typeface="Wingdings" charset="2"/>
-              <a:buChar char="l"/>
-            </a:pPr>
-            <a:endParaRPr lang="zh-CN" altLang="en-US" sz="2000" dirty="0">
-              <a:solidFill>
-                <a:srgbClr val="3F3F3F"/>
-              </a:solidFill>
-              <a:latin typeface="微软雅黑" charset="-122"/>
-              <a:ea typeface="微软雅黑" charset="-122"/>
-              <a:sym typeface="微软雅黑" charset="-122"/>
-            </a:endParaRPr>
-          </a:p>
-          <a:p>
-            <a:pPr marL="0" lvl="1" indent="0">
-              <a:lnSpc>
-                <a:spcPct val="90000"/>
-              </a:lnSpc>
-              <a:buClr>
-                <a:srgbClr val="7F7F7F"/>
-              </a:buClr>
-              <a:buFont typeface="Wingdings" charset="2"/>
-              <a:buChar char="l"/>
-            </a:pPr>
-            <a:r>
-              <a:rPr lang="zh-CN" altLang="en-US" sz="2000" dirty="0">
-                <a:solidFill>
-                  <a:srgbClr val="3F3F3F"/>
-                </a:solidFill>
-                <a:latin typeface="微软雅黑" charset="-122"/>
-                <a:ea typeface="微软雅黑" charset="-122"/>
-                <a:sym typeface="微软雅黑" charset="-122"/>
-              </a:rPr>
-              <a:t>本地开发调试</a:t>
-            </a:r>
-          </a:p>
-          <a:p>
-            <a:pPr marL="0" lvl="1" indent="0">
-              <a:lnSpc>
-                <a:spcPct val="90000"/>
-              </a:lnSpc>
-              <a:buClr>
-                <a:srgbClr val="7F7F7F"/>
-              </a:buClr>
-              <a:buFont typeface="Wingdings" charset="2"/>
-              <a:buChar char="l"/>
-            </a:pPr>
-            <a:endParaRPr lang="zh-CN" altLang="en-US" sz="2000" dirty="0">
-              <a:solidFill>
-                <a:srgbClr val="3F3F3F"/>
-              </a:solidFill>
-              <a:latin typeface="微软雅黑" charset="-122"/>
-              <a:ea typeface="微软雅黑" charset="-122"/>
-              <a:sym typeface="微软雅黑" charset="-122"/>
-            </a:endParaRPr>
-          </a:p>
-          <a:p>
-            <a:pPr marL="0" lvl="1" indent="0">
-              <a:lnSpc>
-                <a:spcPct val="90000"/>
-              </a:lnSpc>
-              <a:buClr>
-                <a:srgbClr val="7F7F7F"/>
-              </a:buClr>
-              <a:buFont typeface="Wingdings" charset="2"/>
-              <a:buChar char="l"/>
-            </a:pPr>
-            <a:r>
-              <a:rPr lang="zh-CN" altLang="en-US" sz="2000" dirty="0">
-                <a:solidFill>
-                  <a:srgbClr val="3F3F3F"/>
-                </a:solidFill>
-                <a:latin typeface="微软雅黑" charset="-122"/>
-                <a:ea typeface="微软雅黑" charset="-122"/>
-                <a:sym typeface="微软雅黑" charset="-122"/>
-              </a:rPr>
-              <a:t>代码部署</a:t>
-            </a:r>
-          </a:p>
-          <a:p>
-            <a:pPr marL="0" lvl="1" indent="0">
-              <a:lnSpc>
-                <a:spcPct val="90000"/>
-              </a:lnSpc>
-              <a:buClr>
-                <a:srgbClr val="7F7F7F"/>
-              </a:buClr>
-              <a:buFont typeface="Wingdings" charset="2"/>
-              <a:buChar char="l"/>
-            </a:pPr>
-            <a:endParaRPr lang="zh-CN" altLang="en-US" sz="2000" dirty="0">
-              <a:solidFill>
-                <a:srgbClr val="3F3F3F"/>
-              </a:solidFill>
-              <a:latin typeface="微软雅黑" charset="-122"/>
-              <a:ea typeface="微软雅黑" charset="-122"/>
-              <a:sym typeface="微软雅黑" charset="-122"/>
-            </a:endParaRPr>
-          </a:p>
-          <a:p>
-            <a:pPr marL="0" lvl="1" indent="0">
-              <a:lnSpc>
-                <a:spcPct val="90000"/>
-              </a:lnSpc>
-              <a:buClr>
-                <a:srgbClr val="7F7F7F"/>
-              </a:buClr>
-              <a:buFont typeface="Wingdings" charset="2"/>
-              <a:buChar char="l"/>
-            </a:pPr>
-            <a:r>
-              <a:rPr lang="zh-CN" altLang="en-US" sz="2000" dirty="0">
-                <a:solidFill>
-                  <a:srgbClr val="3F3F3F"/>
-                </a:solidFill>
-                <a:latin typeface="微软雅黑" charset="-122"/>
-                <a:ea typeface="微软雅黑" charset="-122"/>
-                <a:sym typeface="微软雅黑" charset="-122"/>
-              </a:rPr>
-              <a:t>热加载</a:t>
-            </a:r>
-          </a:p>
-          <a:p>
-            <a:pPr marL="0" lvl="1" indent="0">
-              <a:lnSpc>
-                <a:spcPct val="90000"/>
-              </a:lnSpc>
-              <a:buClr>
-                <a:srgbClr val="7F7F7F"/>
-              </a:buClr>
-              <a:buFont typeface="Wingdings" charset="2"/>
-              <a:buChar char="l"/>
-            </a:pPr>
-            <a:endParaRPr lang="zh-CN" altLang="en-US" sz="2000" dirty="0">
-              <a:solidFill>
-                <a:srgbClr val="3F3F3F"/>
-              </a:solidFill>
-              <a:latin typeface="微软雅黑" charset="-122"/>
-              <a:ea typeface="微软雅黑" charset="-122"/>
-              <a:sym typeface="微软雅黑" charset="-122"/>
-            </a:endParaRPr>
-          </a:p>
-          <a:p>
-            <a:pPr marL="0" lvl="1" indent="0">
-              <a:lnSpc>
-                <a:spcPct val="90000"/>
-              </a:lnSpc>
-              <a:buClr>
-                <a:srgbClr val="7F7F7F"/>
-              </a:buClr>
-              <a:buFont typeface="Wingdings" charset="2"/>
-              <a:buChar char="l"/>
-            </a:pPr>
-            <a:r>
-              <a:rPr lang="zh-CN" altLang="en-US" sz="2000" dirty="0">
-                <a:solidFill>
-                  <a:srgbClr val="3F3F3F"/>
-                </a:solidFill>
-                <a:latin typeface="微软雅黑" charset="-122"/>
-                <a:ea typeface="微软雅黑" charset="-122"/>
-                <a:sym typeface="微软雅黑" charset="-122"/>
-              </a:rPr>
-              <a:t>单元测试</a:t>
-            </a:r>
-          </a:p>
-          <a:p>
-            <a:endParaRPr kumimoji="1" lang="zh-CN" altLang="en-US" dirty="0"/>
-          </a:p>
-        </p:txBody>
-      </p:sp>
-    </p:spTree>
-    <p:extLst>
-      <p:ext uri="{BB962C8B-B14F-4D97-AF65-F5344CB8AC3E}">
-        <p14:creationId xmlns:p14="http://schemas.microsoft.com/office/powerpoint/2010/main" val="1422549083"/>
-      </p:ext>
-    </p:extLst>
   </p:cSld>
   <p:clrMapOvr>
     <a:masterClrMapping/>
@@ -10605,9 +10053,9 @@
                 <a:solidFill>
                   <a:srgbClr val="F50A64"/>
                 </a:solidFill>
-                <a:latin typeface="微软雅黑" charset="-122"/>
-                <a:ea typeface="微软雅黑" charset="-122"/>
-                <a:sym typeface="微软雅黑" charset="-122"/>
+                <a:latin typeface="微软雅黑" panose="020B0503020204020204" charset="-122"/>
+                <a:ea typeface="微软雅黑" panose="020B0503020204020204" charset="-122"/>
+                <a:sym typeface="微软雅黑" panose="020B0503020204020204" charset="-122"/>
               </a:rPr>
               <a:t>Vue</a:t>
             </a:r>
@@ -10616,9 +10064,9 @@
                 <a:solidFill>
                   <a:srgbClr val="F50A64"/>
                 </a:solidFill>
-                <a:latin typeface="微软雅黑" charset="-122"/>
-                <a:ea typeface="微软雅黑" charset="-122"/>
-                <a:sym typeface="微软雅黑" charset="-122"/>
+                <a:latin typeface="微软雅黑" panose="020B0503020204020204" charset="-122"/>
+                <a:ea typeface="微软雅黑" panose="020B0503020204020204" charset="-122"/>
+                <a:sym typeface="微软雅黑" panose="020B0503020204020204" charset="-122"/>
               </a:rPr>
               <a:t>的特点</a:t>
             </a:r>
@@ -10647,1037 +10095,38 @@
                 <a:solidFill>
                   <a:srgbClr val="3F3F3F"/>
                 </a:solidFill>
-                <a:latin typeface="微软雅黑" charset="-122"/>
-                <a:ea typeface="微软雅黑" charset="-122"/>
-                <a:sym typeface="微软雅黑" charset="-122"/>
+                <a:latin typeface="微软雅黑" panose="020B0503020204020204" charset="-122"/>
+                <a:ea typeface="微软雅黑" panose="020B0503020204020204" charset="-122"/>
+                <a:sym typeface="微软雅黑" panose="020B0503020204020204" charset="-122"/>
               </a:rPr>
               <a:t>响应式的数据绑定</a:t>
             </a:r>
-          </a:p>
-          <a:p>
-            <a:r>
-              <a:rPr lang="zh-CN" altLang="en-US" dirty="0">
-                <a:solidFill>
-                  <a:srgbClr val="3F3F3F"/>
-                </a:solidFill>
-                <a:latin typeface="微软雅黑" charset="-122"/>
-                <a:ea typeface="微软雅黑" charset="-122"/>
-                <a:sym typeface="微软雅黑" charset="-122"/>
-              </a:rPr>
-              <a:t>可组合的视图组件</a:t>
-            </a:r>
-            <a:endParaRPr kumimoji="1" lang="zh-CN" altLang="en-US" dirty="0"/>
-          </a:p>
-        </p:txBody>
-      </p:sp>
-    </p:spTree>
-    <p:extLst>
-      <p:ext uri="{BB962C8B-B14F-4D97-AF65-F5344CB8AC3E}">
-        <p14:creationId xmlns:p14="http://schemas.microsoft.com/office/powerpoint/2010/main" val="1060060994"/>
-      </p:ext>
-    </p:extLst>
-  </p:cSld>
-  <p:clrMapOvr>
-    <a:masterClrMapping/>
-  </p:clrMapOvr>
-</p:sld>
-</file>
-
-<file path=ppt/slides/slide20.xml><?xml version="1.0" encoding="utf-8"?>
-<p:sld xmlns:a="http://schemas.openxmlformats.org/drawingml/2006/main" xmlns:r="http://schemas.openxmlformats.org/officeDocument/2006/relationships" xmlns:p="http://schemas.openxmlformats.org/presentationml/2006/main">
-  <p:cSld>
-    <p:spTree>
-      <p:nvGrpSpPr>
-        <p:cNvPr id="1" name=""/>
-        <p:cNvGrpSpPr/>
-        <p:nvPr/>
-      </p:nvGrpSpPr>
-      <p:grpSpPr>
-        <a:xfrm>
-          <a:off x="0" y="0"/>
-          <a:ext cx="0" cy="0"/>
-          <a:chOff x="0" y="0"/>
-          <a:chExt cx="0" cy="0"/>
-        </a:xfrm>
-      </p:grpSpPr>
-      <p:sp>
-        <p:nvSpPr>
-          <p:cNvPr id="2" name="标题 1"/>
-          <p:cNvSpPr>
-            <a:spLocks noGrp="1"/>
-          </p:cNvSpPr>
-          <p:nvPr>
-            <p:ph type="title"/>
-          </p:nvPr>
-        </p:nvSpPr>
-        <p:spPr/>
-        <p:txBody>
-          <a:bodyPr/>
-          <a:lstStyle/>
-          <a:p>
-            <a:r>
-              <a:rPr lang="zh-CN" altLang="en-US" b="1" dirty="0">
-                <a:solidFill>
-                  <a:srgbClr val="F50A64"/>
-                </a:solidFill>
-                <a:latin typeface="微软雅黑" charset="-122"/>
-                <a:ea typeface="微软雅黑" charset="-122"/>
-                <a:sym typeface="微软雅黑" charset="-122"/>
-              </a:rPr>
-              <a:t>前端路由</a:t>
-            </a:r>
-            <a:endParaRPr kumimoji="1" lang="zh-CN" altLang="en-US" dirty="0"/>
-          </a:p>
-        </p:txBody>
-      </p:sp>
-      <p:sp>
-        <p:nvSpPr>
-          <p:cNvPr id="3" name="内容占位符 2"/>
-          <p:cNvSpPr>
-            <a:spLocks noGrp="1"/>
-          </p:cNvSpPr>
-          <p:nvPr>
-            <p:ph idx="1"/>
-          </p:nvPr>
-        </p:nvSpPr>
-        <p:spPr>
-          <a:xfrm>
-            <a:off x="2589212" y="2133599"/>
-            <a:ext cx="8915400" cy="4227443"/>
-          </a:xfrm>
-        </p:spPr>
-        <p:txBody>
-          <a:bodyPr/>
-          <a:lstStyle/>
-          <a:p>
-            <a:pPr marL="342900" lvl="1" indent="-342900"/>
-            <a:r>
-              <a:rPr lang="zh-CN" altLang="en-US" sz="2000" dirty="0">
-                <a:solidFill>
-                  <a:srgbClr val="3F3F3F"/>
-                </a:solidFill>
-                <a:latin typeface="微软雅黑" charset="-122"/>
-                <a:ea typeface="微软雅黑" charset="-122"/>
-                <a:sym typeface="微软雅黑" charset="-122"/>
-              </a:rPr>
-              <a:t>前端路由是根据不同的 url 地址展示不同的内容或页面</a:t>
-            </a:r>
-            <a:endParaRPr lang="en-US" altLang="zh-CN" sz="2000" dirty="0">
+            <a:endParaRPr lang="zh-CN" altLang="en-US" sz="2400" dirty="0">
               <a:solidFill>
                 <a:srgbClr val="3F3F3F"/>
               </a:solidFill>
-              <a:latin typeface="微软雅黑" charset="-122"/>
-              <a:ea typeface="微软雅黑" charset="-122"/>
-              <a:sym typeface="微软雅黑" charset="-122"/>
+              <a:latin typeface="微软雅黑" panose="020B0503020204020204" charset="-122"/>
+              <a:ea typeface="微软雅黑" panose="020B0503020204020204" charset="-122"/>
+              <a:sym typeface="微软雅黑" panose="020B0503020204020204" charset="-122"/>
             </a:endParaRPr>
           </a:p>
           <a:p>
-            <a:pPr marL="0" lvl="1">
-              <a:buClr>
-                <a:srgbClr val="7F7F7F"/>
-              </a:buClr>
-              <a:buNone/>
-            </a:pPr>
-            <a:endParaRPr lang="en-US" altLang="zh-CN" sz="2000" dirty="0" smtClean="0">
-              <a:solidFill>
-                <a:srgbClr val="3F3F3F"/>
-              </a:solidFill>
-              <a:latin typeface="微软雅黑" charset="-122"/>
-              <a:ea typeface="微软雅黑" charset="-122"/>
-              <a:sym typeface="微软雅黑" charset="-122"/>
-            </a:endParaRPr>
-          </a:p>
-          <a:p>
-            <a:pPr marL="0" lvl="1">
-              <a:buClr>
-                <a:srgbClr val="7F7F7F"/>
-              </a:buClr>
-              <a:buNone/>
-            </a:pPr>
-            <a:r>
-              <a:rPr lang="zh-CN" altLang="en-US" sz="2000" dirty="0">
+            <a:r>
+              <a:rPr lang="zh-CN" altLang="en-US" dirty="0">
                 <a:solidFill>
                   <a:srgbClr val="3F3F3F"/>
                 </a:solidFill>
-                <a:latin typeface="微软雅黑" charset="-122"/>
-                <a:ea typeface="微软雅黑" charset="-122"/>
-                <a:sym typeface="微软雅黑" charset="-122"/>
-              </a:rPr>
-              <a:t> </a:t>
-            </a:r>
-            <a:r>
-              <a:rPr lang="zh-CN" altLang="en-US" sz="2000" dirty="0" smtClean="0">
-                <a:solidFill>
-                  <a:srgbClr val="3F3F3F"/>
-                </a:solidFill>
-                <a:latin typeface="微软雅黑" charset="-122"/>
-                <a:ea typeface="微软雅黑" charset="-122"/>
-                <a:sym typeface="微软雅黑" charset="-122"/>
-              </a:rPr>
-              <a:t>应用</a:t>
-            </a:r>
-            <a:r>
-              <a:rPr lang="zh-CN" altLang="en-US" sz="2000" dirty="0">
-                <a:solidFill>
-                  <a:srgbClr val="3F3F3F"/>
-                </a:solidFill>
-                <a:latin typeface="微软雅黑" charset="-122"/>
-                <a:ea typeface="微软雅黑" charset="-122"/>
-                <a:sym typeface="微软雅黑" charset="-122"/>
-              </a:rPr>
-              <a:t>在</a:t>
-            </a:r>
-            <a:r>
-              <a:rPr lang="en-US" altLang="zh-CN" sz="2000" dirty="0">
-                <a:solidFill>
-                  <a:srgbClr val="3F3F3F"/>
-                </a:solidFill>
-                <a:latin typeface="微软雅黑" charset="-122"/>
-                <a:ea typeface="微软雅黑" charset="-122"/>
-                <a:sym typeface="微软雅黑" charset="-122"/>
-              </a:rPr>
-              <a:t>SPA</a:t>
-            </a:r>
-            <a:r>
-              <a:rPr lang="zh-CN" altLang="en-US" sz="2000" dirty="0">
-                <a:solidFill>
-                  <a:srgbClr val="3F3F3F"/>
-                </a:solidFill>
-                <a:latin typeface="微软雅黑" charset="-122"/>
-                <a:ea typeface="微软雅黑" charset="-122"/>
-                <a:sym typeface="微软雅黑" charset="-122"/>
-              </a:rPr>
-              <a:t>单页应用上</a:t>
-            </a:r>
-          </a:p>
-          <a:p>
-            <a:pPr marL="0" lvl="1">
-              <a:buClr>
-                <a:srgbClr val="7F7F7F"/>
-              </a:buClr>
-              <a:buNone/>
-            </a:pPr>
-            <a:endParaRPr lang="zh-CN" altLang="en-US" sz="2000" dirty="0">
-              <a:solidFill>
-                <a:srgbClr val="3F3F3F"/>
-              </a:solidFill>
-              <a:latin typeface="微软雅黑" charset="-122"/>
-              <a:ea typeface="微软雅黑" charset="-122"/>
-              <a:sym typeface="微软雅黑" charset="-122"/>
-            </a:endParaRPr>
-          </a:p>
-          <a:p>
-            <a:pPr marL="0" lvl="1">
-              <a:buClr>
-                <a:srgbClr val="7F7F7F"/>
-              </a:buClr>
-              <a:buNone/>
-            </a:pPr>
-            <a:r>
-              <a:rPr lang="en-US" altLang="zh-CN" sz="2000" dirty="0">
-                <a:solidFill>
-                  <a:srgbClr val="3F3F3F"/>
-                </a:solidFill>
-                <a:latin typeface="微软雅黑" charset="-122"/>
-                <a:ea typeface="微软雅黑" charset="-122"/>
-                <a:sym typeface="微软雅黑" charset="-122"/>
-              </a:rPr>
-              <a:t>http://</a:t>
-            </a:r>
-            <a:r>
-              <a:rPr lang="en-US" altLang="zh-CN" sz="2000" dirty="0" err="1">
-                <a:solidFill>
-                  <a:srgbClr val="3F3F3F"/>
-                </a:solidFill>
-                <a:latin typeface="微软雅黑" charset="-122"/>
-                <a:ea typeface="微软雅黑" charset="-122"/>
-                <a:sym typeface="微软雅黑" charset="-122"/>
-              </a:rPr>
-              <a:t>miaov.com</a:t>
-            </a:r>
-            <a:r>
-              <a:rPr lang="en-US" altLang="zh-CN" sz="2000" dirty="0">
-                <a:solidFill>
-                  <a:srgbClr val="3F3F3F"/>
-                </a:solidFill>
-                <a:latin typeface="微软雅黑" charset="-122"/>
-                <a:ea typeface="微软雅黑" charset="-122"/>
-                <a:sym typeface="微软雅黑" charset="-122"/>
-              </a:rPr>
-              <a:t>/study</a:t>
-            </a:r>
-          </a:p>
-          <a:p>
-            <a:pPr marL="0" lvl="1">
-              <a:buClr>
-                <a:srgbClr val="7F7F7F"/>
-              </a:buClr>
-              <a:buNone/>
-            </a:pPr>
-            <a:r>
-              <a:rPr lang="en-US" altLang="zh-CN" sz="2000" dirty="0">
-                <a:solidFill>
-                  <a:srgbClr val="3F3F3F"/>
-                </a:solidFill>
-                <a:latin typeface="微软雅黑" charset="-122"/>
-                <a:ea typeface="微软雅黑" charset="-122"/>
-                <a:sym typeface="微软雅黑" charset="-122"/>
-              </a:rPr>
-              <a:t>http://</a:t>
-            </a:r>
-            <a:r>
-              <a:rPr lang="en-US" altLang="zh-CN" sz="2000" dirty="0" err="1">
-                <a:solidFill>
-                  <a:srgbClr val="3F3F3F"/>
-                </a:solidFill>
-                <a:latin typeface="微软雅黑" charset="-122"/>
-                <a:ea typeface="微软雅黑" charset="-122"/>
-                <a:sym typeface="微软雅黑" charset="-122"/>
-              </a:rPr>
-              <a:t>miaov.com</a:t>
-            </a:r>
-            <a:r>
-              <a:rPr lang="en-US" altLang="zh-CN" sz="2000" dirty="0">
-                <a:solidFill>
-                  <a:srgbClr val="3F3F3F"/>
-                </a:solidFill>
-                <a:latin typeface="微软雅黑" charset="-122"/>
-                <a:ea typeface="微软雅黑" charset="-122"/>
-                <a:sym typeface="微软雅黑" charset="-122"/>
-              </a:rPr>
-              <a:t>/</a:t>
-            </a:r>
-            <a:r>
-              <a:rPr lang="en-US" altLang="zh-CN" sz="2000" dirty="0" err="1">
-                <a:solidFill>
-                  <a:srgbClr val="3F3F3F"/>
-                </a:solidFill>
-                <a:latin typeface="微软雅黑" charset="-122"/>
-                <a:ea typeface="微软雅黑" charset="-122"/>
-                <a:sym typeface="微软雅黑" charset="-122"/>
-              </a:rPr>
-              <a:t>bbs</a:t>
-            </a:r>
-            <a:endParaRPr lang="en-US" altLang="zh-CN" sz="2000" dirty="0">
-              <a:solidFill>
-                <a:srgbClr val="3F3F3F"/>
-              </a:solidFill>
-              <a:latin typeface="微软雅黑" charset="-122"/>
-              <a:ea typeface="微软雅黑" charset="-122"/>
-              <a:sym typeface="微软雅黑" charset="-122"/>
-            </a:endParaRPr>
-          </a:p>
-          <a:p>
+                <a:latin typeface="微软雅黑" panose="020B0503020204020204" charset="-122"/>
+                <a:ea typeface="微软雅黑" panose="020B0503020204020204" charset="-122"/>
+                <a:sym typeface="微软雅黑" panose="020B0503020204020204" charset="-122"/>
+              </a:rPr>
+              <a:t>可组合的视图组件</a:t>
+            </a:r>
             <a:endParaRPr kumimoji="1" lang="zh-CN" altLang="en-US" dirty="0"/>
           </a:p>
         </p:txBody>
       </p:sp>
     </p:spTree>
-    <p:extLst>
-      <p:ext uri="{BB962C8B-B14F-4D97-AF65-F5344CB8AC3E}">
-        <p14:creationId xmlns:p14="http://schemas.microsoft.com/office/powerpoint/2010/main" val="846995930"/>
-      </p:ext>
-    </p:extLst>
-  </p:cSld>
-  <p:clrMapOvr>
-    <a:masterClrMapping/>
-  </p:clrMapOvr>
-</p:sld>
-</file>
-
-<file path=ppt/slides/slide21.xml><?xml version="1.0" encoding="utf-8"?>
-<p:sld xmlns:a="http://schemas.openxmlformats.org/drawingml/2006/main" xmlns:r="http://schemas.openxmlformats.org/officeDocument/2006/relationships" xmlns:p="http://schemas.openxmlformats.org/presentationml/2006/main">
-  <p:cSld>
-    <p:spTree>
-      <p:nvGrpSpPr>
-        <p:cNvPr id="1" name=""/>
-        <p:cNvGrpSpPr/>
-        <p:nvPr/>
-      </p:nvGrpSpPr>
-      <p:grpSpPr>
-        <a:xfrm>
-          <a:off x="0" y="0"/>
-          <a:ext cx="0" cy="0"/>
-          <a:chOff x="0" y="0"/>
-          <a:chExt cx="0" cy="0"/>
-        </a:xfrm>
-      </p:grpSpPr>
-      <p:sp>
-        <p:nvSpPr>
-          <p:cNvPr id="2" name="标题 1"/>
-          <p:cNvSpPr>
-            <a:spLocks noGrp="1"/>
-          </p:cNvSpPr>
-          <p:nvPr>
-            <p:ph type="title"/>
-          </p:nvPr>
-        </p:nvSpPr>
-        <p:spPr/>
-        <p:txBody>
-          <a:bodyPr/>
-          <a:lstStyle/>
-          <a:p>
-            <a:r>
-              <a:rPr lang="en-US" altLang="zh-CN" b="1" dirty="0" err="1">
-                <a:solidFill>
-                  <a:srgbClr val="F50A64"/>
-                </a:solidFill>
-                <a:latin typeface="微软雅黑" charset="-122"/>
-                <a:ea typeface="微软雅黑" charset="-122"/>
-                <a:sym typeface="微软雅黑" charset="-122"/>
-              </a:rPr>
-              <a:t>vue</a:t>
-            </a:r>
-            <a:r>
-              <a:rPr lang="en-US" altLang="zh-CN" b="1" dirty="0">
-                <a:solidFill>
-                  <a:srgbClr val="F50A64"/>
-                </a:solidFill>
-                <a:latin typeface="微软雅黑" charset="-122"/>
-                <a:ea typeface="微软雅黑" charset="-122"/>
-                <a:sym typeface="微软雅黑" charset="-122"/>
-              </a:rPr>
-              <a:t>-router</a:t>
-            </a:r>
-            <a:endParaRPr kumimoji="1" lang="zh-CN" altLang="en-US" dirty="0"/>
-          </a:p>
-        </p:txBody>
-      </p:sp>
-      <p:sp>
-        <p:nvSpPr>
-          <p:cNvPr id="3" name="内容占位符 2"/>
-          <p:cNvSpPr>
-            <a:spLocks noGrp="1"/>
-          </p:cNvSpPr>
-          <p:nvPr>
-            <p:ph idx="1"/>
-          </p:nvPr>
-        </p:nvSpPr>
-        <p:spPr>
-          <a:xfrm>
-            <a:off x="2589212" y="1590261"/>
-            <a:ext cx="8915400" cy="5267739"/>
-          </a:xfrm>
-        </p:spPr>
-        <p:txBody>
-          <a:bodyPr>
-            <a:normAutofit/>
-          </a:bodyPr>
-          <a:lstStyle/>
-          <a:p>
-            <a:pPr marL="342900" lvl="1" indent="-342900">
-              <a:buClr>
-                <a:srgbClr val="7F7F7F"/>
-              </a:buClr>
-              <a:buFont typeface="Wingdings" charset="2"/>
-              <a:buChar char="l"/>
-            </a:pPr>
-            <a:r>
-              <a:rPr lang="en-US" altLang="zh-CN" sz="2000" dirty="0">
-                <a:solidFill>
-                  <a:srgbClr val="3F3F3F"/>
-                </a:solidFill>
-                <a:latin typeface="微软雅黑" charset="-122"/>
-                <a:ea typeface="微软雅黑" charset="-122"/>
-                <a:sym typeface="微软雅黑" charset="-122"/>
-              </a:rPr>
-              <a:t>配置组件和路由映射</a:t>
-            </a:r>
-          </a:p>
-          <a:p>
-            <a:pPr marL="457200" lvl="2" indent="0">
-              <a:buClr>
-                <a:srgbClr val="7F7F7F"/>
-              </a:buClr>
-              <a:buNone/>
-            </a:pPr>
-            <a:r>
-              <a:rPr lang="en-US" altLang="zh-CN" sz="1700" dirty="0">
-                <a:solidFill>
-                  <a:srgbClr val="3F3F3F"/>
-                </a:solidFill>
-                <a:latin typeface="微软雅黑" charset="-122"/>
-                <a:ea typeface="微软雅黑" charset="-122"/>
-                <a:sym typeface="微软雅黑" charset="-122"/>
-              </a:rPr>
-              <a:t>{</a:t>
-            </a:r>
-          </a:p>
-          <a:p>
-            <a:pPr marL="457200" lvl="2" indent="0">
-              <a:buClr>
-                <a:srgbClr val="7F7F7F"/>
-              </a:buClr>
-              <a:buNone/>
-            </a:pPr>
-            <a:r>
-              <a:rPr lang="en-US" altLang="zh-CN" sz="1700" dirty="0">
-                <a:solidFill>
-                  <a:srgbClr val="3F3F3F"/>
-                </a:solidFill>
-                <a:latin typeface="微软雅黑" charset="-122"/>
-                <a:ea typeface="微软雅黑" charset="-122"/>
-                <a:sym typeface="微软雅黑" charset="-122"/>
-              </a:rPr>
-              <a:t>	path: </a:t>
-            </a:r>
-            <a:r>
-              <a:rPr lang="zh-CN" altLang="en-US" sz="1700" dirty="0">
-                <a:solidFill>
-                  <a:srgbClr val="3F3F3F"/>
-                </a:solidFill>
-                <a:latin typeface="微软雅黑" charset="-122"/>
-                <a:ea typeface="微软雅黑" charset="-122"/>
-                <a:sym typeface="微软雅黑" charset="-122"/>
-              </a:rPr>
-              <a:t>路径</a:t>
-            </a:r>
-          </a:p>
-          <a:p>
-            <a:pPr marL="457200" lvl="2" indent="0">
-              <a:buClr>
-                <a:srgbClr val="7F7F7F"/>
-              </a:buClr>
-              <a:buNone/>
-            </a:pPr>
-            <a:r>
-              <a:rPr lang="en-US" altLang="zh-CN" sz="1700" dirty="0">
-                <a:solidFill>
-                  <a:srgbClr val="3F3F3F"/>
-                </a:solidFill>
-                <a:latin typeface="微软雅黑" charset="-122"/>
-                <a:ea typeface="微软雅黑" charset="-122"/>
-                <a:sym typeface="微软雅黑" charset="-122"/>
-              </a:rPr>
-              <a:t>	name: </a:t>
-            </a:r>
-            <a:r>
-              <a:rPr lang="zh-CN" altLang="en-US" sz="1700" dirty="0">
-                <a:solidFill>
-                  <a:srgbClr val="3F3F3F"/>
-                </a:solidFill>
-                <a:latin typeface="微软雅黑" charset="-122"/>
-                <a:ea typeface="微软雅黑" charset="-122"/>
-                <a:sym typeface="微软雅黑" charset="-122"/>
-              </a:rPr>
-              <a:t>路由名</a:t>
-            </a:r>
-          </a:p>
-          <a:p>
-            <a:pPr marL="457200" lvl="2" indent="0">
-              <a:buClr>
-                <a:srgbClr val="7F7F7F"/>
-              </a:buClr>
-              <a:buNone/>
-            </a:pPr>
-            <a:r>
-              <a:rPr lang="en-US" altLang="zh-CN" sz="1700" dirty="0">
-                <a:solidFill>
-                  <a:srgbClr val="3F3F3F"/>
-                </a:solidFill>
-                <a:latin typeface="微软雅黑" charset="-122"/>
-                <a:ea typeface="微软雅黑" charset="-122"/>
-                <a:sym typeface="微软雅黑" charset="-122"/>
-              </a:rPr>
-              <a:t>	component: </a:t>
-            </a:r>
-            <a:r>
-              <a:rPr lang="zh-CN" altLang="en-US" sz="1700" dirty="0">
-                <a:solidFill>
-                  <a:srgbClr val="3F3F3F"/>
-                </a:solidFill>
-                <a:latin typeface="微软雅黑" charset="-122"/>
-                <a:ea typeface="微软雅黑" charset="-122"/>
-                <a:sym typeface="微软雅黑" charset="-122"/>
-              </a:rPr>
-              <a:t>对应组件</a:t>
-            </a:r>
-          </a:p>
-          <a:p>
-            <a:pPr marL="457200" lvl="2" indent="0">
-              <a:buClr>
-                <a:srgbClr val="7F7F7F"/>
-              </a:buClr>
-              <a:buNone/>
-            </a:pPr>
-            <a:r>
-              <a:rPr lang="en-US" altLang="zh-CN" sz="1700" dirty="0">
-                <a:solidFill>
-                  <a:srgbClr val="3F3F3F"/>
-                </a:solidFill>
-                <a:latin typeface="微软雅黑" charset="-122"/>
-                <a:ea typeface="微软雅黑" charset="-122"/>
-                <a:sym typeface="微软雅黑" charset="-122"/>
-              </a:rPr>
-              <a:t>	children:</a:t>
-            </a:r>
-            <a:r>
-              <a:rPr lang="zh-CN" altLang="en-US" sz="1700" dirty="0">
-                <a:solidFill>
-                  <a:srgbClr val="3F3F3F"/>
-                </a:solidFill>
-                <a:latin typeface="微软雅黑" charset="-122"/>
-                <a:ea typeface="微软雅黑" charset="-122"/>
-                <a:sym typeface="微软雅黑" charset="-122"/>
-              </a:rPr>
-              <a:t>子路由</a:t>
-            </a:r>
-          </a:p>
-          <a:p>
-            <a:pPr marL="457200" lvl="2" indent="0">
-              <a:buClr>
-                <a:srgbClr val="7F7F7F"/>
-              </a:buClr>
-              <a:buNone/>
-            </a:pPr>
-            <a:r>
-              <a:rPr lang="en-US" altLang="zh-CN" sz="1700" dirty="0">
-                <a:solidFill>
-                  <a:srgbClr val="3F3F3F"/>
-                </a:solidFill>
-                <a:latin typeface="微软雅黑" charset="-122"/>
-                <a:ea typeface="微软雅黑" charset="-122"/>
-                <a:sym typeface="微软雅黑" charset="-122"/>
-              </a:rPr>
-              <a:t>}</a:t>
-            </a:r>
-          </a:p>
-          <a:p>
-            <a:pPr marL="342900" lvl="1" indent="-342900">
-              <a:buClr>
-                <a:srgbClr val="7F7F7F"/>
-              </a:buClr>
-              <a:buFont typeface="Wingdings" charset="2"/>
-              <a:buChar char="l"/>
-            </a:pPr>
-            <a:r>
-              <a:rPr lang="zh-CN" altLang="en-US" sz="2000" dirty="0">
-                <a:solidFill>
-                  <a:srgbClr val="3F3F3F"/>
-                </a:solidFill>
-                <a:latin typeface="微软雅黑" charset="-122"/>
-                <a:ea typeface="微软雅黑" charset="-122"/>
-                <a:sym typeface="微软雅黑" charset="-122"/>
-              </a:rPr>
-              <a:t>导航和渲染</a:t>
-            </a:r>
-          </a:p>
-          <a:p>
-            <a:pPr marL="457200" lvl="2" indent="0">
-              <a:buClr>
-                <a:srgbClr val="7F7F7F"/>
-              </a:buClr>
-              <a:buNone/>
-            </a:pPr>
-            <a:r>
-              <a:rPr lang="en-US" altLang="zh-CN" sz="1700" dirty="0">
-                <a:solidFill>
-                  <a:srgbClr val="3F3F3F"/>
-                </a:solidFill>
-                <a:latin typeface="微软雅黑" charset="-122"/>
-                <a:ea typeface="微软雅黑" charset="-122"/>
-                <a:sym typeface="微软雅黑" charset="-122"/>
-              </a:rPr>
-              <a:t>&lt;</a:t>
-            </a:r>
-            <a:r>
-              <a:rPr lang="zh-CN" altLang="en-US" sz="1700" dirty="0">
-                <a:solidFill>
-                  <a:srgbClr val="3F3F3F"/>
-                </a:solidFill>
-                <a:latin typeface="微软雅黑" charset="-122"/>
-                <a:ea typeface="微软雅黑" charset="-122"/>
-                <a:sym typeface="微软雅黑" charset="-122"/>
-              </a:rPr>
-              <a:t>router-link</a:t>
-            </a:r>
-            <a:r>
-              <a:rPr lang="en-US" altLang="zh-CN" sz="1700" dirty="0">
-                <a:solidFill>
-                  <a:srgbClr val="3F3F3F"/>
-                </a:solidFill>
-                <a:latin typeface="微软雅黑" charset="-122"/>
-                <a:ea typeface="微软雅黑" charset="-122"/>
-                <a:sym typeface="微软雅黑" charset="-122"/>
-              </a:rPr>
-              <a:t>&gt;  导航</a:t>
-            </a:r>
-            <a:r>
-              <a:rPr lang="zh-CN" altLang="en-US" sz="1700" dirty="0">
-                <a:solidFill>
-                  <a:srgbClr val="3F3F3F"/>
-                </a:solidFill>
-                <a:latin typeface="微软雅黑" charset="-122"/>
-                <a:ea typeface="微软雅黑" charset="-122"/>
-                <a:sym typeface="微软雅黑" charset="-122"/>
-              </a:rPr>
-              <a:t>链接，默认生成</a:t>
-            </a:r>
-            <a:r>
-              <a:rPr lang="en-US" altLang="zh-CN" sz="1700" dirty="0">
-                <a:solidFill>
-                  <a:srgbClr val="3F3F3F"/>
-                </a:solidFill>
-                <a:latin typeface="微软雅黑" charset="-122"/>
-                <a:ea typeface="微软雅黑" charset="-122"/>
-                <a:sym typeface="微软雅黑" charset="-122"/>
-              </a:rPr>
-              <a:t>a</a:t>
-            </a:r>
-          </a:p>
-          <a:p>
-            <a:pPr marL="457200" lvl="2" indent="0">
-              <a:buClr>
-                <a:srgbClr val="7F7F7F"/>
-              </a:buClr>
-              <a:buNone/>
-            </a:pPr>
-            <a:endParaRPr lang="en-US" altLang="zh-CN" sz="1700" dirty="0">
-              <a:solidFill>
-                <a:srgbClr val="3F3F3F"/>
-              </a:solidFill>
-              <a:latin typeface="微软雅黑" charset="-122"/>
-              <a:ea typeface="微软雅黑" charset="-122"/>
-              <a:sym typeface="微软雅黑" charset="-122"/>
-            </a:endParaRPr>
-          </a:p>
-          <a:p>
-            <a:pPr marL="457200" lvl="2" indent="0">
-              <a:buClr>
-                <a:srgbClr val="7F7F7F"/>
-              </a:buClr>
-              <a:buNone/>
-            </a:pPr>
-            <a:r>
-              <a:rPr lang="en-US" altLang="zh-CN" sz="1700" dirty="0">
-                <a:solidFill>
-                  <a:srgbClr val="3F3F3F"/>
-                </a:solidFill>
-                <a:latin typeface="微软雅黑" charset="-122"/>
-                <a:ea typeface="微软雅黑" charset="-122"/>
-                <a:sym typeface="微软雅黑" charset="-122"/>
-              </a:rPr>
-              <a:t>&lt;router-view&gt; 渲染路径匹配到的视图组件</a:t>
-            </a:r>
-          </a:p>
-          <a:p>
-            <a:endParaRPr kumimoji="1" lang="zh-CN" altLang="en-US" dirty="0"/>
-          </a:p>
-        </p:txBody>
-      </p:sp>
-    </p:spTree>
-    <p:extLst>
-      <p:ext uri="{BB962C8B-B14F-4D97-AF65-F5344CB8AC3E}">
-        <p14:creationId xmlns:p14="http://schemas.microsoft.com/office/powerpoint/2010/main" val="426198333"/>
-      </p:ext>
-    </p:extLst>
-  </p:cSld>
-  <p:clrMapOvr>
-    <a:masterClrMapping/>
-  </p:clrMapOvr>
-</p:sld>
-</file>
-
-<file path=ppt/slides/slide22.xml><?xml version="1.0" encoding="utf-8"?>
-<p:sld xmlns:a="http://schemas.openxmlformats.org/drawingml/2006/main" xmlns:r="http://schemas.openxmlformats.org/officeDocument/2006/relationships" xmlns:p="http://schemas.openxmlformats.org/presentationml/2006/main">
-  <p:cSld>
-    <p:spTree>
-      <p:nvGrpSpPr>
-        <p:cNvPr id="1" name=""/>
-        <p:cNvGrpSpPr/>
-        <p:nvPr/>
-      </p:nvGrpSpPr>
-      <p:grpSpPr>
-        <a:xfrm>
-          <a:off x="0" y="0"/>
-          <a:ext cx="0" cy="0"/>
-          <a:chOff x="0" y="0"/>
-          <a:chExt cx="0" cy="0"/>
-        </a:xfrm>
-      </p:grpSpPr>
-      <p:sp>
-        <p:nvSpPr>
-          <p:cNvPr id="2" name="标题 1"/>
-          <p:cNvSpPr>
-            <a:spLocks noGrp="1"/>
-          </p:cNvSpPr>
-          <p:nvPr>
-            <p:ph type="title"/>
-          </p:nvPr>
-        </p:nvSpPr>
-        <p:spPr/>
-        <p:txBody>
-          <a:bodyPr/>
-          <a:lstStyle/>
-          <a:p>
-            <a:r>
-              <a:rPr lang="zh-CN" altLang="en-US" b="1" dirty="0">
-                <a:solidFill>
-                  <a:srgbClr val="F50A64"/>
-                </a:solidFill>
-                <a:latin typeface="微软雅黑" charset="-122"/>
-                <a:ea typeface="微软雅黑" charset="-122"/>
-                <a:sym typeface="微软雅黑" charset="-122"/>
-              </a:rPr>
-              <a:t>懒加载</a:t>
-            </a:r>
-            <a:endParaRPr kumimoji="1" lang="zh-CN" altLang="en-US" dirty="0"/>
-          </a:p>
-        </p:txBody>
-      </p:sp>
-      <p:sp>
-        <p:nvSpPr>
-          <p:cNvPr id="3" name="内容占位符 2"/>
-          <p:cNvSpPr>
-            <a:spLocks noGrp="1"/>
-          </p:cNvSpPr>
-          <p:nvPr>
-            <p:ph idx="1"/>
-          </p:nvPr>
-        </p:nvSpPr>
-        <p:spPr/>
-        <p:txBody>
-          <a:bodyPr/>
-          <a:lstStyle/>
-          <a:p>
-            <a:pPr marL="342900" lvl="1" indent="-342900">
-              <a:buClr>
-                <a:srgbClr val="7F7F7F"/>
-              </a:buClr>
-              <a:buNone/>
-            </a:pPr>
-            <a:r>
-              <a:rPr lang="zh-CN" altLang="en-US" sz="2000" dirty="0">
-                <a:solidFill>
-                  <a:srgbClr val="3F3F3F"/>
-                </a:solidFill>
-                <a:latin typeface="微软雅黑" charset="-122"/>
-                <a:ea typeface="微软雅黑" charset="-122"/>
-                <a:sym typeface="微软雅黑" charset="-122"/>
-              </a:rPr>
-              <a:t>当</a:t>
-            </a:r>
-            <a:r>
-              <a:rPr lang="en-US" altLang="zh-CN" sz="2000" dirty="0">
-                <a:solidFill>
-                  <a:srgbClr val="3F3F3F"/>
-                </a:solidFill>
-                <a:latin typeface="微软雅黑" charset="-122"/>
-                <a:ea typeface="微软雅黑" charset="-122"/>
-                <a:sym typeface="微软雅黑" charset="-122"/>
-              </a:rPr>
-              <a:t>导航到匹配的路由</a:t>
-            </a:r>
-            <a:r>
-              <a:rPr lang="zh-CN" altLang="en-US" sz="2000" dirty="0">
-                <a:solidFill>
-                  <a:srgbClr val="3F3F3F"/>
-                </a:solidFill>
-                <a:latin typeface="微软雅黑" charset="-122"/>
-                <a:ea typeface="微软雅黑" charset="-122"/>
-                <a:sym typeface="微软雅黑" charset="-122"/>
-              </a:rPr>
-              <a:t>，按需加载对应的文件</a:t>
-            </a:r>
-          </a:p>
-          <a:p>
-            <a:pPr marL="342900" lvl="1" indent="-342900">
-              <a:buClr>
-                <a:srgbClr val="7F7F7F"/>
-              </a:buClr>
-              <a:buNone/>
-            </a:pPr>
-            <a:endParaRPr lang="zh-CN" altLang="en-US" sz="2000" dirty="0">
-              <a:solidFill>
-                <a:srgbClr val="3F3F3F"/>
-              </a:solidFill>
-              <a:latin typeface="微软雅黑" charset="-122"/>
-              <a:ea typeface="微软雅黑" charset="-122"/>
-              <a:sym typeface="微软雅黑" charset="-122"/>
-            </a:endParaRPr>
-          </a:p>
-          <a:p>
-            <a:pPr marL="342900" lvl="1" indent="-342900">
-              <a:buClr>
-                <a:srgbClr val="7F7F7F"/>
-              </a:buClr>
-              <a:buNone/>
-            </a:pPr>
-            <a:r>
-              <a:rPr lang="zh-CN" altLang="en-US" sz="2000" dirty="0">
-                <a:solidFill>
-                  <a:srgbClr val="3F3F3F"/>
-                </a:solidFill>
-                <a:latin typeface="微软雅黑" charset="-122"/>
-                <a:ea typeface="微软雅黑" charset="-122"/>
-                <a:sym typeface="微软雅黑" charset="-122"/>
-              </a:rPr>
-              <a:t>使用</a:t>
-            </a:r>
-            <a:r>
-              <a:rPr lang="en-US" altLang="zh-CN" sz="2000" dirty="0" err="1">
-                <a:solidFill>
-                  <a:srgbClr val="3F3F3F"/>
-                </a:solidFill>
-                <a:latin typeface="微软雅黑" charset="-122"/>
-                <a:ea typeface="微软雅黑" charset="-122"/>
-                <a:sym typeface="微软雅黑" charset="-122"/>
-              </a:rPr>
-              <a:t>webpack</a:t>
-            </a:r>
-            <a:r>
-              <a:rPr lang="zh-CN" altLang="en-US" sz="2000" dirty="0">
-                <a:solidFill>
-                  <a:srgbClr val="3F3F3F"/>
-                </a:solidFill>
-                <a:latin typeface="微软雅黑" charset="-122"/>
-                <a:ea typeface="微软雅黑" charset="-122"/>
-                <a:sym typeface="微软雅黑" charset="-122"/>
-              </a:rPr>
-              <a:t>的 </a:t>
-            </a:r>
-            <a:r>
-              <a:rPr lang="en-US" altLang="zh-CN" sz="2000" dirty="0">
-                <a:solidFill>
-                  <a:srgbClr val="3F3F3F"/>
-                </a:solidFill>
-                <a:latin typeface="微软雅黑" charset="-122"/>
-                <a:ea typeface="微软雅黑" charset="-122"/>
-                <a:sym typeface="微软雅黑" charset="-122"/>
-              </a:rPr>
-              <a:t>按需分离代码 </a:t>
-            </a:r>
-            <a:r>
-              <a:rPr lang="zh-CN" altLang="en-US" sz="2000" dirty="0">
-                <a:solidFill>
-                  <a:srgbClr val="3F3F3F"/>
-                </a:solidFill>
-                <a:latin typeface="微软雅黑" charset="-122"/>
-                <a:ea typeface="微软雅黑" charset="-122"/>
-                <a:sym typeface="微软雅黑" charset="-122"/>
-              </a:rPr>
-              <a:t>功能</a:t>
-            </a:r>
-          </a:p>
-          <a:p>
-            <a:pPr marL="342900" lvl="1" indent="-342900">
-              <a:buClr>
-                <a:srgbClr val="7F7F7F"/>
-              </a:buClr>
-              <a:buNone/>
-            </a:pPr>
-            <a:endParaRPr lang="zh-CN" altLang="en-US" sz="2000" dirty="0">
-              <a:solidFill>
-                <a:srgbClr val="3F3F3F"/>
-              </a:solidFill>
-              <a:latin typeface="微软雅黑" charset="-122"/>
-              <a:ea typeface="微软雅黑" charset="-122"/>
-              <a:sym typeface="微软雅黑" charset="-122"/>
-            </a:endParaRPr>
-          </a:p>
-          <a:p>
-            <a:pPr marL="342900" lvl="1" indent="-342900">
-              <a:buClr>
-                <a:srgbClr val="7F7F7F"/>
-              </a:buClr>
-              <a:buNone/>
-            </a:pPr>
-            <a:r>
-              <a:rPr lang="zh-CN" altLang="en-US" sz="2000" dirty="0">
-                <a:solidFill>
-                  <a:srgbClr val="3F3F3F"/>
-                </a:solidFill>
-                <a:latin typeface="微软雅黑" charset="-122"/>
-                <a:ea typeface="微软雅黑" charset="-122"/>
-                <a:sym typeface="微软雅黑" charset="-122"/>
-              </a:rPr>
-              <a:t>require.ensure(dependencies</a:t>
-            </a:r>
-            <a:r>
-              <a:rPr lang="en-US" altLang="zh-CN" sz="2000" dirty="0">
-                <a:solidFill>
-                  <a:srgbClr val="3F3F3F"/>
-                </a:solidFill>
-                <a:latin typeface="微软雅黑" charset="-122"/>
-                <a:ea typeface="微软雅黑" charset="-122"/>
-                <a:sym typeface="微软雅黑" charset="-122"/>
-              </a:rPr>
-              <a:t>, callback, [</a:t>
-            </a:r>
-            <a:r>
-              <a:rPr lang="en-US" altLang="zh-CN" sz="2000" dirty="0" err="1">
-                <a:solidFill>
-                  <a:srgbClr val="3F3F3F"/>
-                </a:solidFill>
-                <a:latin typeface="微软雅黑" charset="-122"/>
-                <a:ea typeface="微软雅黑" charset="-122"/>
-                <a:sym typeface="微软雅黑" charset="-122"/>
-              </a:rPr>
-              <a:t>chunkName</a:t>
-            </a:r>
-            <a:r>
-              <a:rPr lang="en-US" altLang="zh-CN" sz="2000" dirty="0">
-                <a:solidFill>
-                  <a:srgbClr val="3F3F3F"/>
-                </a:solidFill>
-                <a:latin typeface="微软雅黑" charset="-122"/>
-                <a:ea typeface="微软雅黑" charset="-122"/>
-                <a:sym typeface="微软雅黑" charset="-122"/>
-              </a:rPr>
-              <a:t>]</a:t>
-            </a:r>
-            <a:r>
-              <a:rPr lang="zh-CN" altLang="en-US" sz="2000" dirty="0">
-                <a:solidFill>
-                  <a:srgbClr val="3F3F3F"/>
-                </a:solidFill>
-                <a:latin typeface="微软雅黑" charset="-122"/>
-                <a:ea typeface="微软雅黑" charset="-122"/>
-                <a:sym typeface="微软雅黑" charset="-122"/>
-              </a:rPr>
-              <a:t>)</a:t>
-            </a:r>
-          </a:p>
-          <a:p>
-            <a:pPr marL="342900" lvl="1" indent="-342900">
-              <a:buClr>
-                <a:srgbClr val="7F7F7F"/>
-              </a:buClr>
-              <a:buNone/>
-            </a:pPr>
-            <a:endParaRPr lang="zh-CN" altLang="en-US" sz="2000">
-              <a:solidFill>
-                <a:srgbClr val="3F3F3F"/>
-              </a:solidFill>
-              <a:latin typeface="微软雅黑" charset="-122"/>
-              <a:ea typeface="微软雅黑" charset="-122"/>
-              <a:sym typeface="微软雅黑" charset="-122"/>
-            </a:endParaRPr>
-          </a:p>
-          <a:p>
-            <a:pPr marL="342900" lvl="1" indent="-342900">
-              <a:buClr>
-                <a:srgbClr val="7F7F7F"/>
-              </a:buClr>
-              <a:buNone/>
-            </a:pPr>
-            <a:endParaRPr lang="en-US" altLang="zh-CN" sz="2000" dirty="0">
-              <a:solidFill>
-                <a:srgbClr val="3F3F3F"/>
-              </a:solidFill>
-              <a:latin typeface="微软雅黑" charset="-122"/>
-              <a:ea typeface="微软雅黑" charset="-122"/>
-              <a:sym typeface="微软雅黑" charset="-122"/>
-            </a:endParaRPr>
-          </a:p>
-        </p:txBody>
-      </p:sp>
-    </p:spTree>
-    <p:extLst>
-      <p:ext uri="{BB962C8B-B14F-4D97-AF65-F5344CB8AC3E}">
-        <p14:creationId xmlns:p14="http://schemas.microsoft.com/office/powerpoint/2010/main" val="1257419986"/>
-      </p:ext>
-    </p:extLst>
   </p:cSld>
   <p:clrMapOvr>
     <a:masterClrMapping/>
@@ -11729,9 +10178,9 @@
                 <a:solidFill>
                   <a:srgbClr val="F50A64"/>
                 </a:solidFill>
-                <a:latin typeface="微软雅黑" charset="-122"/>
-                <a:ea typeface="微软雅黑" charset="-122"/>
-                <a:sym typeface="微软雅黑" charset="-122"/>
+                <a:latin typeface="微软雅黑" panose="020B0503020204020204" charset="-122"/>
+                <a:ea typeface="微软雅黑" panose="020B0503020204020204" charset="-122"/>
+                <a:sym typeface="微软雅黑" panose="020B0503020204020204" charset="-122"/>
               </a:rPr>
               <a:t>响应式的数据</a:t>
             </a:r>
@@ -11740,52 +10189,30 @@
                 <a:solidFill>
                   <a:srgbClr val="F50A64"/>
                 </a:solidFill>
-                <a:latin typeface="微软雅黑" charset="-122"/>
-                <a:ea typeface="微软雅黑" charset="-122"/>
-                <a:sym typeface="微软雅黑" charset="-122"/>
+                <a:latin typeface="微软雅黑" panose="020B0503020204020204" charset="-122"/>
+                <a:ea typeface="微软雅黑" panose="020B0503020204020204" charset="-122"/>
+                <a:sym typeface="微软雅黑" panose="020B0503020204020204" charset="-122"/>
               </a:rPr>
               <a:t>绑定</a:t>
-            </a:r>
-            <a:r>
-              <a:rPr lang="en-US" altLang="zh-CN" sz="3600" b="1" dirty="0" smtClean="0">
-                <a:solidFill>
-                  <a:srgbClr val="F50A64"/>
-                </a:solidFill>
-                <a:latin typeface="微软雅黑" charset="-122"/>
-                <a:ea typeface="微软雅黑" charset="-122"/>
-                <a:sym typeface="微软雅黑" charset="-122"/>
-              </a:rPr>
-              <a:t/>
             </a:r>
             <a:br>
               <a:rPr lang="en-US" altLang="zh-CN" sz="3600" b="1" dirty="0" smtClean="0">
                 <a:solidFill>
                   <a:srgbClr val="F50A64"/>
                 </a:solidFill>
-                <a:latin typeface="微软雅黑" charset="-122"/>
-                <a:ea typeface="微软雅黑" charset="-122"/>
-                <a:sym typeface="微软雅黑" charset="-122"/>
+                <a:latin typeface="微软雅黑" panose="020B0503020204020204" charset="-122"/>
+                <a:ea typeface="微软雅黑" panose="020B0503020204020204" charset="-122"/>
+                <a:sym typeface="微软雅黑" panose="020B0503020204020204" charset="-122"/>
               </a:rPr>
             </a:br>
-            <a:r>
-              <a:rPr lang="en-US" altLang="zh-CN" b="1" dirty="0" smtClean="0">
-                <a:solidFill>
-                  <a:srgbClr val="F50A64"/>
-                </a:solidFill>
-                <a:latin typeface="微软雅黑" charset="-122"/>
-                <a:ea typeface="微软雅黑" charset="-122"/>
-                <a:sym typeface="微软雅黑" charset="-122"/>
-              </a:rPr>
-              <a:t/>
-            </a:r>
             <a:br>
               <a:rPr lang="en-US" altLang="zh-CN" b="1" dirty="0" smtClean="0">
                 <a:solidFill>
                   <a:srgbClr val="F50A64"/>
                 </a:solidFill>
-                <a:latin typeface="微软雅黑" charset="-122"/>
-                <a:ea typeface="微软雅黑" charset="-122"/>
-                <a:sym typeface="微软雅黑" charset="-122"/>
+                <a:latin typeface="微软雅黑" panose="020B0503020204020204" charset="-122"/>
+                <a:ea typeface="微软雅黑" panose="020B0503020204020204" charset="-122"/>
+                <a:sym typeface="微软雅黑" panose="020B0503020204020204" charset="-122"/>
               </a:rPr>
             </a:br>
             <a:r>
@@ -11793,31 +10220,20 @@
                 <a:solidFill>
                   <a:srgbClr val="3F3F3F"/>
                 </a:solidFill>
-                <a:latin typeface="微软雅黑" charset="-122"/>
-                <a:ea typeface="微软雅黑" charset="-122"/>
-                <a:sym typeface="微软雅黑" charset="-122"/>
+                <a:latin typeface="微软雅黑" panose="020B0503020204020204" charset="-122"/>
+                <a:ea typeface="微软雅黑" panose="020B0503020204020204" charset="-122"/>
+                <a:sym typeface="微软雅黑" panose="020B0503020204020204" charset="-122"/>
               </a:rPr>
               <a:t>一旦修改了数据，立马更新视图</a:t>
-            </a:r>
-            <a:r>
-              <a:rPr lang="zh-CN" altLang="en-US" sz="2000" dirty="0">
-                <a:solidFill>
-                  <a:srgbClr val="3F3F3F"/>
-                </a:solidFill>
-                <a:latin typeface="微软雅黑" charset="-122"/>
-                <a:ea typeface="微软雅黑" charset="-122"/>
-                <a:sym typeface="微软雅黑" charset="-122"/>
-              </a:rPr>
-              <a:t/>
             </a:r>
             <a:br>
               <a:rPr lang="zh-CN" altLang="en-US" sz="2000" dirty="0">
                 <a:solidFill>
                   <a:srgbClr val="3F3F3F"/>
                 </a:solidFill>
-                <a:latin typeface="微软雅黑" charset="-122"/>
-                <a:ea typeface="微软雅黑" charset="-122"/>
-                <a:sym typeface="微软雅黑" charset="-122"/>
+                <a:latin typeface="微软雅黑" panose="020B0503020204020204" charset="-122"/>
+                <a:ea typeface="微软雅黑" panose="020B0503020204020204" charset="-122"/>
+                <a:sym typeface="微软雅黑" panose="020B0503020204020204" charset="-122"/>
               </a:rPr>
             </a:br>
             <a:endParaRPr kumimoji="1" lang="zh-CN" altLang="en-US" dirty="0"/>
@@ -11843,7 +10259,7 @@
               <a:buClr>
                 <a:srgbClr val="7F7F7F"/>
               </a:buClr>
-              <a:buFont typeface="Wingdings" charset="2"/>
+              <a:buFont typeface="Wingdings" panose="05000000000000000000" pitchFamily="2" charset="2"/>
               <a:buChar char="l"/>
             </a:pPr>
             <a:r>
@@ -11851,9 +10267,9 @@
                 <a:solidFill>
                   <a:srgbClr val="3F3F3F"/>
                 </a:solidFill>
-                <a:latin typeface="微软雅黑" charset="-122"/>
-                <a:ea typeface="微软雅黑" charset="-122"/>
-                <a:sym typeface="微软雅黑" charset="-122"/>
+                <a:latin typeface="微软雅黑" panose="020B0503020204020204" charset="-122"/>
+                <a:ea typeface="微软雅黑" panose="020B0503020204020204" charset="-122"/>
+                <a:sym typeface="微软雅黑" panose="020B0503020204020204" charset="-122"/>
               </a:rPr>
               <a:t> 数据</a:t>
             </a:r>
@@ -11862,12 +10278,20 @@
                 <a:solidFill>
                   <a:srgbClr val="3F3F3F"/>
                 </a:solidFill>
-                <a:latin typeface="微软雅黑" charset="-122"/>
-                <a:ea typeface="微软雅黑" charset="-122"/>
-                <a:sym typeface="微软雅黑" charset="-122"/>
+                <a:latin typeface="微软雅黑" panose="020B0503020204020204" charset="-122"/>
+                <a:ea typeface="微软雅黑" panose="020B0503020204020204" charset="-122"/>
+                <a:sym typeface="微软雅黑" panose="020B0503020204020204" charset="-122"/>
               </a:rPr>
               <a:t>驱动思想</a:t>
             </a:r>
+            <a:endParaRPr lang="zh-CN" altLang="en-US" sz="2400" dirty="0">
+              <a:solidFill>
+                <a:srgbClr val="3F3F3F"/>
+              </a:solidFill>
+              <a:latin typeface="微软雅黑" panose="020B0503020204020204" charset="-122"/>
+              <a:ea typeface="微软雅黑" panose="020B0503020204020204" charset="-122"/>
+              <a:sym typeface="微软雅黑" panose="020B0503020204020204" charset="-122"/>
+            </a:endParaRPr>
           </a:p>
           <a:p>
             <a:pPr marL="0" lvl="1" indent="0">
@@ -11881,9 +10305,9 @@
                 <a:solidFill>
                   <a:srgbClr val="3F3F3F"/>
                 </a:solidFill>
-                <a:latin typeface="微软雅黑" charset="-122"/>
-                <a:ea typeface="微软雅黑" charset="-122"/>
-                <a:sym typeface="微软雅黑" charset="-122"/>
+                <a:latin typeface="微软雅黑" panose="020B0503020204020204" charset="-122"/>
+                <a:ea typeface="微软雅黑" panose="020B0503020204020204" charset="-122"/>
+                <a:sym typeface="微软雅黑" panose="020B0503020204020204" charset="-122"/>
               </a:rPr>
               <a:t>	</a:t>
             </a:r>
@@ -11892,12 +10316,20 @@
                 <a:solidFill>
                   <a:srgbClr val="7F7F7F"/>
                 </a:solidFill>
-                <a:latin typeface="微软雅黑" charset="-122"/>
-                <a:ea typeface="微软雅黑" charset="-122"/>
-                <a:sym typeface="微软雅黑" charset="-122"/>
+                <a:latin typeface="微软雅黑" panose="020B0503020204020204" charset="-122"/>
+                <a:ea typeface="微软雅黑" panose="020B0503020204020204" charset="-122"/>
+                <a:sym typeface="微软雅黑" panose="020B0503020204020204" charset="-122"/>
               </a:rPr>
               <a:t>数据到视图的映射</a:t>
             </a:r>
+            <a:endParaRPr lang="zh-CN" altLang="en-US" dirty="0">
+              <a:solidFill>
+                <a:srgbClr val="7F7F7F"/>
+              </a:solidFill>
+              <a:latin typeface="微软雅黑" panose="020B0503020204020204" charset="-122"/>
+              <a:ea typeface="微软雅黑" panose="020B0503020204020204" charset="-122"/>
+              <a:sym typeface="微软雅黑" panose="020B0503020204020204" charset="-122"/>
+            </a:endParaRPr>
           </a:p>
           <a:p>
             <a:pPr marL="0" lvl="1" indent="0">
@@ -11911,9 +10343,9 @@
                 <a:solidFill>
                   <a:srgbClr val="7F7F7F"/>
                 </a:solidFill>
-                <a:latin typeface="微软雅黑" charset="-122"/>
-                <a:ea typeface="微软雅黑" charset="-122"/>
-                <a:sym typeface="微软雅黑" charset="-122"/>
+                <a:latin typeface="微软雅黑" panose="020B0503020204020204" charset="-122"/>
+                <a:ea typeface="微软雅黑" panose="020B0503020204020204" charset="-122"/>
+                <a:sym typeface="微软雅黑" panose="020B0503020204020204" charset="-122"/>
               </a:rPr>
               <a:t>	</a:t>
             </a:r>
@@ -11922,12 +10354,20 @@
                 <a:solidFill>
                   <a:srgbClr val="7F7F7F"/>
                 </a:solidFill>
-                <a:latin typeface="微软雅黑" charset="-122"/>
-                <a:ea typeface="微软雅黑" charset="-122"/>
-                <a:sym typeface="微软雅黑" charset="-122"/>
+                <a:latin typeface="微软雅黑" panose="020B0503020204020204" charset="-122"/>
+                <a:ea typeface="微软雅黑" panose="020B0503020204020204" charset="-122"/>
+                <a:sym typeface="微软雅黑" panose="020B0503020204020204" charset="-122"/>
               </a:rPr>
               <a:t>操作数据改变视图</a:t>
             </a:r>
+            <a:endParaRPr lang="zh-CN" altLang="en-US" dirty="0">
+              <a:solidFill>
+                <a:srgbClr val="7F7F7F"/>
+              </a:solidFill>
+              <a:latin typeface="微软雅黑" panose="020B0503020204020204" charset="-122"/>
+              <a:ea typeface="微软雅黑" panose="020B0503020204020204" charset="-122"/>
+              <a:sym typeface="微软雅黑" panose="020B0503020204020204" charset="-122"/>
+            </a:endParaRPr>
           </a:p>
           <a:p>
             <a:pPr marL="0" lvl="1" indent="0">
@@ -11941,9 +10381,9 @@
                 <a:solidFill>
                   <a:srgbClr val="7F7F7F"/>
                 </a:solidFill>
-                <a:latin typeface="微软雅黑" charset="-122"/>
-                <a:ea typeface="微软雅黑" charset="-122"/>
-                <a:sym typeface="微软雅黑" charset="-122"/>
+                <a:latin typeface="微软雅黑" panose="020B0503020204020204" charset="-122"/>
+                <a:ea typeface="微软雅黑" panose="020B0503020204020204" charset="-122"/>
+                <a:sym typeface="微软雅黑" panose="020B0503020204020204" charset="-122"/>
               </a:rPr>
               <a:t>	</a:t>
             </a:r>
@@ -11952,9 +10392,9 @@
                 <a:solidFill>
                   <a:srgbClr val="7F7F7F"/>
                 </a:solidFill>
-                <a:latin typeface="微软雅黑" charset="-122"/>
-                <a:ea typeface="微软雅黑" charset="-122"/>
-                <a:sym typeface="微软雅黑" charset="-122"/>
+                <a:latin typeface="微软雅黑" panose="020B0503020204020204" charset="-122"/>
+                <a:ea typeface="微软雅黑" panose="020B0503020204020204" charset="-122"/>
+                <a:sym typeface="微软雅黑" panose="020B0503020204020204" charset="-122"/>
               </a:rPr>
               <a:t>简化对</a:t>
             </a:r>
@@ -11963,9 +10403,9 @@
                 <a:solidFill>
                   <a:srgbClr val="7F7F7F"/>
                 </a:solidFill>
-                <a:latin typeface="微软雅黑" charset="-122"/>
-                <a:ea typeface="微软雅黑" charset="-122"/>
-                <a:sym typeface="微软雅黑" charset="-122"/>
+                <a:latin typeface="微软雅黑" panose="020B0503020204020204" charset="-122"/>
+                <a:ea typeface="微软雅黑" panose="020B0503020204020204" charset="-122"/>
+                <a:sym typeface="微软雅黑" panose="020B0503020204020204" charset="-122"/>
               </a:rPr>
               <a:t>DOM</a:t>
             </a:r>
@@ -11974,9 +10414,9 @@
                 <a:solidFill>
                   <a:srgbClr val="7F7F7F"/>
                 </a:solidFill>
-                <a:latin typeface="微软雅黑" charset="-122"/>
-                <a:ea typeface="微软雅黑" charset="-122"/>
-                <a:sym typeface="微软雅黑" charset="-122"/>
+                <a:latin typeface="微软雅黑" panose="020B0503020204020204" charset="-122"/>
+                <a:ea typeface="微软雅黑" panose="020B0503020204020204" charset="-122"/>
+                <a:sym typeface="微软雅黑" panose="020B0503020204020204" charset="-122"/>
               </a:rPr>
               <a:t>的操作</a:t>
             </a:r>
@@ -11985,12 +10425,20 @@
                 <a:solidFill>
                   <a:srgbClr val="3F3F3F"/>
                 </a:solidFill>
-                <a:latin typeface="微软雅黑" charset="-122"/>
-                <a:ea typeface="微软雅黑" charset="-122"/>
-                <a:sym typeface="微软雅黑" charset="-122"/>
+                <a:latin typeface="微软雅黑" panose="020B0503020204020204" charset="-122"/>
+                <a:ea typeface="微软雅黑" panose="020B0503020204020204" charset="-122"/>
+                <a:sym typeface="微软雅黑" panose="020B0503020204020204" charset="-122"/>
               </a:rPr>
               <a:t>	</a:t>
             </a:r>
+            <a:endParaRPr lang="en-US" altLang="zh-CN" sz="1800" b="1" dirty="0">
+              <a:solidFill>
+                <a:srgbClr val="3F3F3F"/>
+              </a:solidFill>
+              <a:latin typeface="微软雅黑" panose="020B0503020204020204" charset="-122"/>
+              <a:ea typeface="微软雅黑" panose="020B0503020204020204" charset="-122"/>
+              <a:sym typeface="微软雅黑" panose="020B0503020204020204" charset="-122"/>
+            </a:endParaRPr>
           </a:p>
           <a:p>
             <a:pPr marL="0" lvl="1" indent="0">
@@ -12006,7 +10454,7 @@
               <a:buClr>
                 <a:srgbClr val="7F7F7F"/>
               </a:buClr>
-              <a:buFont typeface="Wingdings" charset="2"/>
+              <a:buFont typeface="Wingdings" panose="05000000000000000000" pitchFamily="2" charset="2"/>
               <a:buChar char="l"/>
             </a:pPr>
             <a:r>
@@ -12014,12 +10462,20 @@
                 <a:solidFill>
                   <a:srgbClr val="3F3F3F"/>
                 </a:solidFill>
-                <a:latin typeface="微软雅黑" charset="-122"/>
-                <a:ea typeface="微软雅黑" charset="-122"/>
-                <a:sym typeface="微软雅黑" charset="-122"/>
+                <a:latin typeface="微软雅黑" panose="020B0503020204020204" charset="-122"/>
+                <a:ea typeface="微软雅黑" panose="020B0503020204020204" charset="-122"/>
+                <a:sym typeface="微软雅黑" panose="020B0503020204020204" charset="-122"/>
               </a:rPr>
               <a:t>追踪依赖变化</a:t>
             </a:r>
+            <a:endParaRPr lang="zh-CN" altLang="en-US" sz="2400" dirty="0">
+              <a:solidFill>
+                <a:srgbClr val="3F3F3F"/>
+              </a:solidFill>
+              <a:latin typeface="微软雅黑" panose="020B0503020204020204" charset="-122"/>
+              <a:ea typeface="微软雅黑" panose="020B0503020204020204" charset="-122"/>
+              <a:sym typeface="微软雅黑" panose="020B0503020204020204" charset="-122"/>
+            </a:endParaRPr>
           </a:p>
           <a:p>
             <a:pPr marL="0" lvl="1" indent="0">
@@ -12033,9 +10489,9 @@
                 <a:solidFill>
                   <a:srgbClr val="3F3F3F"/>
                 </a:solidFill>
-                <a:latin typeface="微软雅黑" charset="-122"/>
-                <a:ea typeface="微软雅黑" charset="-122"/>
-                <a:sym typeface="微软雅黑" charset="-122"/>
+                <a:latin typeface="微软雅黑" panose="020B0503020204020204" charset="-122"/>
+                <a:ea typeface="微软雅黑" panose="020B0503020204020204" charset="-122"/>
+                <a:sym typeface="微软雅黑" panose="020B0503020204020204" charset="-122"/>
               </a:rPr>
               <a:t>	</a:t>
             </a:r>
@@ -12044,12 +10500,20 @@
                 <a:solidFill>
                   <a:srgbClr val="7F7F7F"/>
                 </a:solidFill>
-                <a:latin typeface="微软雅黑" charset="-122"/>
-                <a:ea typeface="微软雅黑" charset="-122"/>
-                <a:sym typeface="微软雅黑" charset="-122"/>
+                <a:latin typeface="微软雅黑" panose="020B0503020204020204" charset="-122"/>
+                <a:ea typeface="微软雅黑" panose="020B0503020204020204" charset="-122"/>
+                <a:sym typeface="微软雅黑" panose="020B0503020204020204" charset="-122"/>
               </a:rPr>
               <a:t>Object.defineProperty</a:t>
             </a:r>
+            <a:endParaRPr lang="zh-CN" altLang="en-US" sz="2000" dirty="0">
+              <a:solidFill>
+                <a:srgbClr val="7F7F7F"/>
+              </a:solidFill>
+              <a:latin typeface="微软雅黑" panose="020B0503020204020204" charset="-122"/>
+              <a:ea typeface="微软雅黑" panose="020B0503020204020204" charset="-122"/>
+              <a:sym typeface="微软雅黑" panose="020B0503020204020204" charset="-122"/>
+            </a:endParaRPr>
           </a:p>
           <a:p>
             <a:pPr marL="0" lvl="1" indent="0">
@@ -12063,12 +10527,20 @@
                 <a:solidFill>
                   <a:srgbClr val="7F7F7F"/>
                 </a:solidFill>
-                <a:latin typeface="微软雅黑" charset="-122"/>
-                <a:ea typeface="微软雅黑" charset="-122"/>
-                <a:sym typeface="微软雅黑" charset="-122"/>
+                <a:latin typeface="微软雅黑" panose="020B0503020204020204" charset="-122"/>
+                <a:ea typeface="微软雅黑" panose="020B0503020204020204" charset="-122"/>
+                <a:sym typeface="微软雅黑" panose="020B0503020204020204" charset="-122"/>
               </a:rPr>
               <a:t>	watcher 实例对象</a:t>
             </a:r>
+            <a:endParaRPr lang="en-US" altLang="zh-CN" sz="2000" dirty="0">
+              <a:solidFill>
+                <a:srgbClr val="7F7F7F"/>
+              </a:solidFill>
+              <a:latin typeface="微软雅黑" panose="020B0503020204020204" charset="-122"/>
+              <a:ea typeface="微软雅黑" panose="020B0503020204020204" charset="-122"/>
+              <a:sym typeface="微软雅黑" panose="020B0503020204020204" charset="-122"/>
+            </a:endParaRPr>
           </a:p>
           <a:p>
             <a:endParaRPr kumimoji="1" lang="zh-CN" altLang="en-US" dirty="0"/>
@@ -12084,7 +10556,7 @@
           <p:nvPr/>
         </p:nvPicPr>
         <p:blipFill>
-          <a:blip r:embed="rId2">
+          <a:blip r:embed="rId1">
             <a:extLst>
               <a:ext uri="{28A0092B-C50C-407E-A947-70E740481C1C}">
                 <a14:useLocalDpi xmlns:a14="http://schemas.microsoft.com/office/drawing/2010/main" val="0"/>
@@ -12138,7 +10610,7 @@
           <p:nvPr/>
         </p:nvPicPr>
         <p:blipFill>
-          <a:blip r:embed="rId2">
+          <a:blip r:embed="rId1">
             <a:extLst>
               <a:ext uri="{28A0092B-C50C-407E-A947-70E740481C1C}">
                 <a14:useLocalDpi xmlns:a14="http://schemas.microsoft.com/office/drawing/2010/main" val="0"/>
@@ -12184,11 +10656,6 @@
         </p:spPr>
       </p:pic>
     </p:spTree>
-    <p:extLst>
-      <p:ext uri="{BB962C8B-B14F-4D97-AF65-F5344CB8AC3E}">
-        <p14:creationId xmlns:p14="http://schemas.microsoft.com/office/powerpoint/2010/main" val="1599881294"/>
-      </p:ext>
-    </p:extLst>
   </p:cSld>
   <p:clrMapOvr>
     <a:masterClrMapping/>
@@ -12238,9 +10705,9 @@
                 <a:solidFill>
                   <a:srgbClr val="F50A64"/>
                 </a:solidFill>
-                <a:latin typeface="微软雅黑" charset="-122"/>
-                <a:ea typeface="微软雅黑" charset="-122"/>
-                <a:sym typeface="微软雅黑" charset="-122"/>
+                <a:latin typeface="微软雅黑" panose="020B0503020204020204" charset="-122"/>
+                <a:ea typeface="微软雅黑" panose="020B0503020204020204" charset="-122"/>
+                <a:sym typeface="微软雅黑" panose="020B0503020204020204" charset="-122"/>
               </a:rPr>
               <a:t>可组合的视图组件</a:t>
             </a:r>
@@ -12279,12 +10746,20 @@
                 <a:solidFill>
                   <a:srgbClr val="3F3F3F"/>
                 </a:solidFill>
-                <a:latin typeface="微软雅黑" charset="-122"/>
-                <a:ea typeface="微软雅黑" charset="-122"/>
-                <a:sym typeface="微软雅黑" charset="-122"/>
+                <a:latin typeface="微软雅黑" panose="020B0503020204020204" charset="-122"/>
+                <a:ea typeface="微软雅黑" panose="020B0503020204020204" charset="-122"/>
+                <a:sym typeface="微软雅黑" panose="020B0503020204020204" charset="-122"/>
               </a:rPr>
               <a:t>把视图按照功能，切分若干基本单元</a:t>
             </a:r>
+            <a:endParaRPr lang="zh-CN" altLang="en-US" sz="2000" dirty="0" smtClean="0">
+              <a:solidFill>
+                <a:srgbClr val="3F3F3F"/>
+              </a:solidFill>
+              <a:latin typeface="微软雅黑" panose="020B0503020204020204" charset="-122"/>
+              <a:ea typeface="微软雅黑" panose="020B0503020204020204" charset="-122"/>
+              <a:sym typeface="微软雅黑" panose="020B0503020204020204" charset="-122"/>
+            </a:endParaRPr>
           </a:p>
           <a:p>
             <a:pPr marL="0" lvl="1" indent="0">
@@ -12298,12 +10773,20 @@
                 <a:solidFill>
                   <a:srgbClr val="3F3F3F"/>
                 </a:solidFill>
-                <a:latin typeface="微软雅黑" charset="-122"/>
-                <a:ea typeface="微软雅黑" charset="-122"/>
-                <a:sym typeface="微软雅黑" charset="-122"/>
+                <a:latin typeface="微软雅黑" panose="020B0503020204020204" charset="-122"/>
+                <a:ea typeface="微软雅黑" panose="020B0503020204020204" charset="-122"/>
+                <a:sym typeface="微软雅黑" panose="020B0503020204020204" charset="-122"/>
               </a:rPr>
               <a:t>组件可以一级一级组合成整个应用，形成了倒置的组件树</a:t>
             </a:r>
+            <a:endParaRPr lang="zh-CN" altLang="en-US" sz="2000" dirty="0" smtClean="0">
+              <a:solidFill>
+                <a:srgbClr val="3F3F3F"/>
+              </a:solidFill>
+              <a:latin typeface="微软雅黑" panose="020B0503020204020204" charset="-122"/>
+              <a:ea typeface="微软雅黑" panose="020B0503020204020204" charset="-122"/>
+              <a:sym typeface="微软雅黑" panose="020B0503020204020204" charset="-122"/>
+            </a:endParaRPr>
           </a:p>
           <a:p>
             <a:pPr marL="0" lvl="1" indent="0">
@@ -12316,9 +10799,9 @@
               <a:solidFill>
                 <a:srgbClr val="3F3F3F"/>
               </a:solidFill>
-              <a:latin typeface="微软雅黑" charset="-122"/>
-              <a:ea typeface="微软雅黑" charset="-122"/>
-              <a:sym typeface="微软雅黑" charset="-122"/>
+              <a:latin typeface="微软雅黑" panose="020B0503020204020204" charset="-122"/>
+              <a:ea typeface="微软雅黑" panose="020B0503020204020204" charset="-122"/>
+              <a:sym typeface="微软雅黑" panose="020B0503020204020204" charset="-122"/>
             </a:endParaRPr>
           </a:p>
           <a:p>
@@ -12333,8 +10816,8 @@
                 <a:solidFill>
                   <a:srgbClr val="3F3F3F"/>
                 </a:solidFill>
-                <a:latin typeface="微软雅黑" charset="-122"/>
-                <a:ea typeface="微软雅黑" charset="-122"/>
+                <a:latin typeface="微软雅黑" panose="020B0503020204020204" charset="-122"/>
+                <a:ea typeface="微软雅黑" panose="020B0503020204020204" charset="-122"/>
               </a:rPr>
               <a:t>使用组件的好处：可维护、可重用、可测试</a:t>
             </a:r>
@@ -12342,8 +10825,8 @@
               <a:solidFill>
                 <a:srgbClr val="7F7F7F"/>
               </a:solidFill>
-              <a:latin typeface="微软雅黑" charset="-122"/>
-              <a:ea typeface="微软雅黑" charset="-122"/>
+              <a:latin typeface="微软雅黑" panose="020B0503020204020204" charset="-122"/>
+              <a:ea typeface="微软雅黑" panose="020B0503020204020204" charset="-122"/>
             </a:endParaRPr>
           </a:p>
           <a:p>
@@ -12357,8 +10840,8 @@
               <a:solidFill>
                 <a:srgbClr val="7F7F7F"/>
               </a:solidFill>
-              <a:latin typeface="微软雅黑" charset="-122"/>
-              <a:ea typeface="微软雅黑" charset="-122"/>
+              <a:latin typeface="微软雅黑" panose="020B0503020204020204" charset="-122"/>
+              <a:ea typeface="微软雅黑" panose="020B0503020204020204" charset="-122"/>
             </a:endParaRPr>
           </a:p>
           <a:p>
@@ -12375,7 +10858,7 @@
           <p:nvPr/>
         </p:nvPicPr>
         <p:blipFill>
-          <a:blip r:embed="rId2">
+          <a:blip r:embed="rId1">
             <a:extLst>
               <a:ext uri="{28A0092B-C50C-407E-A947-70E740481C1C}">
                 <a14:useLocalDpi xmlns:a14="http://schemas.microsoft.com/office/drawing/2010/main" val="0"/>
@@ -12421,11 +10904,6 @@
         </p:spPr>
       </p:pic>
     </p:spTree>
-    <p:extLst>
-      <p:ext uri="{BB962C8B-B14F-4D97-AF65-F5344CB8AC3E}">
-        <p14:creationId xmlns:p14="http://schemas.microsoft.com/office/powerpoint/2010/main" val="369713415"/>
-      </p:ext>
-    </p:extLst>
   </p:cSld>
   <p:clrMapOvr>
     <a:masterClrMapping/>
@@ -12470,9 +10948,9 @@
                 <a:solidFill>
                   <a:srgbClr val="F50A64"/>
                 </a:solidFill>
-                <a:latin typeface="微软雅黑" charset="-122"/>
-                <a:ea typeface="微软雅黑" charset="-122"/>
-                <a:sym typeface="微软雅黑" charset="-122"/>
+                <a:latin typeface="微软雅黑" panose="020B0503020204020204" charset="-122"/>
+                <a:ea typeface="微软雅黑" panose="020B0503020204020204" charset="-122"/>
+                <a:sym typeface="微软雅黑" panose="020B0503020204020204" charset="-122"/>
               </a:rPr>
               <a:t>Vue</a:t>
             </a:r>
@@ -12481,9 +10959,9 @@
                 <a:solidFill>
                   <a:srgbClr val="F50A64"/>
                 </a:solidFill>
-                <a:latin typeface="微软雅黑" charset="-122"/>
-                <a:ea typeface="微软雅黑" charset="-122"/>
-                <a:sym typeface="微软雅黑" charset="-122"/>
+                <a:latin typeface="微软雅黑" panose="020B0503020204020204" charset="-122"/>
+                <a:ea typeface="微软雅黑" panose="020B0503020204020204" charset="-122"/>
+                <a:sym typeface="微软雅黑" panose="020B0503020204020204" charset="-122"/>
               </a:rPr>
               <a:t>实例</a:t>
             </a:r>
@@ -12524,9 +11002,9 @@
                 <a:solidFill>
                   <a:srgbClr val="3F3F3F"/>
                 </a:solidFill>
-                <a:latin typeface="微软雅黑" charset="-122"/>
-                <a:ea typeface="微软雅黑" charset="-122"/>
-                <a:sym typeface="微软雅黑" charset="-122"/>
+                <a:latin typeface="微软雅黑" panose="020B0503020204020204" charset="-122"/>
+                <a:ea typeface="微软雅黑" panose="020B0503020204020204" charset="-122"/>
+                <a:sym typeface="微软雅黑" panose="020B0503020204020204" charset="-122"/>
               </a:rPr>
               <a:t>每个 </a:t>
             </a:r>
@@ -12535,9 +11013,9 @@
                 <a:solidFill>
                   <a:srgbClr val="3F3F3F"/>
                 </a:solidFill>
-                <a:latin typeface="微软雅黑" charset="-122"/>
-                <a:ea typeface="微软雅黑" charset="-122"/>
-                <a:sym typeface="微软雅黑" charset="-122"/>
+                <a:latin typeface="微软雅黑" panose="020B0503020204020204" charset="-122"/>
+                <a:ea typeface="微软雅黑" panose="020B0503020204020204" charset="-122"/>
+                <a:sym typeface="微软雅黑" panose="020B0503020204020204" charset="-122"/>
               </a:rPr>
               <a:t>Vue.js</a:t>
             </a:r>
@@ -12546,9 +11024,9 @@
                 <a:solidFill>
                   <a:srgbClr val="3F3F3F"/>
                 </a:solidFill>
-                <a:latin typeface="微软雅黑" charset="-122"/>
-                <a:ea typeface="微软雅黑" charset="-122"/>
-                <a:sym typeface="微软雅黑" charset="-122"/>
+                <a:latin typeface="微软雅黑" panose="020B0503020204020204" charset="-122"/>
+                <a:ea typeface="微软雅黑" panose="020B0503020204020204" charset="-122"/>
+                <a:sym typeface="微软雅黑" panose="020B0503020204020204" charset="-122"/>
               </a:rPr>
               <a:t> 应用都是通过构造函数 </a:t>
             </a:r>
@@ -12557,9 +11035,9 @@
                 <a:solidFill>
                   <a:srgbClr val="3F3F3F"/>
                 </a:solidFill>
-                <a:latin typeface="微软雅黑" charset="-122"/>
-                <a:ea typeface="微软雅黑" charset="-122"/>
-                <a:sym typeface="微软雅黑" charset="-122"/>
+                <a:latin typeface="微软雅黑" panose="020B0503020204020204" charset="-122"/>
+                <a:ea typeface="微软雅黑" panose="020B0503020204020204" charset="-122"/>
+                <a:sym typeface="微软雅黑" panose="020B0503020204020204" charset="-122"/>
               </a:rPr>
               <a:t>Vue</a:t>
             </a:r>
@@ -12568,9 +11046,9 @@
                 <a:solidFill>
                   <a:srgbClr val="3F3F3F"/>
                 </a:solidFill>
-                <a:latin typeface="微软雅黑" charset="-122"/>
-                <a:ea typeface="微软雅黑" charset="-122"/>
-                <a:sym typeface="微软雅黑" charset="-122"/>
+                <a:latin typeface="微软雅黑" panose="020B0503020204020204" charset="-122"/>
+                <a:ea typeface="微软雅黑" panose="020B0503020204020204" charset="-122"/>
+                <a:sym typeface="微软雅黑" panose="020B0503020204020204" charset="-122"/>
               </a:rPr>
               <a:t> 创建一个 </a:t>
             </a:r>
@@ -12579,9 +11057,9 @@
                 <a:solidFill>
                   <a:srgbClr val="3F3F3F"/>
                 </a:solidFill>
-                <a:latin typeface="微软雅黑" charset="-122"/>
-                <a:ea typeface="微软雅黑" charset="-122"/>
-                <a:sym typeface="微软雅黑" charset="-122"/>
+                <a:latin typeface="微软雅黑" panose="020B0503020204020204" charset="-122"/>
+                <a:ea typeface="微软雅黑" panose="020B0503020204020204" charset="-122"/>
+                <a:sym typeface="微软雅黑" panose="020B0503020204020204" charset="-122"/>
               </a:rPr>
               <a:t>Vue</a:t>
             </a:r>
@@ -12590,12 +11068,20 @@
                 <a:solidFill>
                   <a:srgbClr val="3F3F3F"/>
                 </a:solidFill>
-                <a:latin typeface="微软雅黑" charset="-122"/>
-                <a:ea typeface="微软雅黑" charset="-122"/>
-                <a:sym typeface="微软雅黑" charset="-122"/>
+                <a:latin typeface="微软雅黑" panose="020B0503020204020204" charset="-122"/>
+                <a:ea typeface="微软雅黑" panose="020B0503020204020204" charset="-122"/>
+                <a:sym typeface="微软雅黑" panose="020B0503020204020204" charset="-122"/>
               </a:rPr>
               <a:t> 的根实例启动的</a:t>
             </a:r>
+            <a:endParaRPr lang="en-US" altLang="zh-CN" sz="2000" dirty="0">
+              <a:solidFill>
+                <a:srgbClr val="3F3F3F"/>
+              </a:solidFill>
+              <a:latin typeface="微软雅黑" panose="020B0503020204020204" charset="-122"/>
+              <a:ea typeface="微软雅黑" panose="020B0503020204020204" charset="-122"/>
+              <a:sym typeface="微软雅黑" panose="020B0503020204020204" charset="-122"/>
+            </a:endParaRPr>
           </a:p>
           <a:p>
             <a:pPr marL="457200" lvl="2" indent="0">
@@ -12609,9 +11095,9 @@
                 <a:solidFill>
                   <a:srgbClr val="3F3F3F"/>
                 </a:solidFill>
-                <a:latin typeface="微软雅黑" charset="-122"/>
-                <a:ea typeface="微软雅黑" charset="-122"/>
-                <a:sym typeface="微软雅黑" charset="-122"/>
+                <a:latin typeface="微软雅黑" panose="020B0503020204020204" charset="-122"/>
+                <a:ea typeface="微软雅黑" panose="020B0503020204020204" charset="-122"/>
+                <a:sym typeface="微软雅黑" panose="020B0503020204020204" charset="-122"/>
               </a:rPr>
               <a:t>new </a:t>
             </a:r>
@@ -12620,9 +11106,9 @@
                 <a:solidFill>
                   <a:srgbClr val="3F3F3F"/>
                 </a:solidFill>
-                <a:latin typeface="微软雅黑" charset="-122"/>
-                <a:ea typeface="微软雅黑" charset="-122"/>
-                <a:sym typeface="微软雅黑" charset="-122"/>
+                <a:latin typeface="微软雅黑" panose="020B0503020204020204" charset="-122"/>
+                <a:ea typeface="微软雅黑" panose="020B0503020204020204" charset="-122"/>
+                <a:sym typeface="微软雅黑" panose="020B0503020204020204" charset="-122"/>
               </a:rPr>
               <a:t>Vue</a:t>
             </a:r>
@@ -12631,12 +11117,20 @@
                 <a:solidFill>
                   <a:srgbClr val="3F3F3F"/>
                 </a:solidFill>
-                <a:latin typeface="微软雅黑" charset="-122"/>
-                <a:ea typeface="微软雅黑" charset="-122"/>
-                <a:sym typeface="微软雅黑" charset="-122"/>
+                <a:latin typeface="微软雅黑" panose="020B0503020204020204" charset="-122"/>
+                <a:ea typeface="微软雅黑" panose="020B0503020204020204" charset="-122"/>
+                <a:sym typeface="微软雅黑" panose="020B0503020204020204" charset="-122"/>
               </a:rPr>
               <a:t>({</a:t>
             </a:r>
+            <a:endParaRPr lang="en-US" altLang="zh-CN" sz="2000" dirty="0">
+              <a:solidFill>
+                <a:srgbClr val="3F3F3F"/>
+              </a:solidFill>
+              <a:latin typeface="微软雅黑" panose="020B0503020204020204" charset="-122"/>
+              <a:ea typeface="微软雅黑" panose="020B0503020204020204" charset="-122"/>
+              <a:sym typeface="微软雅黑" panose="020B0503020204020204" charset="-122"/>
+            </a:endParaRPr>
           </a:p>
           <a:p>
             <a:pPr marL="457200" lvl="2" indent="0">
@@ -12650,9 +11144,9 @@
                 <a:solidFill>
                   <a:srgbClr val="3F3F3F"/>
                 </a:solidFill>
-                <a:latin typeface="微软雅黑" charset="-122"/>
-                <a:ea typeface="微软雅黑" charset="-122"/>
-                <a:sym typeface="微软雅黑" charset="-122"/>
+                <a:latin typeface="微软雅黑" panose="020B0503020204020204" charset="-122"/>
+                <a:ea typeface="微软雅黑" panose="020B0503020204020204" charset="-122"/>
+                <a:sym typeface="微软雅黑" panose="020B0503020204020204" charset="-122"/>
               </a:rPr>
               <a:t>   // </a:t>
             </a:r>
@@ -12661,12 +11155,20 @@
                 <a:solidFill>
                   <a:srgbClr val="3F3F3F"/>
                 </a:solidFill>
-                <a:latin typeface="微软雅黑" charset="-122"/>
-                <a:ea typeface="微软雅黑" charset="-122"/>
-                <a:sym typeface="微软雅黑" charset="-122"/>
+                <a:latin typeface="微软雅黑" panose="020B0503020204020204" charset="-122"/>
+                <a:ea typeface="微软雅黑" panose="020B0503020204020204" charset="-122"/>
+                <a:sym typeface="微软雅黑" panose="020B0503020204020204" charset="-122"/>
               </a:rPr>
               <a:t>选项</a:t>
             </a:r>
+            <a:endParaRPr lang="zh-CN" altLang="en-US" sz="2000" dirty="0">
+              <a:solidFill>
+                <a:srgbClr val="3F3F3F"/>
+              </a:solidFill>
+              <a:latin typeface="微软雅黑" panose="020B0503020204020204" charset="-122"/>
+              <a:ea typeface="微软雅黑" panose="020B0503020204020204" charset="-122"/>
+              <a:sym typeface="微软雅黑" panose="020B0503020204020204" charset="-122"/>
+            </a:endParaRPr>
           </a:p>
           <a:p>
             <a:pPr marL="457200" lvl="2" indent="0">
@@ -12680,9 +11182,9 @@
                 <a:solidFill>
                   <a:srgbClr val="3F3F3F"/>
                 </a:solidFill>
-                <a:latin typeface="微软雅黑" charset="-122"/>
-                <a:ea typeface="微软雅黑" charset="-122"/>
-                <a:sym typeface="微软雅黑" charset="-122"/>
+                <a:latin typeface="微软雅黑" panose="020B0503020204020204" charset="-122"/>
+                <a:ea typeface="微软雅黑" panose="020B0503020204020204" charset="-122"/>
+                <a:sym typeface="微软雅黑" panose="020B0503020204020204" charset="-122"/>
               </a:rPr>
               <a:t>})</a:t>
             </a:r>
@@ -12690,9 +11192,9 @@
               <a:solidFill>
                 <a:srgbClr val="3F3F3F"/>
               </a:solidFill>
-              <a:latin typeface="微软雅黑" charset="-122"/>
-              <a:ea typeface="微软雅黑" charset="-122"/>
-              <a:sym typeface="微软雅黑" charset="-122"/>
+              <a:latin typeface="微软雅黑" panose="020B0503020204020204" charset="-122"/>
+              <a:ea typeface="微软雅黑" panose="020B0503020204020204" charset="-122"/>
+              <a:sym typeface="微软雅黑" panose="020B0503020204020204" charset="-122"/>
             </a:endParaRPr>
           </a:p>
           <a:p>
@@ -12706,9 +11208,9 @@
               <a:solidFill>
                 <a:srgbClr val="3F3F3F"/>
               </a:solidFill>
-              <a:latin typeface="微软雅黑" charset="-122"/>
-              <a:ea typeface="微软雅黑" charset="-122"/>
-              <a:sym typeface="微软雅黑" charset="-122"/>
+              <a:latin typeface="微软雅黑" panose="020B0503020204020204" charset="-122"/>
+              <a:ea typeface="微软雅黑" panose="020B0503020204020204" charset="-122"/>
+              <a:sym typeface="微软雅黑" panose="020B0503020204020204" charset="-122"/>
             </a:endParaRPr>
           </a:p>
           <a:p>
@@ -12723,12 +11225,20 @@
                 <a:solidFill>
                   <a:srgbClr val="3F3F3F"/>
                 </a:solidFill>
-                <a:latin typeface="微软雅黑" charset="-122"/>
-                <a:ea typeface="微软雅黑" charset="-122"/>
-                <a:sym typeface="微软雅黑" charset="-122"/>
+                <a:latin typeface="微软雅黑" panose="020B0503020204020204" charset="-122"/>
+                <a:ea typeface="微软雅黑" panose="020B0503020204020204" charset="-122"/>
+                <a:sym typeface="微软雅黑" panose="020B0503020204020204" charset="-122"/>
               </a:rPr>
               <a:t>选项参数：</a:t>
             </a:r>
+            <a:endParaRPr lang="zh-CN" altLang="en-US" sz="2000" dirty="0">
+              <a:solidFill>
+                <a:srgbClr val="3F3F3F"/>
+              </a:solidFill>
+              <a:latin typeface="微软雅黑" panose="020B0503020204020204" charset="-122"/>
+              <a:ea typeface="微软雅黑" panose="020B0503020204020204" charset="-122"/>
+              <a:sym typeface="微软雅黑" panose="020B0503020204020204" charset="-122"/>
+            </a:endParaRPr>
           </a:p>
           <a:p>
             <a:pPr marL="457200" lvl="2" indent="0">
@@ -12742,12 +11252,20 @@
                 <a:solidFill>
                   <a:srgbClr val="3F3F3F"/>
                 </a:solidFill>
-                <a:latin typeface="微软雅黑" charset="-122"/>
-                <a:ea typeface="微软雅黑" charset="-122"/>
-                <a:sym typeface="微软雅黑" charset="-122"/>
+                <a:latin typeface="微软雅黑" panose="020B0503020204020204" charset="-122"/>
+                <a:ea typeface="微软雅黑" panose="020B0503020204020204" charset="-122"/>
+                <a:sym typeface="微软雅黑" panose="020B0503020204020204" charset="-122"/>
               </a:rPr>
               <a:t>	el</a:t>
             </a:r>
+            <a:endParaRPr lang="en-US" altLang="zh-CN" sz="2000" dirty="0">
+              <a:solidFill>
+                <a:srgbClr val="3F3F3F"/>
+              </a:solidFill>
+              <a:latin typeface="微软雅黑" panose="020B0503020204020204" charset="-122"/>
+              <a:ea typeface="微软雅黑" panose="020B0503020204020204" charset="-122"/>
+              <a:sym typeface="微软雅黑" panose="020B0503020204020204" charset="-122"/>
+            </a:endParaRPr>
           </a:p>
           <a:p>
             <a:pPr marL="457200" lvl="2" indent="0">
@@ -12761,12 +11279,20 @@
                 <a:solidFill>
                   <a:srgbClr val="3F3F3F"/>
                 </a:solidFill>
-                <a:latin typeface="微软雅黑" charset="-122"/>
-                <a:ea typeface="微软雅黑" charset="-122"/>
-                <a:sym typeface="微软雅黑" charset="-122"/>
+                <a:latin typeface="微软雅黑" panose="020B0503020204020204" charset="-122"/>
+                <a:ea typeface="微软雅黑" panose="020B0503020204020204" charset="-122"/>
+                <a:sym typeface="微软雅黑" panose="020B0503020204020204" charset="-122"/>
               </a:rPr>
               <a:t>	data</a:t>
             </a:r>
+            <a:endParaRPr lang="en-US" altLang="zh-CN" sz="2000" dirty="0">
+              <a:solidFill>
+                <a:srgbClr val="3F3F3F"/>
+              </a:solidFill>
+              <a:latin typeface="微软雅黑" panose="020B0503020204020204" charset="-122"/>
+              <a:ea typeface="微软雅黑" panose="020B0503020204020204" charset="-122"/>
+              <a:sym typeface="微软雅黑" panose="020B0503020204020204" charset="-122"/>
+            </a:endParaRPr>
           </a:p>
           <a:p>
             <a:pPr marL="457200" lvl="2" indent="0">
@@ -12780,12 +11306,20 @@
                 <a:solidFill>
                   <a:srgbClr val="3F3F3F"/>
                 </a:solidFill>
-                <a:latin typeface="微软雅黑" charset="-122"/>
-                <a:ea typeface="微软雅黑" charset="-122"/>
-                <a:sym typeface="微软雅黑" charset="-122"/>
+                <a:latin typeface="微软雅黑" panose="020B0503020204020204" charset="-122"/>
+                <a:ea typeface="微软雅黑" panose="020B0503020204020204" charset="-122"/>
+                <a:sym typeface="微软雅黑" panose="020B0503020204020204" charset="-122"/>
               </a:rPr>
               <a:t>	methods</a:t>
             </a:r>
+            <a:endParaRPr lang="en-US" altLang="zh-CN" sz="2000" dirty="0">
+              <a:solidFill>
+                <a:srgbClr val="3F3F3F"/>
+              </a:solidFill>
+              <a:latin typeface="微软雅黑" panose="020B0503020204020204" charset="-122"/>
+              <a:ea typeface="微软雅黑" panose="020B0503020204020204" charset="-122"/>
+              <a:sym typeface="微软雅黑" panose="020B0503020204020204" charset="-122"/>
+            </a:endParaRPr>
           </a:p>
           <a:p>
             <a:pPr marL="457200" lvl="2" indent="0">
@@ -12799,12 +11333,20 @@
                 <a:solidFill>
                   <a:srgbClr val="3F3F3F"/>
                 </a:solidFill>
-                <a:latin typeface="微软雅黑" charset="-122"/>
-                <a:ea typeface="微软雅黑" charset="-122"/>
-                <a:sym typeface="微软雅黑" charset="-122"/>
+                <a:latin typeface="微软雅黑" panose="020B0503020204020204" charset="-122"/>
+                <a:ea typeface="微软雅黑" panose="020B0503020204020204" charset="-122"/>
+                <a:sym typeface="微软雅黑" panose="020B0503020204020204" charset="-122"/>
               </a:rPr>
               <a:t>	computed</a:t>
             </a:r>
+            <a:endParaRPr lang="en-US" altLang="zh-CN" sz="2000" dirty="0">
+              <a:solidFill>
+                <a:srgbClr val="3F3F3F"/>
+              </a:solidFill>
+              <a:latin typeface="微软雅黑" panose="020B0503020204020204" charset="-122"/>
+              <a:ea typeface="微软雅黑" panose="020B0503020204020204" charset="-122"/>
+              <a:sym typeface="微软雅黑" panose="020B0503020204020204" charset="-122"/>
+            </a:endParaRPr>
           </a:p>
           <a:p>
             <a:pPr marL="457200" lvl="2" indent="0">
@@ -12818,12 +11360,20 @@
                 <a:solidFill>
                   <a:srgbClr val="3F3F3F"/>
                 </a:solidFill>
-                <a:latin typeface="微软雅黑" charset="-122"/>
-                <a:ea typeface="微软雅黑" charset="-122"/>
-                <a:sym typeface="微软雅黑" charset="-122"/>
+                <a:latin typeface="微软雅黑" panose="020B0503020204020204" charset="-122"/>
+                <a:ea typeface="微软雅黑" panose="020B0503020204020204" charset="-122"/>
+                <a:sym typeface="微软雅黑" panose="020B0503020204020204" charset="-122"/>
               </a:rPr>
               <a:t>	watch</a:t>
             </a:r>
+            <a:endParaRPr lang="en-US" altLang="zh-CN" sz="2000" dirty="0">
+              <a:solidFill>
+                <a:srgbClr val="3F3F3F"/>
+              </a:solidFill>
+              <a:latin typeface="微软雅黑" panose="020B0503020204020204" charset="-122"/>
+              <a:ea typeface="微软雅黑" panose="020B0503020204020204" charset="-122"/>
+              <a:sym typeface="微软雅黑" panose="020B0503020204020204" charset="-122"/>
+            </a:endParaRPr>
           </a:p>
           <a:p>
             <a:pPr marL="457200" lvl="2" indent="0">
@@ -12837,12 +11387,20 @@
                 <a:solidFill>
                   <a:srgbClr val="3F3F3F"/>
                 </a:solidFill>
-                <a:latin typeface="微软雅黑" charset="-122"/>
-                <a:ea typeface="微软雅黑" charset="-122"/>
-                <a:sym typeface="微软雅黑" charset="-122"/>
+                <a:latin typeface="微软雅黑" panose="020B0503020204020204" charset="-122"/>
+                <a:ea typeface="微软雅黑" panose="020B0503020204020204" charset="-122"/>
+                <a:sym typeface="微软雅黑" panose="020B0503020204020204" charset="-122"/>
               </a:rPr>
               <a:t>	template</a:t>
             </a:r>
+            <a:endParaRPr lang="en-US" altLang="zh-CN" sz="2000" dirty="0">
+              <a:solidFill>
+                <a:srgbClr val="3F3F3F"/>
+              </a:solidFill>
+              <a:latin typeface="微软雅黑" panose="020B0503020204020204" charset="-122"/>
+              <a:ea typeface="微软雅黑" panose="020B0503020204020204" charset="-122"/>
+              <a:sym typeface="微软雅黑" panose="020B0503020204020204" charset="-122"/>
+            </a:endParaRPr>
           </a:p>
           <a:p>
             <a:endParaRPr kumimoji="1" lang="zh-CN" altLang="en-US" dirty="0"/>
@@ -12850,11 +11408,6 @@
         </p:txBody>
       </p:sp>
     </p:spTree>
-    <p:extLst>
-      <p:ext uri="{BB962C8B-B14F-4D97-AF65-F5344CB8AC3E}">
-        <p14:creationId xmlns:p14="http://schemas.microsoft.com/office/powerpoint/2010/main" val="640293477"/>
-      </p:ext>
-    </p:extLst>
   </p:cSld>
   <p:clrMapOvr>
     <a:masterClrMapping/>
@@ -12911,9 +11464,9 @@
                 <a:solidFill>
                   <a:srgbClr val="F50A64"/>
                 </a:solidFill>
-                <a:latin typeface="微软雅黑" charset="-122"/>
-                <a:ea typeface="微软雅黑" charset="-122"/>
-                <a:sym typeface="微软雅黑" charset="-122"/>
+                <a:latin typeface="微软雅黑" panose="020B0503020204020204" charset="-122"/>
+                <a:ea typeface="微软雅黑" panose="020B0503020204020204" charset="-122"/>
+                <a:sym typeface="微软雅黑" panose="020B0503020204020204" charset="-122"/>
               </a:rPr>
               <a:t>Vue</a:t>
             </a:r>
@@ -12922,9 +11475,9 @@
                 <a:solidFill>
                   <a:srgbClr val="F50A64"/>
                 </a:solidFill>
-                <a:latin typeface="微软雅黑" charset="-122"/>
-                <a:ea typeface="微软雅黑" charset="-122"/>
-                <a:sym typeface="微软雅黑" charset="-122"/>
+                <a:latin typeface="微软雅黑" panose="020B0503020204020204" charset="-122"/>
+                <a:ea typeface="微软雅黑" panose="020B0503020204020204" charset="-122"/>
+                <a:sym typeface="微软雅黑" panose="020B0503020204020204" charset="-122"/>
               </a:rPr>
               <a:t>实例生命</a:t>
             </a:r>
@@ -12933,52 +11486,30 @@
                 <a:solidFill>
                   <a:srgbClr val="F50A64"/>
                 </a:solidFill>
-                <a:latin typeface="微软雅黑" charset="-122"/>
-                <a:ea typeface="微软雅黑" charset="-122"/>
-                <a:sym typeface="微软雅黑" charset="-122"/>
+                <a:latin typeface="微软雅黑" panose="020B0503020204020204" charset="-122"/>
+                <a:ea typeface="微软雅黑" panose="020B0503020204020204" charset="-122"/>
+                <a:sym typeface="微软雅黑" panose="020B0503020204020204" charset="-122"/>
               </a:rPr>
               <a:t>周期</a:t>
-            </a:r>
-            <a:r>
-              <a:rPr lang="en-US" altLang="zh-CN" sz="3600" b="1" dirty="0" smtClean="0">
-                <a:solidFill>
-                  <a:srgbClr val="F50A64"/>
-                </a:solidFill>
-                <a:latin typeface="微软雅黑" charset="-122"/>
-                <a:ea typeface="微软雅黑" charset="-122"/>
-                <a:sym typeface="微软雅黑" charset="-122"/>
-              </a:rPr>
-              <a:t/>
             </a:r>
             <a:br>
               <a:rPr lang="en-US" altLang="zh-CN" sz="3600" b="1" dirty="0" smtClean="0">
                 <a:solidFill>
                   <a:srgbClr val="F50A64"/>
                 </a:solidFill>
-                <a:latin typeface="微软雅黑" charset="-122"/>
-                <a:ea typeface="微软雅黑" charset="-122"/>
-                <a:sym typeface="微软雅黑" charset="-122"/>
+                <a:latin typeface="微软雅黑" panose="020B0503020204020204" charset="-122"/>
+                <a:ea typeface="微软雅黑" panose="020B0503020204020204" charset="-122"/>
+                <a:sym typeface="微软雅黑" panose="020B0503020204020204" charset="-122"/>
               </a:rPr>
             </a:br>
-            <a:r>
-              <a:rPr lang="en-US" altLang="zh-CN" sz="3600" b="1" dirty="0" smtClean="0">
-                <a:solidFill>
-                  <a:srgbClr val="F50A64"/>
-                </a:solidFill>
-                <a:latin typeface="微软雅黑" charset="-122"/>
-                <a:ea typeface="微软雅黑" charset="-122"/>
-                <a:sym typeface="微软雅黑" charset="-122"/>
-              </a:rPr>
-              <a:t/>
-            </a:r>
             <a:br>
               <a:rPr lang="en-US" altLang="zh-CN" sz="3600" b="1" dirty="0" smtClean="0">
                 <a:solidFill>
                   <a:srgbClr val="F50A64"/>
                 </a:solidFill>
-                <a:latin typeface="微软雅黑" charset="-122"/>
-                <a:ea typeface="微软雅黑" charset="-122"/>
-                <a:sym typeface="微软雅黑" charset="-122"/>
+                <a:latin typeface="微软雅黑" panose="020B0503020204020204" charset="-122"/>
+                <a:ea typeface="微软雅黑" panose="020B0503020204020204" charset="-122"/>
+                <a:sym typeface="微软雅黑" panose="020B0503020204020204" charset="-122"/>
               </a:rPr>
             </a:br>
             <a:r>
@@ -12986,8 +11517,8 @@
                 <a:solidFill>
                   <a:srgbClr val="3F3F3F"/>
                 </a:solidFill>
-                <a:latin typeface="微软雅黑" charset="-122"/>
-                <a:ea typeface="微软雅黑" charset="-122"/>
+                <a:latin typeface="微软雅黑" panose="020B0503020204020204" charset="-122"/>
+                <a:ea typeface="微软雅黑" panose="020B0503020204020204" charset="-122"/>
               </a:rPr>
               <a:t>Vue</a:t>
             </a:r>
@@ -12996,8 +11527,8 @@
                 <a:solidFill>
                   <a:srgbClr val="3F3F3F"/>
                 </a:solidFill>
-                <a:latin typeface="微软雅黑" charset="-122"/>
-                <a:ea typeface="微软雅黑" charset="-122"/>
+                <a:latin typeface="微软雅黑" panose="020B0503020204020204" charset="-122"/>
+                <a:ea typeface="微软雅黑" panose="020B0503020204020204" charset="-122"/>
               </a:rPr>
               <a:t>实例从创建到销毁的过程，就是生命周期</a:t>
             </a:r>
@@ -13006,29 +11537,18 @@
                 <a:solidFill>
                   <a:srgbClr val="3F3F3F"/>
                 </a:solidFill>
-                <a:latin typeface="微软雅黑" charset="-122"/>
-                <a:ea typeface="微软雅黑" charset="-122"/>
+                <a:latin typeface="微软雅黑" panose="020B0503020204020204" charset="-122"/>
+                <a:ea typeface="微软雅黑" panose="020B0503020204020204" charset="-122"/>
               </a:rPr>
             </a:br>
-            <a:r>
-              <a:rPr lang="en-US" altLang="zh-CN" b="1" dirty="0">
-                <a:solidFill>
-                  <a:srgbClr val="F50A64"/>
-                </a:solidFill>
-                <a:latin typeface="微软雅黑" charset="-122"/>
-                <a:ea typeface="微软雅黑" charset="-122"/>
-                <a:sym typeface="微软雅黑" charset="-122"/>
-              </a:rPr>
-              <a:t/>
-            </a:r>
             <a:br>
               <a:rPr lang="en-US" altLang="zh-CN" b="1" dirty="0">
                 <a:solidFill>
                   <a:srgbClr val="F50A64"/>
                 </a:solidFill>
-                <a:latin typeface="微软雅黑" charset="-122"/>
-                <a:ea typeface="微软雅黑" charset="-122"/>
-                <a:sym typeface="微软雅黑" charset="-122"/>
+                <a:latin typeface="微软雅黑" panose="020B0503020204020204" charset="-122"/>
+                <a:ea typeface="微软雅黑" panose="020B0503020204020204" charset="-122"/>
+                <a:sym typeface="微软雅黑" panose="020B0503020204020204" charset="-122"/>
               </a:rPr>
             </a:br>
             <a:endParaRPr kumimoji="1" lang="zh-CN" altLang="en-US" dirty="0"/>
@@ -13061,7 +11581,7 @@
               <a:buClr>
                 <a:srgbClr val="7F7F7F"/>
               </a:buClr>
-              <a:buFont typeface="Wingdings" charset="2"/>
+              <a:buFont typeface="Wingdings" panose="05000000000000000000" pitchFamily="2" charset="2"/>
               <a:buChar char="l"/>
             </a:pPr>
             <a:r>
@@ -13069,11 +11589,18 @@
                 <a:solidFill>
                   <a:srgbClr val="3F3F3F"/>
                 </a:solidFill>
-                <a:latin typeface="微软雅黑" charset="-122"/>
-                <a:ea typeface="微软雅黑" charset="-122"/>
+                <a:latin typeface="微软雅黑" panose="020B0503020204020204" charset="-122"/>
+                <a:ea typeface="微软雅黑" panose="020B0503020204020204" charset="-122"/>
               </a:rPr>
               <a:t>钩子函数：</a:t>
             </a:r>
+            <a:endParaRPr lang="zh-CN" altLang="en-US" sz="2000" dirty="0">
+              <a:solidFill>
+                <a:srgbClr val="3F3F3F"/>
+              </a:solidFill>
+              <a:latin typeface="微软雅黑" panose="020B0503020204020204" charset="-122"/>
+              <a:ea typeface="微软雅黑" panose="020B0503020204020204" charset="-122"/>
+            </a:endParaRPr>
           </a:p>
           <a:p>
             <a:pPr marL="0" lvl="1">
@@ -13087,8 +11614,8 @@
                 <a:solidFill>
                   <a:srgbClr val="3F3F3F"/>
                 </a:solidFill>
-                <a:latin typeface="微软雅黑" charset="-122"/>
-                <a:ea typeface="微软雅黑" charset="-122"/>
+                <a:latin typeface="微软雅黑" panose="020B0503020204020204" charset="-122"/>
+                <a:ea typeface="微软雅黑" panose="020B0503020204020204" charset="-122"/>
               </a:rPr>
               <a:t>	</a:t>
             </a:r>
@@ -13097,8 +11624,8 @@
                 <a:solidFill>
                   <a:srgbClr val="7F7F7F"/>
                 </a:solidFill>
-                <a:latin typeface="微软雅黑" charset="-122"/>
-                <a:ea typeface="微软雅黑" charset="-122"/>
+                <a:latin typeface="微软雅黑" panose="020B0503020204020204" charset="-122"/>
+                <a:ea typeface="微软雅黑" panose="020B0503020204020204" charset="-122"/>
               </a:rPr>
               <a:t>beforeCreate</a:t>
             </a:r>
@@ -13107,11 +11634,18 @@
                 <a:solidFill>
                   <a:srgbClr val="7F7F7F"/>
                 </a:solidFill>
-                <a:latin typeface="微软雅黑" charset="-122"/>
-                <a:ea typeface="微软雅黑" charset="-122"/>
+                <a:latin typeface="微软雅黑" panose="020B0503020204020204" charset="-122"/>
+                <a:ea typeface="微软雅黑" panose="020B0503020204020204" charset="-122"/>
               </a:rPr>
               <a:t>  :  数据绑定前</a:t>
             </a:r>
+            <a:endParaRPr lang="en-US" altLang="zh-CN" sz="1800" dirty="0">
+              <a:solidFill>
+                <a:srgbClr val="7F7F7F"/>
+              </a:solidFill>
+              <a:latin typeface="微软雅黑" panose="020B0503020204020204" charset="-122"/>
+              <a:ea typeface="微软雅黑" panose="020B0503020204020204" charset="-122"/>
+            </a:endParaRPr>
           </a:p>
           <a:p>
             <a:pPr marL="0" lvl="1">
@@ -13125,11 +11659,18 @@
                 <a:solidFill>
                   <a:srgbClr val="7F7F7F"/>
                 </a:solidFill>
-                <a:latin typeface="微软雅黑" charset="-122"/>
-                <a:ea typeface="微软雅黑" charset="-122"/>
+                <a:latin typeface="微软雅黑" panose="020B0503020204020204" charset="-122"/>
+                <a:ea typeface="微软雅黑" panose="020B0503020204020204" charset="-122"/>
               </a:rPr>
               <a:t>	          created :  数据绑定后</a:t>
             </a:r>
+            <a:endParaRPr lang="en-US" altLang="zh-CN" sz="1800" dirty="0">
+              <a:solidFill>
+                <a:srgbClr val="7F7F7F"/>
+              </a:solidFill>
+              <a:latin typeface="微软雅黑" panose="020B0503020204020204" charset="-122"/>
+              <a:ea typeface="微软雅黑" panose="020B0503020204020204" charset="-122"/>
+            </a:endParaRPr>
           </a:p>
           <a:p>
             <a:pPr marL="0" lvl="1">
@@ -13143,8 +11684,8 @@
                 <a:solidFill>
                   <a:srgbClr val="7F7F7F"/>
                 </a:solidFill>
-                <a:latin typeface="微软雅黑" charset="-122"/>
-                <a:ea typeface="微软雅黑" charset="-122"/>
+                <a:latin typeface="微软雅黑" panose="020B0503020204020204" charset="-122"/>
+                <a:ea typeface="微软雅黑" panose="020B0503020204020204" charset="-122"/>
               </a:rPr>
               <a:t>	</a:t>
             </a:r>
@@ -13153,8 +11694,8 @@
                 <a:solidFill>
                   <a:srgbClr val="7F7F7F"/>
                 </a:solidFill>
-                <a:latin typeface="微软雅黑" charset="-122"/>
-                <a:ea typeface="微软雅黑" charset="-122"/>
+                <a:latin typeface="微软雅黑" panose="020B0503020204020204" charset="-122"/>
+                <a:ea typeface="微软雅黑" panose="020B0503020204020204" charset="-122"/>
               </a:rPr>
               <a:t>beforeMount</a:t>
             </a:r>
@@ -13163,11 +11704,18 @@
                 <a:solidFill>
                   <a:srgbClr val="7F7F7F"/>
                 </a:solidFill>
-                <a:latin typeface="微软雅黑" charset="-122"/>
-                <a:ea typeface="微软雅黑" charset="-122"/>
+                <a:latin typeface="微软雅黑" panose="020B0503020204020204" charset="-122"/>
+                <a:ea typeface="微软雅黑" panose="020B0503020204020204" charset="-122"/>
               </a:rPr>
               <a:t>  :  挂载之前</a:t>
             </a:r>
+            <a:endParaRPr lang="en-US" altLang="zh-CN" sz="1800" dirty="0">
+              <a:solidFill>
+                <a:srgbClr val="7F7F7F"/>
+              </a:solidFill>
+              <a:latin typeface="微软雅黑" panose="020B0503020204020204" charset="-122"/>
+              <a:ea typeface="微软雅黑" panose="020B0503020204020204" charset="-122"/>
+            </a:endParaRPr>
           </a:p>
           <a:p>
             <a:pPr marL="0" lvl="1">
@@ -13181,11 +11729,18 @@
                 <a:solidFill>
                   <a:srgbClr val="7F7F7F"/>
                 </a:solidFill>
-                <a:latin typeface="微软雅黑" charset="-122"/>
-                <a:ea typeface="微软雅黑" charset="-122"/>
+                <a:latin typeface="微软雅黑" panose="020B0503020204020204" charset="-122"/>
+                <a:ea typeface="微软雅黑" panose="020B0503020204020204" charset="-122"/>
               </a:rPr>
               <a:t>	       mounted  :  挂载之后</a:t>
             </a:r>
+            <a:endParaRPr lang="en-US" altLang="zh-CN" sz="1800" dirty="0">
+              <a:solidFill>
+                <a:srgbClr val="7F7F7F"/>
+              </a:solidFill>
+              <a:latin typeface="微软雅黑" panose="020B0503020204020204" charset="-122"/>
+              <a:ea typeface="微软雅黑" panose="020B0503020204020204" charset="-122"/>
+            </a:endParaRPr>
           </a:p>
           <a:p>
             <a:pPr marL="0" lvl="1">
@@ -13199,8 +11754,8 @@
                 <a:solidFill>
                   <a:srgbClr val="7F7F7F"/>
                 </a:solidFill>
-                <a:latin typeface="微软雅黑" charset="-122"/>
-                <a:ea typeface="微软雅黑" charset="-122"/>
+                <a:latin typeface="微软雅黑" panose="020B0503020204020204" charset="-122"/>
+                <a:ea typeface="微软雅黑" panose="020B0503020204020204" charset="-122"/>
               </a:rPr>
               <a:t>             </a:t>
             </a:r>
@@ -13209,8 +11764,8 @@
                 <a:solidFill>
                   <a:srgbClr val="7F7F7F"/>
                 </a:solidFill>
-                <a:latin typeface="微软雅黑" charset="-122"/>
-                <a:ea typeface="微软雅黑" charset="-122"/>
+                <a:latin typeface="微软雅黑" panose="020B0503020204020204" charset="-122"/>
+                <a:ea typeface="微软雅黑" panose="020B0503020204020204" charset="-122"/>
               </a:rPr>
               <a:t>beforeUpdate</a:t>
             </a:r>
@@ -13219,11 +11774,18 @@
                 <a:solidFill>
                   <a:srgbClr val="7F7F7F"/>
                 </a:solidFill>
-                <a:latin typeface="微软雅黑" charset="-122"/>
-                <a:ea typeface="微软雅黑" charset="-122"/>
+                <a:latin typeface="微软雅黑" panose="020B0503020204020204" charset="-122"/>
+                <a:ea typeface="微软雅黑" panose="020B0503020204020204" charset="-122"/>
               </a:rPr>
               <a:t>  :  更新之前</a:t>
             </a:r>
+            <a:endParaRPr lang="en-US" altLang="zh-CN" sz="1800" dirty="0">
+              <a:solidFill>
+                <a:srgbClr val="7F7F7F"/>
+              </a:solidFill>
+              <a:latin typeface="微软雅黑" panose="020B0503020204020204" charset="-122"/>
+              <a:ea typeface="微软雅黑" panose="020B0503020204020204" charset="-122"/>
+            </a:endParaRPr>
           </a:p>
           <a:p>
             <a:pPr marL="0" lvl="1">
@@ -13237,11 +11799,18 @@
                 <a:solidFill>
                   <a:srgbClr val="7F7F7F"/>
                 </a:solidFill>
-                <a:latin typeface="微软雅黑" charset="-122"/>
-                <a:ea typeface="微软雅黑" charset="-122"/>
+                <a:latin typeface="微软雅黑" panose="020B0503020204020204" charset="-122"/>
+                <a:ea typeface="微软雅黑" panose="020B0503020204020204" charset="-122"/>
               </a:rPr>
               <a:t>                      updated  :  更新之后</a:t>
             </a:r>
+            <a:endParaRPr lang="en-US" altLang="zh-CN" sz="1800" dirty="0">
+              <a:solidFill>
+                <a:srgbClr val="7F7F7F"/>
+              </a:solidFill>
+              <a:latin typeface="微软雅黑" panose="020B0503020204020204" charset="-122"/>
+              <a:ea typeface="微软雅黑" panose="020B0503020204020204" charset="-122"/>
+            </a:endParaRPr>
           </a:p>
           <a:p>
             <a:pPr marL="0" lvl="1">
@@ -13255,8 +11824,8 @@
                 <a:solidFill>
                   <a:srgbClr val="7F7F7F"/>
                 </a:solidFill>
-                <a:latin typeface="微软雅黑" charset="-122"/>
-                <a:ea typeface="微软雅黑" charset="-122"/>
+                <a:latin typeface="微软雅黑" panose="020B0503020204020204" charset="-122"/>
+                <a:ea typeface="微软雅黑" panose="020B0503020204020204" charset="-122"/>
               </a:rPr>
               <a:t>             </a:t>
             </a:r>
@@ -13265,8 +11834,8 @@
                 <a:solidFill>
                   <a:srgbClr val="7F7F7F"/>
                 </a:solidFill>
-                <a:latin typeface="微软雅黑" charset="-122"/>
-                <a:ea typeface="微软雅黑" charset="-122"/>
+                <a:latin typeface="微软雅黑" panose="020B0503020204020204" charset="-122"/>
+                <a:ea typeface="微软雅黑" panose="020B0503020204020204" charset="-122"/>
               </a:rPr>
               <a:t>beforeDestroy</a:t>
             </a:r>
@@ -13275,8 +11844,8 @@
                 <a:solidFill>
                   <a:srgbClr val="7F7F7F"/>
                 </a:solidFill>
-                <a:latin typeface="微软雅黑" charset="-122"/>
-                <a:ea typeface="微软雅黑" charset="-122"/>
+                <a:latin typeface="微软雅黑" panose="020B0503020204020204" charset="-122"/>
+                <a:ea typeface="微软雅黑" panose="020B0503020204020204" charset="-122"/>
               </a:rPr>
               <a:t> :  </a:t>
             </a:r>
@@ -13285,11 +11854,18 @@
                 <a:solidFill>
                   <a:srgbClr val="7F7F7F"/>
                 </a:solidFill>
-                <a:latin typeface="微软雅黑" charset="-122"/>
-                <a:ea typeface="微软雅黑" charset="-122"/>
+                <a:latin typeface="微软雅黑" panose="020B0503020204020204" charset="-122"/>
+                <a:ea typeface="微软雅黑" panose="020B0503020204020204" charset="-122"/>
               </a:rPr>
               <a:t>销毁之前</a:t>
             </a:r>
+            <a:endParaRPr lang="zh-CN" altLang="en-US" sz="1800" dirty="0">
+              <a:solidFill>
+                <a:srgbClr val="7F7F7F"/>
+              </a:solidFill>
+              <a:latin typeface="微软雅黑" panose="020B0503020204020204" charset="-122"/>
+              <a:ea typeface="微软雅黑" panose="020B0503020204020204" charset="-122"/>
+            </a:endParaRPr>
           </a:p>
           <a:p>
             <a:pPr marL="0" lvl="1">
@@ -13303,8 +11879,8 @@
                 <a:solidFill>
                   <a:srgbClr val="7F7F7F"/>
                 </a:solidFill>
-                <a:latin typeface="微软雅黑" charset="-122"/>
-                <a:ea typeface="微软雅黑" charset="-122"/>
+                <a:latin typeface="微软雅黑" panose="020B0503020204020204" charset="-122"/>
+                <a:ea typeface="微软雅黑" panose="020B0503020204020204" charset="-122"/>
               </a:rPr>
               <a:t>                   destroyed  </a:t>
             </a:r>
@@ -13313,8 +11889,8 @@
                 <a:solidFill>
                   <a:srgbClr val="7F7F7F"/>
                 </a:solidFill>
-                <a:latin typeface="微软雅黑" charset="-122"/>
-                <a:ea typeface="微软雅黑" charset="-122"/>
+                <a:latin typeface="微软雅黑" panose="020B0503020204020204" charset="-122"/>
+                <a:ea typeface="微软雅黑" panose="020B0503020204020204" charset="-122"/>
               </a:rPr>
               <a:t>:  </a:t>
             </a:r>
@@ -13323,11 +11899,18 @@
                 <a:solidFill>
                   <a:srgbClr val="7F7F7F"/>
                 </a:solidFill>
-                <a:latin typeface="微软雅黑" charset="-122"/>
-                <a:ea typeface="微软雅黑" charset="-122"/>
+                <a:latin typeface="微软雅黑" panose="020B0503020204020204" charset="-122"/>
+                <a:ea typeface="微软雅黑" panose="020B0503020204020204" charset="-122"/>
               </a:rPr>
               <a:t>销毁之后</a:t>
             </a:r>
+            <a:endParaRPr lang="zh-CN" altLang="en-US" sz="1800" dirty="0">
+              <a:solidFill>
+                <a:srgbClr val="7F7F7F"/>
+              </a:solidFill>
+              <a:latin typeface="微软雅黑" panose="020B0503020204020204" charset="-122"/>
+              <a:ea typeface="微软雅黑" panose="020B0503020204020204" charset="-122"/>
+            </a:endParaRPr>
           </a:p>
           <a:p>
             <a:endParaRPr kumimoji="1" lang="zh-CN" altLang="en-US" dirty="0"/>
@@ -13345,7 +11928,7 @@
           </p:nvPr>
         </p:nvPicPr>
         <p:blipFill>
-          <a:blip r:embed="rId2">
+          <a:blip r:embed="rId1">
             <a:extLst>
               <a:ext uri="{28A0092B-C50C-407E-A947-70E740481C1C}">
                 <a14:useLocalDpi xmlns:a14="http://schemas.microsoft.com/office/drawing/2010/main" val="0"/>
@@ -13391,11 +11974,6 @@
         </p:spPr>
       </p:pic>
     </p:spTree>
-    <p:extLst>
-      <p:ext uri="{BB962C8B-B14F-4D97-AF65-F5344CB8AC3E}">
-        <p14:creationId xmlns:p14="http://schemas.microsoft.com/office/powerpoint/2010/main" val="1842239535"/>
-      </p:ext>
-    </p:extLst>
   </p:cSld>
   <p:clrMapOvr>
     <a:masterClrMapping/>
@@ -13445,9 +12023,9 @@
                 <a:solidFill>
                   <a:srgbClr val="F50A64"/>
                 </a:solidFill>
-                <a:latin typeface="微软雅黑" charset="-122"/>
-                <a:ea typeface="微软雅黑" charset="-122"/>
-                <a:sym typeface="微软雅黑" charset="-122"/>
+                <a:latin typeface="微软雅黑" panose="020B0503020204020204" charset="-122"/>
+                <a:ea typeface="微软雅黑" panose="020B0503020204020204" charset="-122"/>
+                <a:sym typeface="微软雅黑" panose="020B0503020204020204" charset="-122"/>
               </a:rPr>
               <a:t>Vue</a:t>
             </a:r>
@@ -13456,9 +12034,9 @@
                 <a:solidFill>
                   <a:srgbClr val="F50A64"/>
                 </a:solidFill>
-                <a:latin typeface="微软雅黑" charset="-122"/>
-                <a:ea typeface="微软雅黑" charset="-122"/>
-                <a:sym typeface="微软雅黑" charset="-122"/>
+                <a:latin typeface="微软雅黑" panose="020B0503020204020204" charset="-122"/>
+                <a:ea typeface="微软雅黑" panose="020B0503020204020204" charset="-122"/>
+                <a:sym typeface="微软雅黑" panose="020B0503020204020204" charset="-122"/>
               </a:rPr>
               <a:t>指令</a:t>
             </a:r>
@@ -13499,9 +12077,9 @@
                 <a:solidFill>
                   <a:srgbClr val="3F3F3F"/>
                 </a:solidFill>
-                <a:latin typeface="微软雅黑" charset="-122"/>
-                <a:ea typeface="微软雅黑" charset="-122"/>
-                <a:sym typeface="微软雅黑" charset="-122"/>
+                <a:latin typeface="微软雅黑" panose="020B0503020204020204" charset="-122"/>
+                <a:ea typeface="微软雅黑" panose="020B0503020204020204" charset="-122"/>
+                <a:sym typeface="微软雅黑" panose="020B0503020204020204" charset="-122"/>
               </a:rPr>
               <a:t>指令是行间内特殊的属性，以</a:t>
             </a:r>
@@ -13510,9 +12088,9 @@
                 <a:solidFill>
                   <a:srgbClr val="3F3F3F"/>
                 </a:solidFill>
-                <a:latin typeface="微软雅黑" charset="-122"/>
-                <a:ea typeface="微软雅黑" charset="-122"/>
-                <a:sym typeface="微软雅黑" charset="-122"/>
+                <a:latin typeface="微软雅黑" panose="020B0503020204020204" charset="-122"/>
+                <a:ea typeface="微软雅黑" panose="020B0503020204020204" charset="-122"/>
+                <a:sym typeface="微软雅黑" panose="020B0503020204020204" charset="-122"/>
               </a:rPr>
               <a:t>v-</a:t>
             </a:r>
@@ -13521,12 +12099,20 @@
                 <a:solidFill>
                   <a:srgbClr val="3F3F3F"/>
                 </a:solidFill>
-                <a:latin typeface="微软雅黑" charset="-122"/>
-                <a:ea typeface="微软雅黑" charset="-122"/>
-                <a:sym typeface="微软雅黑" charset="-122"/>
+                <a:latin typeface="微软雅黑" panose="020B0503020204020204" charset="-122"/>
+                <a:ea typeface="微软雅黑" panose="020B0503020204020204" charset="-122"/>
+                <a:sym typeface="微软雅黑" panose="020B0503020204020204" charset="-122"/>
               </a:rPr>
               <a:t>开头，</a:t>
             </a:r>
+            <a:endParaRPr lang="zh-CN" altLang="en-US" sz="2000" dirty="0">
+              <a:solidFill>
+                <a:srgbClr val="3F3F3F"/>
+              </a:solidFill>
+              <a:latin typeface="微软雅黑" panose="020B0503020204020204" charset="-122"/>
+              <a:ea typeface="微软雅黑" panose="020B0503020204020204" charset="-122"/>
+              <a:sym typeface="微软雅黑" panose="020B0503020204020204" charset="-122"/>
+            </a:endParaRPr>
           </a:p>
           <a:p>
             <a:pPr marL="0" lvl="1" indent="0">
@@ -13540,12 +12126,20 @@
                 <a:solidFill>
                   <a:srgbClr val="3F3F3F"/>
                 </a:solidFill>
-                <a:latin typeface="微软雅黑" charset="-122"/>
-                <a:ea typeface="微软雅黑" charset="-122"/>
-                <a:sym typeface="微软雅黑" charset="-122"/>
+                <a:latin typeface="微软雅黑" panose="020B0503020204020204" charset="-122"/>
+                <a:ea typeface="微软雅黑" panose="020B0503020204020204" charset="-122"/>
+                <a:sym typeface="微软雅黑" panose="020B0503020204020204" charset="-122"/>
               </a:rPr>
               <a:t>指令的职责就是当其表达式的值改变时相应地将某些行为应用到DOM 上</a:t>
             </a:r>
+            <a:endParaRPr lang="zh-CN" altLang="en-US" sz="2000" dirty="0">
+              <a:solidFill>
+                <a:srgbClr val="3F3F3F"/>
+              </a:solidFill>
+              <a:latin typeface="微软雅黑" panose="020B0503020204020204" charset="-122"/>
+              <a:ea typeface="微软雅黑" panose="020B0503020204020204" charset="-122"/>
+              <a:sym typeface="微软雅黑" panose="020B0503020204020204" charset="-122"/>
+            </a:endParaRPr>
           </a:p>
           <a:p>
             <a:pPr marL="0" lvl="1" indent="0">
@@ -13558,8 +12152,8 @@
               <a:solidFill>
                 <a:srgbClr val="7F7F7F"/>
               </a:solidFill>
-              <a:latin typeface="微软雅黑" charset="-122"/>
-              <a:ea typeface="微软雅黑" charset="-122"/>
+              <a:latin typeface="微软雅黑" panose="020B0503020204020204" charset="-122"/>
+              <a:ea typeface="微软雅黑" panose="020B0503020204020204" charset="-122"/>
             </a:endParaRPr>
           </a:p>
           <a:p>
@@ -13574,11 +12168,18 @@
                 <a:solidFill>
                   <a:srgbClr val="7F7F7F"/>
                 </a:solidFill>
-                <a:latin typeface="微软雅黑" charset="-122"/>
-                <a:ea typeface="微软雅黑" charset="-122"/>
+                <a:latin typeface="微软雅黑" panose="020B0503020204020204" charset="-122"/>
+                <a:ea typeface="微软雅黑" panose="020B0503020204020204" charset="-122"/>
               </a:rPr>
               <a:t>v-bind     动态的绑定数据。简写为 :          </a:t>
             </a:r>
+            <a:endParaRPr lang="zh-CN" altLang="en-US" sz="2000" dirty="0">
+              <a:solidFill>
+                <a:srgbClr val="7F7F7F"/>
+              </a:solidFill>
+              <a:latin typeface="微软雅黑" panose="020B0503020204020204" charset="-122"/>
+              <a:ea typeface="微软雅黑" panose="020B0503020204020204" charset="-122"/>
+            </a:endParaRPr>
           </a:p>
           <a:p>
             <a:pPr marL="0" lvl="1" indent="0">
@@ -13592,8 +12193,8 @@
                 <a:solidFill>
                   <a:srgbClr val="7F7F7F"/>
                 </a:solidFill>
-                <a:latin typeface="微软雅黑" charset="-122"/>
-                <a:ea typeface="微软雅黑" charset="-122"/>
+                <a:latin typeface="微软雅黑" panose="020B0503020204020204" charset="-122"/>
+                <a:ea typeface="微软雅黑" panose="020B0503020204020204" charset="-122"/>
               </a:rPr>
               <a:t>v-on        绑定事件监听器。简写为 @</a:t>
             </a:r>
@@ -13601,8 +12202,8 @@
               <a:solidFill>
                 <a:srgbClr val="7F7F7F"/>
               </a:solidFill>
-              <a:latin typeface="微软雅黑" charset="-122"/>
-              <a:ea typeface="微软雅黑" charset="-122"/>
+              <a:latin typeface="微软雅黑" panose="020B0503020204020204" charset="-122"/>
+              <a:ea typeface="微软雅黑" panose="020B0503020204020204" charset="-122"/>
             </a:endParaRPr>
           </a:p>
           <a:p>
@@ -13617,11 +12218,18 @@
                 <a:solidFill>
                   <a:srgbClr val="7F7F7F"/>
                 </a:solidFill>
-                <a:latin typeface="微软雅黑" charset="-122"/>
-                <a:ea typeface="微软雅黑" charset="-122"/>
+                <a:latin typeface="微软雅黑" panose="020B0503020204020204" charset="-122"/>
+                <a:ea typeface="微软雅黑" panose="020B0503020204020204" charset="-122"/>
               </a:rPr>
               <a:t>v-for        循环数据             </a:t>
             </a:r>
+            <a:endParaRPr lang="zh-CN" altLang="en-US" sz="2000" dirty="0">
+              <a:solidFill>
+                <a:srgbClr val="7F7F7F"/>
+              </a:solidFill>
+              <a:latin typeface="微软雅黑" panose="020B0503020204020204" charset="-122"/>
+              <a:ea typeface="微软雅黑" panose="020B0503020204020204" charset="-122"/>
+            </a:endParaRPr>
           </a:p>
           <a:p>
             <a:pPr marL="0" lvl="1" indent="0">
@@ -13635,11 +12243,18 @@
                 <a:solidFill>
                   <a:srgbClr val="7F7F7F"/>
                 </a:solidFill>
-                <a:latin typeface="微软雅黑" charset="-122"/>
-                <a:ea typeface="微软雅黑" charset="-122"/>
+                <a:latin typeface="微软雅黑" panose="020B0503020204020204" charset="-122"/>
+                <a:ea typeface="微软雅黑" panose="020B0503020204020204" charset="-122"/>
               </a:rPr>
               <a:t>v-model  在表单控件元素上创建双向数据绑定</a:t>
             </a:r>
+            <a:endParaRPr lang="zh-CN" altLang="en-US" sz="2000" dirty="0">
+              <a:solidFill>
+                <a:srgbClr val="7F7F7F"/>
+              </a:solidFill>
+              <a:latin typeface="微软雅黑" panose="020B0503020204020204" charset="-122"/>
+              <a:ea typeface="微软雅黑" panose="020B0503020204020204" charset="-122"/>
+            </a:endParaRPr>
           </a:p>
           <a:p>
             <a:pPr marL="0" lvl="1" indent="0">
@@ -13653,11 +12268,18 @@
                 <a:solidFill>
                   <a:srgbClr val="7F7F7F"/>
                 </a:solidFill>
-                <a:latin typeface="微软雅黑" charset="-122"/>
-                <a:ea typeface="微软雅黑" charset="-122"/>
+                <a:latin typeface="微软雅黑" panose="020B0503020204020204" charset="-122"/>
+                <a:ea typeface="微软雅黑" panose="020B0503020204020204" charset="-122"/>
               </a:rPr>
               <a:t>v-if    v-else-if   v-else     条件判断指令</a:t>
             </a:r>
+            <a:endParaRPr lang="zh-CN" altLang="en-US" sz="2000" dirty="0">
+              <a:solidFill>
+                <a:srgbClr val="7F7F7F"/>
+              </a:solidFill>
+              <a:latin typeface="微软雅黑" panose="020B0503020204020204" charset="-122"/>
+              <a:ea typeface="微软雅黑" panose="020B0503020204020204" charset="-122"/>
+            </a:endParaRPr>
           </a:p>
           <a:p>
             <a:pPr marL="0" lvl="1" indent="0">
@@ -13671,11 +12293,18 @@
                 <a:solidFill>
                   <a:srgbClr val="7F7F7F"/>
                 </a:solidFill>
-                <a:latin typeface="微软雅黑" charset="-122"/>
-                <a:ea typeface="微软雅黑" charset="-122"/>
+                <a:latin typeface="微软雅黑" panose="020B0503020204020204" charset="-122"/>
+                <a:ea typeface="微软雅黑" panose="020B0503020204020204" charset="-122"/>
               </a:rPr>
               <a:t>v-cloak  隐藏未编译的 Mustache语法，css中设置[v-cloak] { display: none } </a:t>
             </a:r>
+            <a:endParaRPr lang="zh-CN" altLang="en-US" sz="2000" dirty="0">
+              <a:solidFill>
+                <a:srgbClr val="7F7F7F"/>
+              </a:solidFill>
+              <a:latin typeface="微软雅黑" panose="020B0503020204020204" charset="-122"/>
+              <a:ea typeface="微软雅黑" panose="020B0503020204020204" charset="-122"/>
+            </a:endParaRPr>
           </a:p>
           <a:p>
             <a:endParaRPr kumimoji="1" lang="zh-CN" altLang="en-US" dirty="0"/>
@@ -13683,11 +12312,6 @@
         </p:txBody>
       </p:sp>
     </p:spTree>
-    <p:extLst>
-      <p:ext uri="{BB962C8B-B14F-4D97-AF65-F5344CB8AC3E}">
-        <p14:creationId xmlns:p14="http://schemas.microsoft.com/office/powerpoint/2010/main" val="1931078243"/>
-      </p:ext>
-    </p:extLst>
   </p:cSld>
   <p:clrMapOvr>
     <a:masterClrMapping/>
@@ -13732,9 +12356,9 @@
                 <a:solidFill>
                   <a:srgbClr val="F50A64"/>
                 </a:solidFill>
-                <a:latin typeface="微软雅黑" charset="-122"/>
-                <a:ea typeface="微软雅黑" charset="-122"/>
-                <a:sym typeface="微软雅黑" charset="-122"/>
+                <a:latin typeface="微软雅黑" panose="020B0503020204020204" charset="-122"/>
+                <a:ea typeface="微软雅黑" panose="020B0503020204020204" charset="-122"/>
+                <a:sym typeface="微软雅黑" panose="020B0503020204020204" charset="-122"/>
               </a:rPr>
               <a:t>条件和列表渲染</a:t>
             </a:r>
@@ -13775,8 +12399,8 @@
                 <a:solidFill>
                   <a:srgbClr val="7F7F7F"/>
                 </a:solidFill>
-                <a:latin typeface="微软雅黑" charset="-122"/>
-                <a:ea typeface="微软雅黑" charset="-122"/>
+                <a:latin typeface="微软雅黑" panose="020B0503020204020204" charset="-122"/>
+                <a:ea typeface="微软雅黑" panose="020B0503020204020204" charset="-122"/>
               </a:rPr>
               <a:t>条件渲染</a:t>
             </a:r>
@@ -13784,8 +12408,8 @@
               <a:solidFill>
                 <a:srgbClr val="7F7F7F"/>
               </a:solidFill>
-              <a:latin typeface="微软雅黑" charset="-122"/>
-              <a:ea typeface="微软雅黑" charset="-122"/>
+              <a:latin typeface="微软雅黑" panose="020B0503020204020204" charset="-122"/>
+              <a:ea typeface="微软雅黑" panose="020B0503020204020204" charset="-122"/>
             </a:endParaRPr>
           </a:p>
           <a:p>
@@ -13800,11 +12424,18 @@
                 <a:solidFill>
                   <a:srgbClr val="7F7F7F"/>
                 </a:solidFill>
-                <a:latin typeface="微软雅黑" charset="-122"/>
-                <a:ea typeface="微软雅黑" charset="-122"/>
+                <a:latin typeface="微软雅黑" panose="020B0503020204020204" charset="-122"/>
+                <a:ea typeface="微软雅黑" panose="020B0503020204020204" charset="-122"/>
               </a:rPr>
               <a:t>	v-if</a:t>
             </a:r>
+            <a:endParaRPr lang="en-US" altLang="zh-CN" sz="2000" dirty="0">
+              <a:solidFill>
+                <a:srgbClr val="7F7F7F"/>
+              </a:solidFill>
+              <a:latin typeface="微软雅黑" panose="020B0503020204020204" charset="-122"/>
+              <a:ea typeface="微软雅黑" panose="020B0503020204020204" charset="-122"/>
+            </a:endParaRPr>
           </a:p>
           <a:p>
             <a:pPr marL="0" lvl="1" indent="0">
@@ -13818,11 +12449,18 @@
                 <a:solidFill>
                   <a:srgbClr val="7F7F7F"/>
                 </a:solidFill>
-                <a:latin typeface="微软雅黑" charset="-122"/>
-                <a:ea typeface="微软雅黑" charset="-122"/>
+                <a:latin typeface="微软雅黑" panose="020B0503020204020204" charset="-122"/>
+                <a:ea typeface="微软雅黑" panose="020B0503020204020204" charset="-122"/>
               </a:rPr>
               <a:t>	v-else-if</a:t>
             </a:r>
+            <a:endParaRPr lang="en-US" altLang="zh-CN" sz="2000" dirty="0">
+              <a:solidFill>
+                <a:srgbClr val="7F7F7F"/>
+              </a:solidFill>
+              <a:latin typeface="微软雅黑" panose="020B0503020204020204" charset="-122"/>
+              <a:ea typeface="微软雅黑" panose="020B0503020204020204" charset="-122"/>
+            </a:endParaRPr>
           </a:p>
           <a:p>
             <a:pPr marL="0" lvl="1" indent="0">
@@ -13836,11 +12474,18 @@
                 <a:solidFill>
                   <a:srgbClr val="7F7F7F"/>
                 </a:solidFill>
-                <a:latin typeface="微软雅黑" charset="-122"/>
-                <a:ea typeface="微软雅黑" charset="-122"/>
+                <a:latin typeface="微软雅黑" panose="020B0503020204020204" charset="-122"/>
+                <a:ea typeface="微软雅黑" panose="020B0503020204020204" charset="-122"/>
               </a:rPr>
               <a:t>	v-else</a:t>
             </a:r>
+            <a:endParaRPr lang="en-US" altLang="zh-CN" sz="2000" dirty="0">
+              <a:solidFill>
+                <a:srgbClr val="7F7F7F"/>
+              </a:solidFill>
+              <a:latin typeface="微软雅黑" panose="020B0503020204020204" charset="-122"/>
+              <a:ea typeface="微软雅黑" panose="020B0503020204020204" charset="-122"/>
+            </a:endParaRPr>
           </a:p>
           <a:p>
             <a:pPr marL="0" lvl="1" indent="0">
@@ -13853,8 +12498,8 @@
               <a:solidFill>
                 <a:srgbClr val="7F7F7F"/>
               </a:solidFill>
-              <a:latin typeface="微软雅黑" charset="-122"/>
-              <a:ea typeface="微软雅黑" charset="-122"/>
+              <a:latin typeface="微软雅黑" panose="020B0503020204020204" charset="-122"/>
+              <a:ea typeface="微软雅黑" panose="020B0503020204020204" charset="-122"/>
             </a:endParaRPr>
           </a:p>
           <a:p>
@@ -13869,11 +12514,18 @@
                 <a:solidFill>
                   <a:srgbClr val="7F7F7F"/>
                 </a:solidFill>
-                <a:latin typeface="微软雅黑" charset="-122"/>
-                <a:ea typeface="微软雅黑" charset="-122"/>
+                <a:latin typeface="微软雅黑" panose="020B0503020204020204" charset="-122"/>
+                <a:ea typeface="微软雅黑" panose="020B0503020204020204" charset="-122"/>
               </a:rPr>
               <a:t>列表渲染</a:t>
             </a:r>
+            <a:endParaRPr lang="zh-CN" altLang="en-US" sz="2000" dirty="0">
+              <a:solidFill>
+                <a:srgbClr val="7F7F7F"/>
+              </a:solidFill>
+              <a:latin typeface="微软雅黑" panose="020B0503020204020204" charset="-122"/>
+              <a:ea typeface="微软雅黑" panose="020B0503020204020204" charset="-122"/>
+            </a:endParaRPr>
           </a:p>
           <a:p>
             <a:pPr marL="0" lvl="1" indent="0">
@@ -13887,8 +12539,8 @@
                 <a:solidFill>
                   <a:srgbClr val="7F7F7F"/>
                 </a:solidFill>
-                <a:latin typeface="微软雅黑" charset="-122"/>
-                <a:ea typeface="微软雅黑" charset="-122"/>
+                <a:latin typeface="微软雅黑" panose="020B0503020204020204" charset="-122"/>
+                <a:ea typeface="微软雅黑" panose="020B0503020204020204" charset="-122"/>
               </a:rPr>
               <a:t>	v-for =  "</a:t>
             </a:r>
@@ -13897,8 +12549,8 @@
                 <a:solidFill>
                   <a:srgbClr val="7F7F7F"/>
                 </a:solidFill>
-                <a:latin typeface="微软雅黑" charset="-122"/>
-                <a:ea typeface="微软雅黑" charset="-122"/>
+                <a:latin typeface="微软雅黑" panose="020B0503020204020204" charset="-122"/>
+                <a:ea typeface="微软雅黑" panose="020B0503020204020204" charset="-122"/>
               </a:rPr>
               <a:t>key,value</a:t>
             </a:r>
@@ -13907,11 +12559,18 @@
                 <a:solidFill>
                   <a:srgbClr val="7F7F7F"/>
                 </a:solidFill>
-                <a:latin typeface="微软雅黑" charset="-122"/>
-                <a:ea typeface="微软雅黑" charset="-122"/>
+                <a:latin typeface="微软雅黑" panose="020B0503020204020204" charset="-122"/>
+                <a:ea typeface="微软雅黑" panose="020B0503020204020204" charset="-122"/>
               </a:rPr>
               <a:t> in array"</a:t>
             </a:r>
+            <a:endParaRPr lang="en-US" altLang="zh-CN" sz="2000" dirty="0">
+              <a:solidFill>
+                <a:srgbClr val="7F7F7F"/>
+              </a:solidFill>
+              <a:latin typeface="微软雅黑" panose="020B0503020204020204" charset="-122"/>
+              <a:ea typeface="微软雅黑" panose="020B0503020204020204" charset="-122"/>
+            </a:endParaRPr>
           </a:p>
           <a:p>
             <a:pPr marL="0" lvl="1" indent="0">
@@ -13925,18 +12584,18 @@
                 <a:solidFill>
                   <a:srgbClr val="7F7F7F"/>
                 </a:solidFill>
-                <a:latin typeface="微软雅黑" charset="-122"/>
-                <a:ea typeface="微软雅黑" charset="-122"/>
-              </a:rPr>
-              <a:t>            v-for =  "</a:t>
+                <a:latin typeface="微软雅黑" panose="020B0503020204020204" charset="-122"/>
+                <a:ea typeface="微软雅黑" panose="020B0503020204020204" charset="-122"/>
+              </a:rPr>
+              <a:t>       v-for =  "</a:t>
             </a:r>
             <a:r>
               <a:rPr lang="en-US" altLang="zh-CN" sz="2000" dirty="0" err="1">
                 <a:solidFill>
                   <a:srgbClr val="7F7F7F"/>
                 </a:solidFill>
-                <a:latin typeface="微软雅黑" charset="-122"/>
-                <a:ea typeface="微软雅黑" charset="-122"/>
+                <a:latin typeface="微软雅黑" panose="020B0503020204020204" charset="-122"/>
+                <a:ea typeface="微软雅黑" panose="020B0503020204020204" charset="-122"/>
               </a:rPr>
               <a:t>key,value,index</a:t>
             </a:r>
@@ -13945,11 +12604,18 @@
                 <a:solidFill>
                   <a:srgbClr val="7F7F7F"/>
                 </a:solidFill>
-                <a:latin typeface="微软雅黑" charset="-122"/>
-                <a:ea typeface="微软雅黑" charset="-122"/>
+                <a:latin typeface="微软雅黑" panose="020B0503020204020204" charset="-122"/>
+                <a:ea typeface="微软雅黑" panose="020B0503020204020204" charset="-122"/>
               </a:rPr>
               <a:t> in object"</a:t>
             </a:r>
+            <a:endParaRPr lang="en-US" altLang="zh-CN" sz="2000" dirty="0">
+              <a:solidFill>
+                <a:srgbClr val="7F7F7F"/>
+              </a:solidFill>
+              <a:latin typeface="微软雅黑" panose="020B0503020204020204" charset="-122"/>
+              <a:ea typeface="微软雅黑" panose="020B0503020204020204" charset="-122"/>
+            </a:endParaRPr>
           </a:p>
           <a:p>
             <a:pPr marL="0" lvl="1" indent="0">
@@ -13962,8 +12628,8 @@
               <a:solidFill>
                 <a:srgbClr val="7F7F7F"/>
               </a:solidFill>
-              <a:latin typeface="微软雅黑" charset="-122"/>
-              <a:ea typeface="微软雅黑" charset="-122"/>
+              <a:latin typeface="微软雅黑" panose="020B0503020204020204" charset="-122"/>
+              <a:ea typeface="微软雅黑" panose="020B0503020204020204" charset="-122"/>
             </a:endParaRPr>
           </a:p>
           <a:p>
@@ -13978,8 +12644,8 @@
                 <a:solidFill>
                   <a:srgbClr val="7F7F7F"/>
                 </a:solidFill>
-                <a:latin typeface="微软雅黑" charset="-122"/>
-                <a:ea typeface="微软雅黑" charset="-122"/>
+                <a:latin typeface="微软雅黑" panose="020B0503020204020204" charset="-122"/>
+                <a:ea typeface="微软雅黑" panose="020B0503020204020204" charset="-122"/>
               </a:rPr>
               <a:t>	key</a:t>
             </a:r>
@@ -13988,11 +12654,18 @@
                 <a:solidFill>
                   <a:srgbClr val="7F7F7F"/>
                 </a:solidFill>
-                <a:latin typeface="微软雅黑" charset="-122"/>
-                <a:ea typeface="微软雅黑" charset="-122"/>
+                <a:latin typeface="微软雅黑" panose="020B0503020204020204" charset="-122"/>
+                <a:ea typeface="微软雅黑" panose="020B0503020204020204" charset="-122"/>
               </a:rPr>
               <a:t>值的使用</a:t>
             </a:r>
+            <a:endParaRPr lang="zh-CN" altLang="en-US" sz="2000" dirty="0">
+              <a:solidFill>
+                <a:srgbClr val="7F7F7F"/>
+              </a:solidFill>
+              <a:latin typeface="微软雅黑" panose="020B0503020204020204" charset="-122"/>
+              <a:ea typeface="微软雅黑" panose="020B0503020204020204" charset="-122"/>
+            </a:endParaRPr>
           </a:p>
           <a:p>
             <a:endParaRPr kumimoji="1" lang="zh-CN" altLang="en-US" dirty="0"/>
@@ -14000,11 +12673,6 @@
         </p:txBody>
       </p:sp>
     </p:spTree>
-    <p:extLst>
-      <p:ext uri="{BB962C8B-B14F-4D97-AF65-F5344CB8AC3E}">
-        <p14:creationId xmlns:p14="http://schemas.microsoft.com/office/powerpoint/2010/main" val="711672990"/>
-      </p:ext>
-    </p:extLst>
   </p:cSld>
   <p:clrMapOvr>
     <a:masterClrMapping/>
@@ -14054,9 +12722,9 @@
                 <a:solidFill>
                   <a:srgbClr val="F50A64"/>
                 </a:solidFill>
-                <a:latin typeface="微软雅黑" charset="-122"/>
-                <a:ea typeface="微软雅黑" charset="-122"/>
-                <a:sym typeface="微软雅黑" charset="-122"/>
+                <a:latin typeface="微软雅黑" panose="020B0503020204020204" charset="-122"/>
+                <a:ea typeface="微软雅黑" panose="020B0503020204020204" charset="-122"/>
+                <a:sym typeface="微软雅黑" panose="020B0503020204020204" charset="-122"/>
               </a:rPr>
               <a:t>事件处理</a:t>
             </a:r>
@@ -14088,7 +12756,7 @@
               <a:buClr>
                 <a:srgbClr val="7F7F7F"/>
               </a:buClr>
-              <a:buFont typeface="Wingdings" charset="2"/>
+              <a:buFont typeface="Wingdings" panose="05000000000000000000" pitchFamily="2" charset="2"/>
               <a:buChar char="l"/>
             </a:pPr>
             <a:r>
@@ -14096,11 +12764,18 @@
                 <a:solidFill>
                   <a:srgbClr val="3F3F3F"/>
                 </a:solidFill>
-                <a:latin typeface="微软雅黑" charset="-122"/>
-                <a:ea typeface="微软雅黑" charset="-122"/>
+                <a:latin typeface="微软雅黑" panose="020B0503020204020204" charset="-122"/>
+                <a:ea typeface="微软雅黑" panose="020B0503020204020204" charset="-122"/>
               </a:rPr>
               <a:t>事件绑定</a:t>
             </a:r>
+            <a:endParaRPr lang="zh-CN" altLang="en-US" sz="2400" dirty="0">
+              <a:solidFill>
+                <a:srgbClr val="3F3F3F"/>
+              </a:solidFill>
+              <a:latin typeface="微软雅黑" panose="020B0503020204020204" charset="-122"/>
+              <a:ea typeface="微软雅黑" panose="020B0503020204020204" charset="-122"/>
+            </a:endParaRPr>
           </a:p>
           <a:p>
             <a:pPr marL="342900" lvl="1" indent="-342900">
@@ -14114,9 +12789,9 @@
                 <a:solidFill>
                   <a:srgbClr val="7F7F7F"/>
                 </a:solidFill>
-                <a:latin typeface="微软雅黑" charset="-122"/>
-                <a:ea typeface="微软雅黑" charset="-122"/>
-                <a:sym typeface="宋体" charset="-122"/>
+                <a:latin typeface="微软雅黑" panose="020B0503020204020204" charset="-122"/>
+                <a:ea typeface="微软雅黑" panose="020B0503020204020204" charset="-122"/>
+                <a:sym typeface="宋体" panose="02010600030101010101" pitchFamily="2" charset="-122"/>
               </a:rPr>
               <a:t>	v-on:</a:t>
             </a:r>
@@ -14125,9 +12800,9 @@
                 <a:solidFill>
                   <a:srgbClr val="7F7F7F"/>
                 </a:solidFill>
-                <a:latin typeface="微软雅黑" charset="-122"/>
-                <a:ea typeface="微软雅黑" charset="-122"/>
-                <a:sym typeface="宋体" charset="-122"/>
+                <a:latin typeface="微软雅黑" panose="020B0503020204020204" charset="-122"/>
+                <a:ea typeface="微软雅黑" panose="020B0503020204020204" charset="-122"/>
+                <a:sym typeface="宋体" panose="02010600030101010101" pitchFamily="2" charset="-122"/>
               </a:rPr>
               <a:t>事件名</a:t>
             </a:r>
@@ -14136,9 +12811,9 @@
                 <a:solidFill>
                   <a:srgbClr val="7F7F7F"/>
                 </a:solidFill>
-                <a:latin typeface="微软雅黑" charset="-122"/>
-                <a:ea typeface="微软雅黑" charset="-122"/>
-                <a:sym typeface="宋体" charset="-122"/>
+                <a:latin typeface="微软雅黑" panose="020B0503020204020204" charset="-122"/>
+                <a:ea typeface="微软雅黑" panose="020B0503020204020204" charset="-122"/>
+                <a:sym typeface="宋体" panose="02010600030101010101" pitchFamily="2" charset="-122"/>
               </a:rPr>
               <a:t>="</a:t>
             </a:r>
@@ -14147,9 +12822,9 @@
                 <a:solidFill>
                   <a:srgbClr val="7F7F7F"/>
                 </a:solidFill>
-                <a:latin typeface="微软雅黑" charset="-122"/>
-                <a:ea typeface="微软雅黑" charset="-122"/>
-                <a:sym typeface="宋体" charset="-122"/>
+                <a:latin typeface="微软雅黑" panose="020B0503020204020204" charset="-122"/>
+                <a:ea typeface="微软雅黑" panose="020B0503020204020204" charset="-122"/>
+                <a:sym typeface="宋体" panose="02010600030101010101" pitchFamily="2" charset="-122"/>
               </a:rPr>
               <a:t>事件处理函数</a:t>
             </a:r>
@@ -14158,28 +12833,36 @@
                 <a:solidFill>
                   <a:srgbClr val="7F7F7F"/>
                 </a:solidFill>
-                <a:latin typeface="微软雅黑" charset="-122"/>
-                <a:ea typeface="微软雅黑" charset="-122"/>
-                <a:sym typeface="宋体" charset="-122"/>
+                <a:latin typeface="微软雅黑" panose="020B0503020204020204" charset="-122"/>
+                <a:ea typeface="微软雅黑" panose="020B0503020204020204" charset="-122"/>
+                <a:sym typeface="宋体" panose="02010600030101010101" pitchFamily="2" charset="-122"/>
               </a:rPr>
               <a:t>"</a:t>
             </a:r>
+            <a:endParaRPr lang="en-US" altLang="zh-CN" sz="2000" dirty="0">
+              <a:solidFill>
+                <a:srgbClr val="7F7F7F"/>
+              </a:solidFill>
+              <a:latin typeface="微软雅黑" panose="020B0503020204020204" charset="-122"/>
+              <a:ea typeface="微软雅黑" panose="020B0503020204020204" charset="-122"/>
+              <a:sym typeface="宋体" panose="02010600030101010101" pitchFamily="2" charset="-122"/>
+            </a:endParaRPr>
           </a:p>
           <a:p>
             <a:pPr marL="342900" lvl="1" indent="-342900">
               <a:buClr>
                 <a:srgbClr val="7F7F7F"/>
               </a:buClr>
-              <a:buFont typeface="Wingdings" charset="2"/>
+              <a:buFont typeface="Wingdings" panose="05000000000000000000" pitchFamily="2" charset="2"/>
               <a:buChar char="n"/>
             </a:pPr>
             <a:endParaRPr lang="en-US" altLang="zh-CN" sz="2000" dirty="0">
               <a:solidFill>
                 <a:srgbClr val="7F7F7F"/>
               </a:solidFill>
-              <a:latin typeface="微软雅黑" charset="-122"/>
-              <a:ea typeface="微软雅黑" charset="-122"/>
-              <a:sym typeface="宋体" charset="-122"/>
+              <a:latin typeface="微软雅黑" panose="020B0503020204020204" charset="-122"/>
+              <a:ea typeface="微软雅黑" panose="020B0503020204020204" charset="-122"/>
+              <a:sym typeface="宋体" panose="02010600030101010101" pitchFamily="2" charset="-122"/>
             </a:endParaRPr>
           </a:p>
           <a:p>
@@ -14187,31 +12870,28 @@
               <a:buClr>
                 <a:srgbClr val="7F7F7F"/>
               </a:buClr>
-              <a:buFont typeface="Wingdings" charset="2"/>
+              <a:buFont typeface="Wingdings" panose="05000000000000000000" pitchFamily="2" charset="2"/>
               <a:buChar char="l"/>
             </a:pPr>
             <a:r>
               <a:rPr lang="zh-CN" altLang="en-US" sz="2400" dirty="0">
                 <a:solidFill>
-                  <a:srgbClr val="7F7F7F"/>
-                </a:solidFill>
-                <a:latin typeface="微软雅黑" charset="-122"/>
-                <a:ea typeface="微软雅黑" charset="-122"/>
-                <a:sym typeface="宋体" charset="-122"/>
-              </a:rPr>
-              <a:t>  </a:t>
-            </a:r>
-            <a:r>
-              <a:rPr lang="zh-CN" altLang="en-US" sz="2400" dirty="0">
-                <a:solidFill>
                   <a:srgbClr val="3F3F3F"/>
                 </a:solidFill>
-                <a:latin typeface="微软雅黑" charset="-122"/>
-                <a:ea typeface="微软雅黑" charset="-122"/>
-                <a:sym typeface="宋体" charset="-122"/>
+                <a:latin typeface="微软雅黑" panose="020B0503020204020204" charset="-122"/>
+                <a:ea typeface="微软雅黑" panose="020B0503020204020204" charset="-122"/>
+                <a:sym typeface="宋体" panose="02010600030101010101" pitchFamily="2" charset="-122"/>
               </a:rPr>
               <a:t>事件修饰符</a:t>
             </a:r>
+            <a:endParaRPr lang="zh-CN" altLang="en-US" sz="2400" dirty="0">
+              <a:solidFill>
+                <a:srgbClr val="3F3F3F"/>
+              </a:solidFill>
+              <a:latin typeface="微软雅黑" panose="020B0503020204020204" charset="-122"/>
+              <a:ea typeface="微软雅黑" panose="020B0503020204020204" charset="-122"/>
+              <a:sym typeface="宋体" panose="02010600030101010101" pitchFamily="2" charset="-122"/>
+            </a:endParaRPr>
           </a:p>
           <a:p>
             <a:pPr marL="342900" lvl="1" indent="-342900">
@@ -14225,9 +12905,9 @@
                 <a:solidFill>
                   <a:srgbClr val="7F7F7F"/>
                 </a:solidFill>
-                <a:latin typeface="微软雅黑" charset="-122"/>
-                <a:ea typeface="微软雅黑" charset="-122"/>
-                <a:sym typeface="宋体" charset="-122"/>
+                <a:latin typeface="微软雅黑" panose="020B0503020204020204" charset="-122"/>
+                <a:ea typeface="微软雅黑" panose="020B0503020204020204" charset="-122"/>
+                <a:sym typeface="宋体" panose="02010600030101010101" pitchFamily="2" charset="-122"/>
               </a:rPr>
               <a:t>	</a:t>
             </a:r>
@@ -14236,12 +12916,20 @@
                 <a:solidFill>
                   <a:srgbClr val="7F7F7F"/>
                 </a:solidFill>
-                <a:latin typeface="微软雅黑" charset="-122"/>
-                <a:ea typeface="微软雅黑" charset="-122"/>
-                <a:sym typeface="宋体" charset="-122"/>
+                <a:latin typeface="微软雅黑" panose="020B0503020204020204" charset="-122"/>
+                <a:ea typeface="微软雅黑" panose="020B0503020204020204" charset="-122"/>
+                <a:sym typeface="宋体" panose="02010600030101010101" pitchFamily="2" charset="-122"/>
               </a:rPr>
               <a:t>methods 只有纯粹的数据逻辑，而不是去处理 DOM 事件细节</a:t>
             </a:r>
+            <a:endParaRPr lang="en-US" altLang="zh-CN" sz="2000" dirty="0">
+              <a:solidFill>
+                <a:srgbClr val="7F7F7F"/>
+              </a:solidFill>
+              <a:latin typeface="微软雅黑" panose="020B0503020204020204" charset="-122"/>
+              <a:ea typeface="微软雅黑" panose="020B0503020204020204" charset="-122"/>
+              <a:sym typeface="宋体" panose="02010600030101010101" pitchFamily="2" charset="-122"/>
+            </a:endParaRPr>
           </a:p>
           <a:p>
             <a:pPr marL="342900" lvl="1" indent="-342900">
@@ -14255,12 +12943,20 @@
                 <a:solidFill>
                   <a:srgbClr val="7F7F7F"/>
                 </a:solidFill>
-                <a:latin typeface="微软雅黑" charset="-122"/>
-                <a:ea typeface="微软雅黑" charset="-122"/>
-                <a:sym typeface="宋体" charset="-122"/>
+                <a:latin typeface="微软雅黑" panose="020B0503020204020204" charset="-122"/>
+                <a:ea typeface="微软雅黑" panose="020B0503020204020204" charset="-122"/>
+                <a:sym typeface="宋体" panose="02010600030101010101" pitchFamily="2" charset="-122"/>
               </a:rPr>
               <a:t>	</a:t>
             </a:r>
+            <a:endParaRPr lang="en-US" altLang="zh-CN" sz="2000" dirty="0">
+              <a:solidFill>
+                <a:srgbClr val="7F7F7F"/>
+              </a:solidFill>
+              <a:latin typeface="微软雅黑" panose="020B0503020204020204" charset="-122"/>
+              <a:ea typeface="微软雅黑" panose="020B0503020204020204" charset="-122"/>
+              <a:sym typeface="宋体" panose="02010600030101010101" pitchFamily="2" charset="-122"/>
+            </a:endParaRPr>
           </a:p>
           <a:p>
             <a:pPr marL="342900" lvl="1" indent="-342900">
@@ -14274,9 +12970,9 @@
                 <a:solidFill>
                   <a:srgbClr val="7F7F7F"/>
                 </a:solidFill>
-                <a:latin typeface="微软雅黑" charset="-122"/>
-                <a:ea typeface="微软雅黑" charset="-122"/>
-                <a:sym typeface="宋体" charset="-122"/>
+                <a:latin typeface="微软雅黑" panose="020B0503020204020204" charset="-122"/>
+                <a:ea typeface="微软雅黑" panose="020B0503020204020204" charset="-122"/>
+                <a:sym typeface="宋体" panose="02010600030101010101" pitchFamily="2" charset="-122"/>
               </a:rPr>
               <a:t>	</a:t>
             </a:r>
@@ -14285,12 +12981,20 @@
                 <a:solidFill>
                   <a:srgbClr val="7F7F7F"/>
                 </a:solidFill>
-                <a:latin typeface="微软雅黑" charset="-122"/>
-                <a:ea typeface="微软雅黑" charset="-122"/>
-                <a:sym typeface="宋体" charset="-122"/>
+                <a:latin typeface="微软雅黑" panose="020B0503020204020204" charset="-122"/>
+                <a:ea typeface="微软雅黑" panose="020B0503020204020204" charset="-122"/>
+                <a:sym typeface="宋体" panose="02010600030101010101" pitchFamily="2" charset="-122"/>
               </a:rPr>
               <a:t>例如：要阻止冒泡：v-on:click.stop = "doThis"</a:t>
             </a:r>
+            <a:endParaRPr lang="zh-CN" altLang="en-US" sz="2000" dirty="0">
+              <a:solidFill>
+                <a:srgbClr val="7F7F7F"/>
+              </a:solidFill>
+              <a:latin typeface="微软雅黑" panose="020B0503020204020204" charset="-122"/>
+              <a:ea typeface="微软雅黑" panose="020B0503020204020204" charset="-122"/>
+              <a:sym typeface="宋体" panose="02010600030101010101" pitchFamily="2" charset="-122"/>
+            </a:endParaRPr>
           </a:p>
           <a:p>
             <a:pPr marL="342900" lvl="1" indent="-342900">
@@ -14304,9 +13008,9 @@
                 <a:solidFill>
                   <a:srgbClr val="7F7F7F"/>
                 </a:solidFill>
-                <a:latin typeface="微软雅黑" charset="-122"/>
-                <a:ea typeface="微软雅黑" charset="-122"/>
-                <a:sym typeface="宋体" charset="-122"/>
+                <a:latin typeface="微软雅黑" panose="020B0503020204020204" charset="-122"/>
+                <a:ea typeface="微软雅黑" panose="020B0503020204020204" charset="-122"/>
+                <a:sym typeface="宋体" panose="02010600030101010101" pitchFamily="2" charset="-122"/>
               </a:rPr>
               <a:t>	          </a:t>
             </a:r>
@@ -14315,9 +13019,9 @@
                 <a:solidFill>
                   <a:srgbClr val="7F7F7F"/>
                 </a:solidFill>
-                <a:latin typeface="微软雅黑" charset="-122"/>
-                <a:ea typeface="微软雅黑" charset="-122"/>
-                <a:sym typeface="宋体" charset="-122"/>
+                <a:latin typeface="微软雅黑" panose="020B0503020204020204" charset="-122"/>
+                <a:ea typeface="微软雅黑" panose="020B0503020204020204" charset="-122"/>
+                <a:sym typeface="宋体" panose="02010600030101010101" pitchFamily="2" charset="-122"/>
               </a:rPr>
               <a:t>指定按键：v-on:</a:t>
             </a:r>
@@ -14326,9 +13030,9 @@
                 <a:solidFill>
                   <a:srgbClr val="7F7F7F"/>
                 </a:solidFill>
-                <a:latin typeface="微软雅黑" charset="-122"/>
-                <a:ea typeface="微软雅黑" charset="-122"/>
-                <a:sym typeface="宋体" charset="-122"/>
+                <a:latin typeface="微软雅黑" panose="020B0503020204020204" charset="-122"/>
+                <a:ea typeface="微软雅黑" panose="020B0503020204020204" charset="-122"/>
+                <a:sym typeface="宋体" panose="02010600030101010101" pitchFamily="2" charset="-122"/>
               </a:rPr>
               <a:t>keyup</a:t>
             </a:r>
@@ -14337,9 +13041,9 @@
                 <a:solidFill>
                   <a:srgbClr val="7F7F7F"/>
                 </a:solidFill>
-                <a:latin typeface="微软雅黑" charset="-122"/>
-                <a:ea typeface="微软雅黑" charset="-122"/>
-                <a:sym typeface="宋体" charset="-122"/>
+                <a:latin typeface="微软雅黑" panose="020B0503020204020204" charset="-122"/>
+                <a:ea typeface="微软雅黑" panose="020B0503020204020204" charset="-122"/>
+                <a:sym typeface="宋体" panose="02010600030101010101" pitchFamily="2" charset="-122"/>
               </a:rPr>
               <a:t>.</a:t>
             </a:r>
@@ -14348,9 +13052,9 @@
                 <a:solidFill>
                   <a:srgbClr val="7F7F7F"/>
                 </a:solidFill>
-                <a:latin typeface="微软雅黑" charset="-122"/>
-                <a:ea typeface="微软雅黑" charset="-122"/>
-                <a:sym typeface="宋体" charset="-122"/>
+                <a:latin typeface="微软雅黑" panose="020B0503020204020204" charset="-122"/>
+                <a:ea typeface="微软雅黑" panose="020B0503020204020204" charset="-122"/>
+                <a:sym typeface="宋体" panose="02010600030101010101" pitchFamily="2" charset="-122"/>
               </a:rPr>
               <a:t>13 </a:t>
             </a:r>
@@ -14359,9 +13063,9 @@
                 <a:solidFill>
                   <a:srgbClr val="7F7F7F"/>
                 </a:solidFill>
-                <a:latin typeface="微软雅黑" charset="-122"/>
-                <a:ea typeface="微软雅黑" charset="-122"/>
-                <a:sym typeface="宋体" charset="-122"/>
+                <a:latin typeface="微软雅黑" panose="020B0503020204020204" charset="-122"/>
+                <a:ea typeface="微软雅黑" panose="020B0503020204020204" charset="-122"/>
+                <a:sym typeface="宋体" panose="02010600030101010101" pitchFamily="2" charset="-122"/>
               </a:rPr>
               <a:t>= "doThis"</a:t>
             </a:r>
@@ -14369,9 +13073,9 @@
               <a:solidFill>
                 <a:srgbClr val="7F7F7F"/>
               </a:solidFill>
-              <a:latin typeface="微软雅黑" charset="-122"/>
-              <a:ea typeface="微软雅黑" charset="-122"/>
-              <a:sym typeface="宋体" charset="-122"/>
+              <a:latin typeface="微软雅黑" panose="020B0503020204020204" charset="-122"/>
+              <a:ea typeface="微软雅黑" panose="020B0503020204020204" charset="-122"/>
+              <a:sym typeface="宋体" panose="02010600030101010101" pitchFamily="2" charset="-122"/>
             </a:endParaRPr>
           </a:p>
           <a:p>
@@ -14380,11 +13084,6 @@
         </p:txBody>
       </p:sp>
     </p:spTree>
-    <p:extLst>
-      <p:ext uri="{BB962C8B-B14F-4D97-AF65-F5344CB8AC3E}">
-        <p14:creationId xmlns:p14="http://schemas.microsoft.com/office/powerpoint/2010/main" val="1751512787"/>
-      </p:ext>
-    </p:extLst>
   </p:cSld>
   <p:clrMapOvr>
     <a:masterClrMapping/>
@@ -14435,7 +13134,7 @@
     </a:clrScheme>
     <a:fontScheme name="Wisp">
       <a:majorFont>
-        <a:latin typeface="Century Gothic" panose="020B0502020202020204"/>
+        <a:latin typeface="Century Gothic"/>
         <a:ea typeface=""/>
         <a:cs typeface=""/>
         <a:font script="Jpan" typeface="メイリオ"/>
@@ -14470,7 +13169,7 @@
         <a:font script="Geor" typeface="Sylfaen"/>
       </a:majorFont>
       <a:minorFont>
-        <a:latin typeface="Century Gothic" panose="020B0502020202020204"/>
+        <a:latin typeface="Century Gothic"/>
         <a:ea typeface=""/>
         <a:cs typeface=""/>
         <a:font script="Jpan" typeface="メイリオ"/>
@@ -14629,7 +13328,7 @@
   <a:extraClrSchemeLst/>
   <a:extLst>
     <a:ext uri="{05A4C25C-085E-4340-85A3-A5531E510DB2}">
-      <thm15:themeFamily xmlns:thm15="http://schemas.microsoft.com/office/thememl/2012/main" name="Wisp" id="{7CB32D59-10C0-40DD-B7BD-2E94284A981C}" vid="{24B1A44C-C006-48B2-A4D7-E5549B3D8CD4}"/>
+      <thm15:themeFamily xmlns:thm15="http://schemas.microsoft.com/office/thememl/2012/main" name="Office Theme" id="{62F939B6-93AF-4DB8-9C6B-D6C7DFDC589F}" vid="{4A3C46E8-61CC-4603-A589-7422A47A8E4A}"/>
     </a:ext>
   </a:extLst>
 </a:theme>
@@ -14678,7 +13377,7 @@
     </a:clrScheme>
     <a:fontScheme name="Office">
       <a:majorFont>
-        <a:latin typeface="DengXian Light" panose="020F0302020204030204"/>
+        <a:latin typeface="DengXian Light"/>
         <a:ea typeface=""/>
         <a:cs typeface=""/>
         <a:font script="Jpan" typeface="Yu Gothic Light"/>
@@ -14713,7 +13412,7 @@
         <a:font script="Geor" typeface="Sylfaen"/>
       </a:majorFont>
       <a:minorFont>
-        <a:latin typeface="DengXian" panose="020F0502020204030204"/>
+        <a:latin typeface="DengXian"/>
         <a:ea typeface=""/>
         <a:cs typeface=""/>
         <a:font script="Jpan" typeface="Yu Gothic"/>
